--- a/clases/Cap07_Morphologia/presentations/IMG07_TopHat.pptx
+++ b/clases/Cap07_Morphologia/presentations/IMG07_TopHat.pptx
@@ -5,23 +5,25 @@
     <p:sldMasterId id="2147483648" r:id="rId1"/>
   </p:sldMasterIdLst>
   <p:notesMasterIdLst>
-    <p:notesMasterId r:id="rId16"/>
+    <p:notesMasterId r:id="rId18"/>
   </p:notesMasterIdLst>
   <p:sldIdLst>
     <p:sldId id="270" r:id="rId2"/>
-    <p:sldId id="405" r:id="rId3"/>
-    <p:sldId id="827" r:id="rId4"/>
-    <p:sldId id="828" r:id="rId5"/>
-    <p:sldId id="826" r:id="rId6"/>
-    <p:sldId id="811" r:id="rId7"/>
-    <p:sldId id="829" r:id="rId8"/>
-    <p:sldId id="831" r:id="rId9"/>
-    <p:sldId id="830" r:id="rId10"/>
-    <p:sldId id="818" r:id="rId11"/>
-    <p:sldId id="825" r:id="rId12"/>
-    <p:sldId id="822" r:id="rId13"/>
-    <p:sldId id="819" r:id="rId14"/>
-    <p:sldId id="824" r:id="rId15"/>
+    <p:sldId id="832" r:id="rId3"/>
+    <p:sldId id="833" r:id="rId4"/>
+    <p:sldId id="405" r:id="rId5"/>
+    <p:sldId id="827" r:id="rId6"/>
+    <p:sldId id="828" r:id="rId7"/>
+    <p:sldId id="826" r:id="rId8"/>
+    <p:sldId id="811" r:id="rId9"/>
+    <p:sldId id="829" r:id="rId10"/>
+    <p:sldId id="831" r:id="rId11"/>
+    <p:sldId id="830" r:id="rId12"/>
+    <p:sldId id="818" r:id="rId13"/>
+    <p:sldId id="825" r:id="rId14"/>
+    <p:sldId id="822" r:id="rId15"/>
+    <p:sldId id="819" r:id="rId16"/>
+    <p:sldId id="824" r:id="rId17"/>
   </p:sldIdLst>
   <p:sldSz cx="9144000" cy="6858000" type="screen4x3"/>
   <p:notesSz cx="6858000" cy="9144000"/>
@@ -221,7 +223,7 @@
           <a:p>
             <a:fld id="{A31E74E5-43EB-8941-84E7-E76CE2DEF1CC}" type="datetimeFigureOut">
               <a:rPr lang="en-US" smtClean="0"/>
-              <a:t>11/4/20</a:t>
+              <a:t>11/4/25</a:t>
             </a:fld>
             <a:endParaRPr lang="en-US"/>
           </a:p>
@@ -760,7 +762,7 @@
           <a:p>
             <a:fld id="{8BD5799D-8AC1-7647-9F4D-35F314575207}" type="datetimeFigureOut">
               <a:rPr lang="en-US" smtClean="0"/>
-              <a:t>11/4/20</a:t>
+              <a:t>11/4/25</a:t>
             </a:fld>
             <a:endParaRPr lang="en-US"/>
           </a:p>
@@ -928,7 +930,7 @@
           <a:p>
             <a:fld id="{8BD5799D-8AC1-7647-9F4D-35F314575207}" type="datetimeFigureOut">
               <a:rPr lang="en-US" smtClean="0"/>
-              <a:t>11/4/20</a:t>
+              <a:t>11/4/25</a:t>
             </a:fld>
             <a:endParaRPr lang="en-US"/>
           </a:p>
@@ -1106,7 +1108,7 @@
           <a:p>
             <a:fld id="{8BD5799D-8AC1-7647-9F4D-35F314575207}" type="datetimeFigureOut">
               <a:rPr lang="en-US" smtClean="0"/>
-              <a:t>11/4/20</a:t>
+              <a:t>11/4/25</a:t>
             </a:fld>
             <a:endParaRPr lang="en-US"/>
           </a:p>
@@ -1274,7 +1276,7 @@
           <a:p>
             <a:fld id="{8BD5799D-8AC1-7647-9F4D-35F314575207}" type="datetimeFigureOut">
               <a:rPr lang="en-US" smtClean="0"/>
-              <a:t>11/4/20</a:t>
+              <a:t>11/4/25</a:t>
             </a:fld>
             <a:endParaRPr lang="en-US"/>
           </a:p>
@@ -1519,7 +1521,7 @@
           <a:p>
             <a:fld id="{8BD5799D-8AC1-7647-9F4D-35F314575207}" type="datetimeFigureOut">
               <a:rPr lang="en-US" smtClean="0"/>
-              <a:t>11/4/20</a:t>
+              <a:t>11/4/25</a:t>
             </a:fld>
             <a:endParaRPr lang="en-US"/>
           </a:p>
@@ -1804,7 +1806,7 @@
           <a:p>
             <a:fld id="{8BD5799D-8AC1-7647-9F4D-35F314575207}" type="datetimeFigureOut">
               <a:rPr lang="en-US" smtClean="0"/>
-              <a:t>11/4/20</a:t>
+              <a:t>11/4/25</a:t>
             </a:fld>
             <a:endParaRPr lang="en-US"/>
           </a:p>
@@ -2223,7 +2225,7 @@
           <a:p>
             <a:fld id="{8BD5799D-8AC1-7647-9F4D-35F314575207}" type="datetimeFigureOut">
               <a:rPr lang="en-US" smtClean="0"/>
-              <a:t>11/4/20</a:t>
+              <a:t>11/4/25</a:t>
             </a:fld>
             <a:endParaRPr lang="en-US"/>
           </a:p>
@@ -2340,7 +2342,7 @@
           <a:p>
             <a:fld id="{8BD5799D-8AC1-7647-9F4D-35F314575207}" type="datetimeFigureOut">
               <a:rPr lang="en-US" smtClean="0"/>
-              <a:t>11/4/20</a:t>
+              <a:t>11/4/25</a:t>
             </a:fld>
             <a:endParaRPr lang="en-US"/>
           </a:p>
@@ -2435,7 +2437,7 @@
           <a:p>
             <a:fld id="{8BD5799D-8AC1-7647-9F4D-35F314575207}" type="datetimeFigureOut">
               <a:rPr lang="en-US" smtClean="0"/>
-              <a:t>11/4/20</a:t>
+              <a:t>11/4/25</a:t>
             </a:fld>
             <a:endParaRPr lang="en-US"/>
           </a:p>
@@ -2710,7 +2712,7 @@
           <a:p>
             <a:fld id="{8BD5799D-8AC1-7647-9F4D-35F314575207}" type="datetimeFigureOut">
               <a:rPr lang="en-US" smtClean="0"/>
-              <a:t>11/4/20</a:t>
+              <a:t>11/4/25</a:t>
             </a:fld>
             <a:endParaRPr lang="en-US"/>
           </a:p>
@@ -2962,7 +2964,7 @@
           <a:p>
             <a:fld id="{8BD5799D-8AC1-7647-9F4D-35F314575207}" type="datetimeFigureOut">
               <a:rPr lang="en-US" smtClean="0"/>
-              <a:t>11/4/20</a:t>
+              <a:t>11/4/25</a:t>
             </a:fld>
             <a:endParaRPr lang="en-US"/>
           </a:p>
@@ -3173,7 +3175,7 @@
           <a:p>
             <a:fld id="{8BD5799D-8AC1-7647-9F4D-35F314575207}" type="datetimeFigureOut">
               <a:rPr lang="en-US" smtClean="0"/>
-              <a:t>11/4/20</a:t>
+              <a:t>11/4/25</a:t>
             </a:fld>
             <a:endParaRPr lang="en-US"/>
           </a:p>
@@ -4895,6 +4897,53 @@
           </a:p>
         </p:txBody>
       </p:sp>
+      <p:sp>
+        <p:nvSpPr>
+          <p:cNvPr id="8" name="Rounded Rectangle 7">
+            <a:extLst>
+              <a:ext uri="{FF2B5EF4-FFF2-40B4-BE49-F238E27FC236}">
+                <a16:creationId xmlns:a16="http://schemas.microsoft.com/office/drawing/2014/main" id="{F0DA2C2A-9467-7445-A899-236B8DFFADCE}"/>
+              </a:ext>
+            </a:extLst>
+          </p:cNvPr>
+          <p:cNvSpPr/>
+          <p:nvPr/>
+        </p:nvSpPr>
+        <p:spPr>
+          <a:xfrm>
+            <a:off x="1232464" y="3688329"/>
+            <a:ext cx="3277719" cy="1219200"/>
+          </a:xfrm>
+          <a:prstGeom prst="roundRect">
+            <a:avLst/>
+          </a:prstGeom>
+        </p:spPr>
+        <p:style>
+          <a:lnRef idx="1">
+            <a:schemeClr val="accent1"/>
+          </a:lnRef>
+          <a:fillRef idx="3">
+            <a:schemeClr val="accent1"/>
+          </a:fillRef>
+          <a:effectRef idx="2">
+            <a:schemeClr val="accent1"/>
+          </a:effectRef>
+          <a:fontRef idx="minor">
+            <a:schemeClr val="lt1"/>
+          </a:fontRef>
+        </p:style>
+        <p:txBody>
+          <a:bodyPr rtlCol="0" anchor="ctr"/>
+          <a:lstStyle/>
+          <a:p>
+            <a:pPr algn="ctr"/>
+            <a:r>
+              <a:rPr lang="en-US" dirty="0"/>
+              <a:t>?</a:t>
+            </a:r>
+          </a:p>
+        </p:txBody>
+      </p:sp>
       <p:cxnSp>
         <p:nvCxnSpPr>
           <p:cNvPr id="10" name="Straight Arrow Connector 9">
@@ -4906,6 +4955,7 @@
           </p:cNvPr>
           <p:cNvCxnSpPr>
             <a:cxnSpLocks/>
+            <a:endCxn id="8" idx="1"/>
           </p:cNvCxnSpPr>
           <p:nvPr/>
         </p:nvCxnSpPr>
@@ -4920,6 +4970,179 @@
           <a:ln>
             <a:tailEnd type="triangle"/>
           </a:ln>
+        </p:spPr>
+        <p:style>
+          <a:lnRef idx="2">
+            <a:schemeClr val="accent1"/>
+          </a:lnRef>
+          <a:fillRef idx="0">
+            <a:schemeClr val="accent1"/>
+          </a:fillRef>
+          <a:effectRef idx="1">
+            <a:schemeClr val="accent1"/>
+          </a:effectRef>
+          <a:fontRef idx="minor">
+            <a:schemeClr val="tx1"/>
+          </a:fontRef>
+        </p:style>
+      </p:cxnSp>
+      <p:cxnSp>
+        <p:nvCxnSpPr>
+          <p:cNvPr id="13" name="Straight Arrow Connector 12">
+            <a:extLst>
+              <a:ext uri="{FF2B5EF4-FFF2-40B4-BE49-F238E27FC236}">
+                <a16:creationId xmlns:a16="http://schemas.microsoft.com/office/drawing/2014/main" id="{81BC0E00-E61A-AE4A-95A3-AE6D2FA5BFA6}"/>
+              </a:ext>
+            </a:extLst>
+          </p:cNvPr>
+          <p:cNvCxnSpPr>
+            <a:cxnSpLocks/>
+            <a:stCxn id="8" idx="3"/>
+            <a:endCxn id="15" idx="2"/>
+          </p:cNvCxnSpPr>
+          <p:nvPr/>
+        </p:nvCxnSpPr>
+        <p:spPr>
+          <a:xfrm>
+            <a:off x="4510183" y="4297929"/>
+            <a:ext cx="543125" cy="1"/>
+          </a:xfrm>
+          <a:prstGeom prst="straightConnector1">
+            <a:avLst/>
+          </a:prstGeom>
+          <a:ln>
+            <a:tailEnd type="triangle"/>
+          </a:ln>
+        </p:spPr>
+        <p:style>
+          <a:lnRef idx="2">
+            <a:schemeClr val="accent1"/>
+          </a:lnRef>
+          <a:fillRef idx="0">
+            <a:schemeClr val="accent1"/>
+          </a:fillRef>
+          <a:effectRef idx="1">
+            <a:schemeClr val="accent1"/>
+          </a:effectRef>
+          <a:fontRef idx="minor">
+            <a:schemeClr val="tx1"/>
+          </a:fontRef>
+        </p:style>
+      </p:cxnSp>
+      <p:sp>
+        <p:nvSpPr>
+          <p:cNvPr id="15" name="Oval 14">
+            <a:extLst>
+              <a:ext uri="{FF2B5EF4-FFF2-40B4-BE49-F238E27FC236}">
+                <a16:creationId xmlns:a16="http://schemas.microsoft.com/office/drawing/2014/main" id="{2A6DF78B-3B6A-8545-B71D-D0CE18A2D644}"/>
+              </a:ext>
+            </a:extLst>
+          </p:cNvPr>
+          <p:cNvSpPr/>
+          <p:nvPr/>
+        </p:nvSpPr>
+        <p:spPr>
+          <a:xfrm>
+            <a:off x="5053308" y="3972109"/>
+            <a:ext cx="651641" cy="651641"/>
+          </a:xfrm>
+          <a:prstGeom prst="ellipse">
+            <a:avLst/>
+          </a:prstGeom>
+        </p:spPr>
+        <p:style>
+          <a:lnRef idx="1">
+            <a:schemeClr val="accent1"/>
+          </a:lnRef>
+          <a:fillRef idx="3">
+            <a:schemeClr val="accent1"/>
+          </a:fillRef>
+          <a:effectRef idx="2">
+            <a:schemeClr val="accent1"/>
+          </a:effectRef>
+          <a:fontRef idx="minor">
+            <a:schemeClr val="lt1"/>
+          </a:fontRef>
+        </p:style>
+        <p:txBody>
+          <a:bodyPr rtlCol="0" anchor="ctr"/>
+          <a:lstStyle/>
+          <a:p>
+            <a:pPr algn="ctr"/>
+            <a:endParaRPr lang="en-US"/>
+          </a:p>
+        </p:txBody>
+      </p:sp>
+      <p:cxnSp>
+        <p:nvCxnSpPr>
+          <p:cNvPr id="16" name="Elbow Connector 15">
+            <a:extLst>
+              <a:ext uri="{FF2B5EF4-FFF2-40B4-BE49-F238E27FC236}">
+                <a16:creationId xmlns:a16="http://schemas.microsoft.com/office/drawing/2014/main" id="{FE6174D1-9E33-8D40-BB9B-346CF4DA8E48}"/>
+              </a:ext>
+            </a:extLst>
+          </p:cNvPr>
+          <p:cNvCxnSpPr>
+            <a:cxnSpLocks/>
+            <a:endCxn id="15" idx="4"/>
+          </p:cNvCxnSpPr>
+          <p:nvPr/>
+        </p:nvCxnSpPr>
+        <p:spPr>
+          <a:xfrm rot="16200000" flipH="1">
+            <a:off x="2813642" y="2058262"/>
+            <a:ext cx="325821" cy="4805154"/>
+          </a:xfrm>
+          <a:prstGeom prst="bentConnector3">
+            <a:avLst>
+              <a:gd name="adj1" fmla="val 322686"/>
+            </a:avLst>
+          </a:prstGeom>
+          <a:ln>
+            <a:tailEnd type="triangle"/>
+          </a:ln>
+        </p:spPr>
+        <p:style>
+          <a:lnRef idx="2">
+            <a:schemeClr val="accent1"/>
+          </a:lnRef>
+          <a:fillRef idx="0">
+            <a:schemeClr val="accent1"/>
+          </a:fillRef>
+          <a:effectRef idx="1">
+            <a:schemeClr val="accent1"/>
+          </a:effectRef>
+          <a:fontRef idx="minor">
+            <a:schemeClr val="tx1"/>
+          </a:fontRef>
+        </p:style>
+      </p:cxnSp>
+      <p:cxnSp>
+        <p:nvCxnSpPr>
+          <p:cNvPr id="17" name="Straight Connector 16">
+            <a:extLst>
+              <a:ext uri="{FF2B5EF4-FFF2-40B4-BE49-F238E27FC236}">
+                <a16:creationId xmlns:a16="http://schemas.microsoft.com/office/drawing/2014/main" id="{73E0BA87-2204-AF4E-8CCB-CA9387EF884B}"/>
+              </a:ext>
+            </a:extLst>
+          </p:cNvPr>
+          <p:cNvCxnSpPr/>
+          <p:nvPr/>
+        </p:nvCxnSpPr>
+        <p:spPr>
+          <a:xfrm>
+            <a:off x="5253010" y="4318946"/>
+            <a:ext cx="262759" cy="0"/>
+          </a:xfrm>
+          <a:prstGeom prst="line">
+            <a:avLst/>
+          </a:prstGeom>
+          <a:ln w="63500">
+            <a:solidFill>
+              <a:schemeClr val="bg1"/>
+            </a:solidFill>
+          </a:ln>
+          <a:effectLst/>
         </p:spPr>
         <p:style>
           <a:lnRef idx="2">
@@ -4979,6 +5202,92 @@
           </a:fontRef>
         </p:style>
       </p:cxnSp>
+      <p:cxnSp>
+        <p:nvCxnSpPr>
+          <p:cNvPr id="22" name="Straight Connector 21">
+            <a:extLst>
+              <a:ext uri="{FF2B5EF4-FFF2-40B4-BE49-F238E27FC236}">
+                <a16:creationId xmlns:a16="http://schemas.microsoft.com/office/drawing/2014/main" id="{45EEFD89-F57D-3748-9BF8-AECA1B4CDE6B}"/>
+              </a:ext>
+            </a:extLst>
+          </p:cNvPr>
+          <p:cNvCxnSpPr/>
+          <p:nvPr/>
+        </p:nvCxnSpPr>
+        <p:spPr>
+          <a:xfrm>
+            <a:off x="4783255" y="3553886"/>
+            <a:ext cx="0" cy="501612"/>
+          </a:xfrm>
+          <a:prstGeom prst="line">
+            <a:avLst/>
+          </a:prstGeom>
+          <a:ln w="12700">
+            <a:solidFill>
+              <a:schemeClr val="tx1"/>
+            </a:solidFill>
+            <a:prstDash val="dash"/>
+          </a:ln>
+          <a:effectLst/>
+        </p:spPr>
+        <p:style>
+          <a:lnRef idx="2">
+            <a:schemeClr val="accent1"/>
+          </a:lnRef>
+          <a:fillRef idx="0">
+            <a:schemeClr val="accent1"/>
+          </a:fillRef>
+          <a:effectRef idx="1">
+            <a:schemeClr val="accent1"/>
+          </a:effectRef>
+          <a:fontRef idx="minor">
+            <a:schemeClr val="tx1"/>
+          </a:fontRef>
+        </p:style>
+      </p:cxnSp>
+      <p:cxnSp>
+        <p:nvCxnSpPr>
+          <p:cNvPr id="23" name="Straight Connector 22">
+            <a:extLst>
+              <a:ext uri="{FF2B5EF4-FFF2-40B4-BE49-F238E27FC236}">
+                <a16:creationId xmlns:a16="http://schemas.microsoft.com/office/drawing/2014/main" id="{413AC62C-E9B0-B041-BB6C-B9198CF63993}"/>
+              </a:ext>
+            </a:extLst>
+          </p:cNvPr>
+          <p:cNvCxnSpPr/>
+          <p:nvPr/>
+        </p:nvCxnSpPr>
+        <p:spPr>
+          <a:xfrm>
+            <a:off x="5889245" y="3548631"/>
+            <a:ext cx="0" cy="501612"/>
+          </a:xfrm>
+          <a:prstGeom prst="line">
+            <a:avLst/>
+          </a:prstGeom>
+          <a:ln w="12700">
+            <a:solidFill>
+              <a:schemeClr val="tx1"/>
+            </a:solidFill>
+            <a:prstDash val="dash"/>
+          </a:ln>
+          <a:effectLst/>
+        </p:spPr>
+        <p:style>
+          <a:lnRef idx="2">
+            <a:schemeClr val="accent1"/>
+          </a:lnRef>
+          <a:fillRef idx="0">
+            <a:schemeClr val="accent1"/>
+          </a:fillRef>
+          <a:effectRef idx="1">
+            <a:schemeClr val="accent1"/>
+          </a:effectRef>
+          <a:fontRef idx="minor">
+            <a:schemeClr val="tx1"/>
+          </a:fontRef>
+        </p:style>
+      </p:cxnSp>
       <p:pic>
         <p:nvPicPr>
           <p:cNvPr id="3" name="Picture 2">
@@ -5009,10 +5318,195 @@
           </a:prstGeom>
         </p:spPr>
       </p:pic>
+      <p:pic>
+        <p:nvPicPr>
+          <p:cNvPr id="26" name="Picture 25">
+            <a:extLst>
+              <a:ext uri="{FF2B5EF4-FFF2-40B4-BE49-F238E27FC236}">
+                <a16:creationId xmlns:a16="http://schemas.microsoft.com/office/drawing/2014/main" id="{D1E4495A-C4D6-EE4E-9041-429060D79615}"/>
+              </a:ext>
+            </a:extLst>
+          </p:cNvPr>
+          <p:cNvPicPr>
+            <a:picLocks noChangeAspect="1"/>
+          </p:cNvPicPr>
+          <p:nvPr/>
+        </p:nvPicPr>
+        <p:blipFill>
+          <a:blip r:embed="rId3"/>
+          <a:stretch>
+            <a:fillRect/>
+          </a:stretch>
+        </p:blipFill>
+        <p:spPr>
+          <a:xfrm>
+            <a:off x="5496809" y="1948068"/>
+            <a:ext cx="1408733" cy="1408733"/>
+          </a:xfrm>
+          <a:prstGeom prst="rect">
+            <a:avLst/>
+          </a:prstGeom>
+        </p:spPr>
+      </p:pic>
+      <p:pic>
+        <p:nvPicPr>
+          <p:cNvPr id="28" name="Picture 27">
+            <a:extLst>
+              <a:ext uri="{FF2B5EF4-FFF2-40B4-BE49-F238E27FC236}">
+                <a16:creationId xmlns:a16="http://schemas.microsoft.com/office/drawing/2014/main" id="{67B5C0F3-91D7-074F-9005-9F094EE7CA9E}"/>
+              </a:ext>
+            </a:extLst>
+          </p:cNvPr>
+          <p:cNvPicPr>
+            <a:picLocks noChangeAspect="1"/>
+          </p:cNvPicPr>
+          <p:nvPr/>
+        </p:nvPicPr>
+        <p:blipFill>
+          <a:blip r:embed="rId4"/>
+          <a:srcRect/>
+          <a:stretch/>
+        </p:blipFill>
+        <p:spPr>
+          <a:xfrm>
+            <a:off x="3901827" y="1949964"/>
+            <a:ext cx="1408732" cy="1397639"/>
+          </a:xfrm>
+          <a:prstGeom prst="rect">
+            <a:avLst/>
+          </a:prstGeom>
+        </p:spPr>
+      </p:pic>
+      <p:sp>
+        <p:nvSpPr>
+          <p:cNvPr id="29" name="Right Brace 28">
+            <a:extLst>
+              <a:ext uri="{FF2B5EF4-FFF2-40B4-BE49-F238E27FC236}">
+                <a16:creationId xmlns:a16="http://schemas.microsoft.com/office/drawing/2014/main" id="{99981DE2-9FFF-C742-880E-52DCFD7F8361}"/>
+              </a:ext>
+            </a:extLst>
+          </p:cNvPr>
+          <p:cNvSpPr/>
+          <p:nvPr/>
+        </p:nvSpPr>
+        <p:spPr>
+          <a:xfrm rot="5400000">
+            <a:off x="3305845" y="3522398"/>
+            <a:ext cx="325822" cy="4651513"/>
+          </a:xfrm>
+          <a:prstGeom prst="rightBrace">
+            <a:avLst/>
+          </a:prstGeom>
+          <a:ln>
+            <a:solidFill>
+              <a:schemeClr val="tx1"/>
+            </a:solidFill>
+          </a:ln>
+        </p:spPr>
+        <p:style>
+          <a:lnRef idx="2">
+            <a:schemeClr val="accent1"/>
+          </a:lnRef>
+          <a:fillRef idx="0">
+            <a:schemeClr val="accent1"/>
+          </a:fillRef>
+          <a:effectRef idx="1">
+            <a:schemeClr val="accent1"/>
+          </a:effectRef>
+          <a:fontRef idx="minor">
+            <a:schemeClr val="tx1"/>
+          </a:fontRef>
+        </p:style>
+        <p:txBody>
+          <a:bodyPr rtlCol="0" anchor="ctr"/>
+          <a:lstStyle/>
+          <a:p>
+            <a:pPr algn="ctr"/>
+            <a:endParaRPr lang="en-US"/>
+          </a:p>
+        </p:txBody>
+      </p:sp>
+      <p:sp>
+        <p:nvSpPr>
+          <p:cNvPr id="30" name="TextBox 29">
+            <a:extLst>
+              <a:ext uri="{FF2B5EF4-FFF2-40B4-BE49-F238E27FC236}">
+                <a16:creationId xmlns:a16="http://schemas.microsoft.com/office/drawing/2014/main" id="{2C6B5658-41CB-574E-B21F-155218009FB2}"/>
+              </a:ext>
+            </a:extLst>
+          </p:cNvPr>
+          <p:cNvSpPr txBox="1"/>
+          <p:nvPr/>
+        </p:nvSpPr>
+        <p:spPr>
+          <a:xfrm>
+            <a:off x="3041372" y="6129707"/>
+            <a:ext cx="849720" cy="369332"/>
+          </a:xfrm>
+          <a:prstGeom prst="rect">
+            <a:avLst/>
+          </a:prstGeom>
+          <a:noFill/>
+        </p:spPr>
+        <p:txBody>
+          <a:bodyPr wrap="none" rtlCol="0">
+            <a:spAutoFit/>
+          </a:bodyPr>
+          <a:lstStyle/>
+          <a:p>
+            <a:r>
+              <a:rPr lang="en-US" dirty="0" err="1"/>
+              <a:t>TopHat</a:t>
+            </a:r>
+            <a:endParaRPr lang="en-US" dirty="0"/>
+          </a:p>
+        </p:txBody>
+      </p:sp>
+      <p:cxnSp>
+        <p:nvCxnSpPr>
+          <p:cNvPr id="43" name="Straight Arrow Connector 42">
+            <a:extLst>
+              <a:ext uri="{FF2B5EF4-FFF2-40B4-BE49-F238E27FC236}">
+                <a16:creationId xmlns:a16="http://schemas.microsoft.com/office/drawing/2014/main" id="{ECA8D082-CF8A-0547-A83E-A9D55BA28E36}"/>
+              </a:ext>
+            </a:extLst>
+          </p:cNvPr>
+          <p:cNvCxnSpPr>
+            <a:cxnSpLocks/>
+          </p:cNvCxnSpPr>
+          <p:nvPr/>
+        </p:nvCxnSpPr>
+        <p:spPr>
+          <a:xfrm>
+            <a:off x="5704954" y="4303185"/>
+            <a:ext cx="540000" cy="0"/>
+          </a:xfrm>
+          <a:prstGeom prst="straightConnector1">
+            <a:avLst/>
+          </a:prstGeom>
+          <a:ln>
+            <a:tailEnd type="triangle"/>
+          </a:ln>
+        </p:spPr>
+        <p:style>
+          <a:lnRef idx="2">
+            <a:schemeClr val="accent1"/>
+          </a:lnRef>
+          <a:fillRef idx="0">
+            <a:schemeClr val="accent1"/>
+          </a:fillRef>
+          <a:effectRef idx="1">
+            <a:schemeClr val="accent1"/>
+          </a:effectRef>
+          <a:fontRef idx="minor">
+            <a:schemeClr val="tx1"/>
+          </a:fontRef>
+        </p:style>
+      </p:cxnSp>
     </p:spTree>
     <p:extLst>
       <p:ext uri="{BB962C8B-B14F-4D97-AF65-F5344CB8AC3E}">
-        <p14:creationId xmlns:p14="http://schemas.microsoft.com/office/powerpoint/2010/main" val="1044649468"/>
+        <p14:creationId xmlns:p14="http://schemas.microsoft.com/office/powerpoint/2010/main" val="184759005"/>
       </p:ext>
     </p:extLst>
   </p:cSld>
@@ -5117,7 +5611,7 @@
         <p:spPr>
           <a:xfrm>
             <a:off x="1232464" y="3688329"/>
-            <a:ext cx="1344485" cy="1219200"/>
+            <a:ext cx="3277719" cy="1219200"/>
           </a:xfrm>
           <a:prstGeom prst="roundRect">
             <a:avLst/>
@@ -5143,10 +5637,9 @@
           <a:p>
             <a:pPr algn="ctr"/>
             <a:r>
-              <a:rPr lang="en-US" dirty="0" err="1"/>
-              <a:t>Erosión</a:t>
-            </a:r>
-            <a:endParaRPr lang="en-US" dirty="0"/>
+              <a:rPr lang="en-US" dirty="0"/>
+              <a:t>?</a:t>
+            </a:r>
           </a:p>
         </p:txBody>
       </p:sp>
@@ -5169,6 +5662,267 @@
           <a:xfrm>
             <a:off x="457200" y="4297929"/>
             <a:ext cx="775264" cy="0"/>
+          </a:xfrm>
+          <a:prstGeom prst="straightConnector1">
+            <a:avLst/>
+          </a:prstGeom>
+          <a:ln>
+            <a:tailEnd type="triangle"/>
+          </a:ln>
+        </p:spPr>
+        <p:style>
+          <a:lnRef idx="2">
+            <a:schemeClr val="accent1"/>
+          </a:lnRef>
+          <a:fillRef idx="0">
+            <a:schemeClr val="accent1"/>
+          </a:fillRef>
+          <a:effectRef idx="1">
+            <a:schemeClr val="accent1"/>
+          </a:effectRef>
+          <a:fontRef idx="minor">
+            <a:schemeClr val="tx1"/>
+          </a:fontRef>
+        </p:style>
+      </p:cxnSp>
+      <p:cxnSp>
+        <p:nvCxnSpPr>
+          <p:cNvPr id="13" name="Straight Arrow Connector 12">
+            <a:extLst>
+              <a:ext uri="{FF2B5EF4-FFF2-40B4-BE49-F238E27FC236}">
+                <a16:creationId xmlns:a16="http://schemas.microsoft.com/office/drawing/2014/main" id="{81BC0E00-E61A-AE4A-95A3-AE6D2FA5BFA6}"/>
+              </a:ext>
+            </a:extLst>
+          </p:cNvPr>
+          <p:cNvCxnSpPr>
+            <a:cxnSpLocks/>
+            <a:stCxn id="8" idx="3"/>
+            <a:endCxn id="15" idx="2"/>
+          </p:cNvCxnSpPr>
+          <p:nvPr/>
+        </p:nvCxnSpPr>
+        <p:spPr>
+          <a:xfrm>
+            <a:off x="4510183" y="4297929"/>
+            <a:ext cx="543125" cy="1"/>
+          </a:xfrm>
+          <a:prstGeom prst="straightConnector1">
+            <a:avLst/>
+          </a:prstGeom>
+          <a:ln>
+            <a:tailEnd type="triangle"/>
+          </a:ln>
+        </p:spPr>
+        <p:style>
+          <a:lnRef idx="2">
+            <a:schemeClr val="accent1"/>
+          </a:lnRef>
+          <a:fillRef idx="0">
+            <a:schemeClr val="accent1"/>
+          </a:fillRef>
+          <a:effectRef idx="1">
+            <a:schemeClr val="accent1"/>
+          </a:effectRef>
+          <a:fontRef idx="minor">
+            <a:schemeClr val="tx1"/>
+          </a:fontRef>
+        </p:style>
+      </p:cxnSp>
+      <p:sp>
+        <p:nvSpPr>
+          <p:cNvPr id="15" name="Oval 14">
+            <a:extLst>
+              <a:ext uri="{FF2B5EF4-FFF2-40B4-BE49-F238E27FC236}">
+                <a16:creationId xmlns:a16="http://schemas.microsoft.com/office/drawing/2014/main" id="{2A6DF78B-3B6A-8545-B71D-D0CE18A2D644}"/>
+              </a:ext>
+            </a:extLst>
+          </p:cNvPr>
+          <p:cNvSpPr/>
+          <p:nvPr/>
+        </p:nvSpPr>
+        <p:spPr>
+          <a:xfrm>
+            <a:off x="5053308" y="3972109"/>
+            <a:ext cx="651641" cy="651641"/>
+          </a:xfrm>
+          <a:prstGeom prst="ellipse">
+            <a:avLst/>
+          </a:prstGeom>
+        </p:spPr>
+        <p:style>
+          <a:lnRef idx="1">
+            <a:schemeClr val="accent1"/>
+          </a:lnRef>
+          <a:fillRef idx="3">
+            <a:schemeClr val="accent1"/>
+          </a:fillRef>
+          <a:effectRef idx="2">
+            <a:schemeClr val="accent1"/>
+          </a:effectRef>
+          <a:fontRef idx="minor">
+            <a:schemeClr val="lt1"/>
+          </a:fontRef>
+        </p:style>
+        <p:txBody>
+          <a:bodyPr rtlCol="0" anchor="ctr"/>
+          <a:lstStyle/>
+          <a:p>
+            <a:pPr algn="ctr"/>
+            <a:endParaRPr lang="en-US"/>
+          </a:p>
+        </p:txBody>
+      </p:sp>
+      <p:cxnSp>
+        <p:nvCxnSpPr>
+          <p:cNvPr id="16" name="Elbow Connector 15">
+            <a:extLst>
+              <a:ext uri="{FF2B5EF4-FFF2-40B4-BE49-F238E27FC236}">
+                <a16:creationId xmlns:a16="http://schemas.microsoft.com/office/drawing/2014/main" id="{FE6174D1-9E33-8D40-BB9B-346CF4DA8E48}"/>
+              </a:ext>
+            </a:extLst>
+          </p:cNvPr>
+          <p:cNvCxnSpPr>
+            <a:cxnSpLocks/>
+            <a:endCxn id="15" idx="4"/>
+          </p:cNvCxnSpPr>
+          <p:nvPr/>
+        </p:nvCxnSpPr>
+        <p:spPr>
+          <a:xfrm rot="16200000" flipH="1">
+            <a:off x="2813642" y="2058262"/>
+            <a:ext cx="325821" cy="4805154"/>
+          </a:xfrm>
+          <a:prstGeom prst="bentConnector3">
+            <a:avLst>
+              <a:gd name="adj1" fmla="val 322686"/>
+            </a:avLst>
+          </a:prstGeom>
+          <a:ln>
+            <a:tailEnd type="triangle"/>
+          </a:ln>
+        </p:spPr>
+        <p:style>
+          <a:lnRef idx="2">
+            <a:schemeClr val="accent1"/>
+          </a:lnRef>
+          <a:fillRef idx="0">
+            <a:schemeClr val="accent1"/>
+          </a:fillRef>
+          <a:effectRef idx="1">
+            <a:schemeClr val="accent1"/>
+          </a:effectRef>
+          <a:fontRef idx="minor">
+            <a:schemeClr val="tx1"/>
+          </a:fontRef>
+        </p:style>
+      </p:cxnSp>
+      <p:cxnSp>
+        <p:nvCxnSpPr>
+          <p:cNvPr id="17" name="Straight Connector 16">
+            <a:extLst>
+              <a:ext uri="{FF2B5EF4-FFF2-40B4-BE49-F238E27FC236}">
+                <a16:creationId xmlns:a16="http://schemas.microsoft.com/office/drawing/2014/main" id="{73E0BA87-2204-AF4E-8CCB-CA9387EF884B}"/>
+              </a:ext>
+            </a:extLst>
+          </p:cNvPr>
+          <p:cNvCxnSpPr/>
+          <p:nvPr/>
+        </p:nvCxnSpPr>
+        <p:spPr>
+          <a:xfrm>
+            <a:off x="5253010" y="4318946"/>
+            <a:ext cx="262759" cy="0"/>
+          </a:xfrm>
+          <a:prstGeom prst="line">
+            <a:avLst/>
+          </a:prstGeom>
+          <a:ln w="63500">
+            <a:solidFill>
+              <a:schemeClr val="bg1"/>
+            </a:solidFill>
+          </a:ln>
+          <a:effectLst/>
+        </p:spPr>
+        <p:style>
+          <a:lnRef idx="2">
+            <a:schemeClr val="accent1"/>
+          </a:lnRef>
+          <a:fillRef idx="0">
+            <a:schemeClr val="accent1"/>
+          </a:fillRef>
+          <a:effectRef idx="1">
+            <a:schemeClr val="accent1"/>
+          </a:effectRef>
+          <a:fontRef idx="minor">
+            <a:schemeClr val="tx1"/>
+          </a:fontRef>
+        </p:style>
+      </p:cxnSp>
+      <p:sp>
+        <p:nvSpPr>
+          <p:cNvPr id="19" name="Rounded Rectangle 18">
+            <a:extLst>
+              <a:ext uri="{FF2B5EF4-FFF2-40B4-BE49-F238E27FC236}">
+                <a16:creationId xmlns:a16="http://schemas.microsoft.com/office/drawing/2014/main" id="{A7D4FB48-722F-8943-BF69-F168D1CF98DC}"/>
+              </a:ext>
+            </a:extLst>
+          </p:cNvPr>
+          <p:cNvSpPr/>
+          <p:nvPr/>
+        </p:nvSpPr>
+        <p:spPr>
+          <a:xfrm>
+            <a:off x="6248066" y="3719860"/>
+            <a:ext cx="1282261" cy="1219200"/>
+          </a:xfrm>
+          <a:prstGeom prst="roundRect">
+            <a:avLst/>
+          </a:prstGeom>
+        </p:spPr>
+        <p:style>
+          <a:lnRef idx="1">
+            <a:schemeClr val="accent1"/>
+          </a:lnRef>
+          <a:fillRef idx="3">
+            <a:schemeClr val="accent1"/>
+          </a:fillRef>
+          <a:effectRef idx="2">
+            <a:schemeClr val="accent1"/>
+          </a:effectRef>
+          <a:fontRef idx="minor">
+            <a:schemeClr val="lt1"/>
+          </a:fontRef>
+        </p:style>
+        <p:txBody>
+          <a:bodyPr rtlCol="0" anchor="ctr"/>
+          <a:lstStyle/>
+          <a:p>
+            <a:pPr algn="ctr"/>
+            <a:r>
+              <a:rPr lang="en-US" dirty="0"/>
+              <a:t>Umbral</a:t>
+            </a:r>
+          </a:p>
+        </p:txBody>
+      </p:sp>
+      <p:cxnSp>
+        <p:nvCxnSpPr>
+          <p:cNvPr id="20" name="Straight Arrow Connector 19">
+            <a:extLst>
+              <a:ext uri="{FF2B5EF4-FFF2-40B4-BE49-F238E27FC236}">
+                <a16:creationId xmlns:a16="http://schemas.microsoft.com/office/drawing/2014/main" id="{65B275A6-B1D8-C543-954C-2F19146A1778}"/>
+              </a:ext>
+            </a:extLst>
+          </p:cNvPr>
+          <p:cNvCxnSpPr>
+            <a:cxnSpLocks/>
+          </p:cNvCxnSpPr>
+          <p:nvPr/>
+        </p:nvCxnSpPr>
+        <p:spPr>
+          <a:xfrm>
+            <a:off x="7514445" y="4313231"/>
+            <a:ext cx="1188000" cy="1"/>
           </a:xfrm>
           <a:prstGeom prst="straightConnector1">
             <a:avLst/>
@@ -5235,61 +5989,33 @@
           </a:fontRef>
         </p:style>
       </p:cxnSp>
-      <p:pic>
-        <p:nvPicPr>
-          <p:cNvPr id="3" name="Picture 2">
-            <a:extLst>
-              <a:ext uri="{FF2B5EF4-FFF2-40B4-BE49-F238E27FC236}">
-                <a16:creationId xmlns:a16="http://schemas.microsoft.com/office/drawing/2014/main" id="{B3CA291D-13BF-BC45-90B0-470D06FD79F4}"/>
-              </a:ext>
-            </a:extLst>
-          </p:cNvPr>
-          <p:cNvPicPr>
-            <a:picLocks noChangeAspect="1"/>
-          </p:cNvPicPr>
-          <p:nvPr/>
-        </p:nvPicPr>
-        <p:blipFill>
-          <a:blip r:embed="rId2"/>
-          <a:stretch>
-            <a:fillRect/>
-          </a:stretch>
-        </p:blipFill>
-        <p:spPr>
-          <a:xfrm>
-            <a:off x="437324" y="1948068"/>
-            <a:ext cx="1408733" cy="1414323"/>
-          </a:xfrm>
-          <a:prstGeom prst="rect">
-            <a:avLst/>
-          </a:prstGeom>
-        </p:spPr>
-      </p:pic>
       <p:cxnSp>
         <p:nvCxnSpPr>
-          <p:cNvPr id="31" name="Straight Arrow Connector 30">
-            <a:extLst>
-              <a:ext uri="{FF2B5EF4-FFF2-40B4-BE49-F238E27FC236}">
-                <a16:creationId xmlns:a16="http://schemas.microsoft.com/office/drawing/2014/main" id="{D3004307-B3B3-1148-AD5B-9DA7C8F56A83}"/>
-              </a:ext>
-            </a:extLst>
-          </p:cNvPr>
-          <p:cNvCxnSpPr>
-            <a:cxnSpLocks/>
-          </p:cNvCxnSpPr>
+          <p:cNvPr id="22" name="Straight Connector 21">
+            <a:extLst>
+              <a:ext uri="{FF2B5EF4-FFF2-40B4-BE49-F238E27FC236}">
+                <a16:creationId xmlns:a16="http://schemas.microsoft.com/office/drawing/2014/main" id="{45EEFD89-F57D-3748-9BF8-AECA1B4CDE6B}"/>
+              </a:ext>
+            </a:extLst>
+          </p:cNvPr>
+          <p:cNvCxnSpPr/>
           <p:nvPr/>
         </p:nvCxnSpPr>
         <p:spPr>
           <a:xfrm>
-            <a:off x="2577550" y="4301245"/>
-            <a:ext cx="432000" cy="0"/>
-          </a:xfrm>
-          <a:prstGeom prst="straightConnector1">
-            <a:avLst/>
-          </a:prstGeom>
-          <a:ln>
-            <a:tailEnd type="triangle"/>
+            <a:off x="4783255" y="3553886"/>
+            <a:ext cx="0" cy="501612"/>
+          </a:xfrm>
+          <a:prstGeom prst="line">
+            <a:avLst/>
+          </a:prstGeom>
+          <a:ln w="12700">
+            <a:solidFill>
+              <a:schemeClr val="tx1"/>
+            </a:solidFill>
+            <a:prstDash val="dash"/>
           </a:ln>
+          <a:effectLst/>
         </p:spPr>
         <p:style>
           <a:lnRef idx="2">
@@ -5308,10 +6034,10 @@
       </p:cxnSp>
       <p:cxnSp>
         <p:nvCxnSpPr>
-          <p:cNvPr id="36" name="Straight Connector 35">
-            <a:extLst>
-              <a:ext uri="{FF2B5EF4-FFF2-40B4-BE49-F238E27FC236}">
-                <a16:creationId xmlns:a16="http://schemas.microsoft.com/office/drawing/2014/main" id="{93A779F7-7F93-EE40-9ACE-12DF5E036476}"/>
+          <p:cNvPr id="23" name="Straight Connector 22">
+            <a:extLst>
+              <a:ext uri="{FF2B5EF4-FFF2-40B4-BE49-F238E27FC236}">
+                <a16:creationId xmlns:a16="http://schemas.microsoft.com/office/drawing/2014/main" id="{413AC62C-E9B0-B041-BB6C-B9198CF63993}"/>
               </a:ext>
             </a:extLst>
           </p:cNvPr>
@@ -5320,7 +6046,50 @@
         </p:nvCxnSpPr>
         <p:spPr>
           <a:xfrm>
-            <a:off x="2795431" y="3553886"/>
+            <a:off x="5889245" y="3548631"/>
+            <a:ext cx="0" cy="501612"/>
+          </a:xfrm>
+          <a:prstGeom prst="line">
+            <a:avLst/>
+          </a:prstGeom>
+          <a:ln w="12700">
+            <a:solidFill>
+              <a:schemeClr val="tx1"/>
+            </a:solidFill>
+            <a:prstDash val="dash"/>
+          </a:ln>
+          <a:effectLst/>
+        </p:spPr>
+        <p:style>
+          <a:lnRef idx="2">
+            <a:schemeClr val="accent1"/>
+          </a:lnRef>
+          <a:fillRef idx="0">
+            <a:schemeClr val="accent1"/>
+          </a:fillRef>
+          <a:effectRef idx="1">
+            <a:schemeClr val="accent1"/>
+          </a:effectRef>
+          <a:fontRef idx="minor">
+            <a:schemeClr val="tx1"/>
+          </a:fontRef>
+        </p:style>
+      </p:cxnSp>
+      <p:cxnSp>
+        <p:nvCxnSpPr>
+          <p:cNvPr id="24" name="Straight Connector 23">
+            <a:extLst>
+              <a:ext uri="{FF2B5EF4-FFF2-40B4-BE49-F238E27FC236}">
+                <a16:creationId xmlns:a16="http://schemas.microsoft.com/office/drawing/2014/main" id="{D635FED2-29F9-7740-BB83-8C958CEF0F26}"/>
+              </a:ext>
+            </a:extLst>
+          </p:cNvPr>
+          <p:cNvCxnSpPr/>
+          <p:nvPr/>
+        </p:nvCxnSpPr>
+        <p:spPr>
+          <a:xfrm>
+            <a:off x="8046113" y="3544067"/>
             <a:ext cx="0" cy="501612"/>
           </a:xfrm>
           <a:prstGeom prst="line">
@@ -5351,10 +6120,10 @@
       </p:cxnSp>
       <p:pic>
         <p:nvPicPr>
-          <p:cNvPr id="37" name="Picture 36">
-            <a:extLst>
-              <a:ext uri="{FF2B5EF4-FFF2-40B4-BE49-F238E27FC236}">
-                <a16:creationId xmlns:a16="http://schemas.microsoft.com/office/drawing/2014/main" id="{D61FF457-DF4A-A54A-A5C1-8D9036444D10}"/>
+          <p:cNvPr id="3" name="Picture 2">
+            <a:extLst>
+              <a:ext uri="{FF2B5EF4-FFF2-40B4-BE49-F238E27FC236}">
+                <a16:creationId xmlns:a16="http://schemas.microsoft.com/office/drawing/2014/main" id="{B3CA291D-13BF-BC45-90B0-470D06FD79F4}"/>
               </a:ext>
             </a:extLst>
           </p:cNvPr>
@@ -5364,24 +6133,240 @@
           <p:nvPr/>
         </p:nvPicPr>
         <p:blipFill>
+          <a:blip r:embed="rId2"/>
+          <a:stretch>
+            <a:fillRect/>
+          </a:stretch>
+        </p:blipFill>
+        <p:spPr>
+          <a:xfrm>
+            <a:off x="437324" y="1948068"/>
+            <a:ext cx="1408733" cy="1414323"/>
+          </a:xfrm>
+          <a:prstGeom prst="rect">
+            <a:avLst/>
+          </a:prstGeom>
+        </p:spPr>
+      </p:pic>
+      <p:pic>
+        <p:nvPicPr>
+          <p:cNvPr id="6" name="Picture 5">
+            <a:extLst>
+              <a:ext uri="{FF2B5EF4-FFF2-40B4-BE49-F238E27FC236}">
+                <a16:creationId xmlns:a16="http://schemas.microsoft.com/office/drawing/2014/main" id="{A3A5ADD0-7C0C-7A4E-AF63-738938F781D6}"/>
+              </a:ext>
+            </a:extLst>
+          </p:cNvPr>
+          <p:cNvPicPr>
+            <a:picLocks noChangeAspect="1"/>
+          </p:cNvPicPr>
+          <p:nvPr/>
+        </p:nvPicPr>
+        <p:blipFill>
           <a:blip r:embed="rId3"/>
+          <a:stretch>
+            <a:fillRect/>
+          </a:stretch>
+        </p:blipFill>
+        <p:spPr>
+          <a:xfrm>
+            <a:off x="7325122" y="1947213"/>
+            <a:ext cx="1403143" cy="1403143"/>
+          </a:xfrm>
+          <a:prstGeom prst="rect">
+            <a:avLst/>
+          </a:prstGeom>
+        </p:spPr>
+      </p:pic>
+      <p:pic>
+        <p:nvPicPr>
+          <p:cNvPr id="26" name="Picture 25">
+            <a:extLst>
+              <a:ext uri="{FF2B5EF4-FFF2-40B4-BE49-F238E27FC236}">
+                <a16:creationId xmlns:a16="http://schemas.microsoft.com/office/drawing/2014/main" id="{D1E4495A-C4D6-EE4E-9041-429060D79615}"/>
+              </a:ext>
+            </a:extLst>
+          </p:cNvPr>
+          <p:cNvPicPr>
+            <a:picLocks noChangeAspect="1"/>
+          </p:cNvPicPr>
+          <p:nvPr/>
+        </p:nvPicPr>
+        <p:blipFill>
+          <a:blip r:embed="rId4"/>
+          <a:stretch>
+            <a:fillRect/>
+          </a:stretch>
+        </p:blipFill>
+        <p:spPr>
+          <a:xfrm>
+            <a:off x="5496809" y="1948068"/>
+            <a:ext cx="1408733" cy="1408733"/>
+          </a:xfrm>
+          <a:prstGeom prst="rect">
+            <a:avLst/>
+          </a:prstGeom>
+        </p:spPr>
+      </p:pic>
+      <p:pic>
+        <p:nvPicPr>
+          <p:cNvPr id="28" name="Picture 27">
+            <a:extLst>
+              <a:ext uri="{FF2B5EF4-FFF2-40B4-BE49-F238E27FC236}">
+                <a16:creationId xmlns:a16="http://schemas.microsoft.com/office/drawing/2014/main" id="{67B5C0F3-91D7-074F-9005-9F094EE7CA9E}"/>
+              </a:ext>
+            </a:extLst>
+          </p:cNvPr>
+          <p:cNvPicPr>
+            <a:picLocks noChangeAspect="1"/>
+          </p:cNvPicPr>
+          <p:nvPr/>
+        </p:nvPicPr>
+        <p:blipFill>
+          <a:blip r:embed="rId5"/>
           <a:srcRect/>
           <a:stretch/>
         </p:blipFill>
         <p:spPr>
           <a:xfrm>
-            <a:off x="2137316" y="1958175"/>
-            <a:ext cx="1408732" cy="1381217"/>
+            <a:off x="3901827" y="1949964"/>
+            <a:ext cx="1408732" cy="1397639"/>
           </a:xfrm>
           <a:prstGeom prst="rect">
             <a:avLst/>
           </a:prstGeom>
         </p:spPr>
       </p:pic>
+      <p:sp>
+        <p:nvSpPr>
+          <p:cNvPr id="29" name="Right Brace 28">
+            <a:extLst>
+              <a:ext uri="{FF2B5EF4-FFF2-40B4-BE49-F238E27FC236}">
+                <a16:creationId xmlns:a16="http://schemas.microsoft.com/office/drawing/2014/main" id="{99981DE2-9FFF-C742-880E-52DCFD7F8361}"/>
+              </a:ext>
+            </a:extLst>
+          </p:cNvPr>
+          <p:cNvSpPr/>
+          <p:nvPr/>
+        </p:nvSpPr>
+        <p:spPr>
+          <a:xfrm rot="5400000">
+            <a:off x="3305845" y="3522398"/>
+            <a:ext cx="325822" cy="4651513"/>
+          </a:xfrm>
+          <a:prstGeom prst="rightBrace">
+            <a:avLst/>
+          </a:prstGeom>
+          <a:ln>
+            <a:solidFill>
+              <a:schemeClr val="tx1"/>
+            </a:solidFill>
+          </a:ln>
+        </p:spPr>
+        <p:style>
+          <a:lnRef idx="2">
+            <a:schemeClr val="accent1"/>
+          </a:lnRef>
+          <a:fillRef idx="0">
+            <a:schemeClr val="accent1"/>
+          </a:fillRef>
+          <a:effectRef idx="1">
+            <a:schemeClr val="accent1"/>
+          </a:effectRef>
+          <a:fontRef idx="minor">
+            <a:schemeClr val="tx1"/>
+          </a:fontRef>
+        </p:style>
+        <p:txBody>
+          <a:bodyPr rtlCol="0" anchor="ctr"/>
+          <a:lstStyle/>
+          <a:p>
+            <a:pPr algn="ctr"/>
+            <a:endParaRPr lang="en-US"/>
+          </a:p>
+        </p:txBody>
+      </p:sp>
+      <p:sp>
+        <p:nvSpPr>
+          <p:cNvPr id="30" name="TextBox 29">
+            <a:extLst>
+              <a:ext uri="{FF2B5EF4-FFF2-40B4-BE49-F238E27FC236}">
+                <a16:creationId xmlns:a16="http://schemas.microsoft.com/office/drawing/2014/main" id="{2C6B5658-41CB-574E-B21F-155218009FB2}"/>
+              </a:ext>
+            </a:extLst>
+          </p:cNvPr>
+          <p:cNvSpPr txBox="1"/>
+          <p:nvPr/>
+        </p:nvSpPr>
+        <p:spPr>
+          <a:xfrm>
+            <a:off x="3041372" y="6129707"/>
+            <a:ext cx="849720" cy="369332"/>
+          </a:xfrm>
+          <a:prstGeom prst="rect">
+            <a:avLst/>
+          </a:prstGeom>
+          <a:noFill/>
+        </p:spPr>
+        <p:txBody>
+          <a:bodyPr wrap="none" rtlCol="0">
+            <a:spAutoFit/>
+          </a:bodyPr>
+          <a:lstStyle/>
+          <a:p>
+            <a:r>
+              <a:rPr lang="en-US" dirty="0" err="1"/>
+              <a:t>TopHat</a:t>
+            </a:r>
+            <a:endParaRPr lang="en-US" dirty="0"/>
+          </a:p>
+        </p:txBody>
+      </p:sp>
+      <p:cxnSp>
+        <p:nvCxnSpPr>
+          <p:cNvPr id="43" name="Straight Arrow Connector 42">
+            <a:extLst>
+              <a:ext uri="{FF2B5EF4-FFF2-40B4-BE49-F238E27FC236}">
+                <a16:creationId xmlns:a16="http://schemas.microsoft.com/office/drawing/2014/main" id="{ECA8D082-CF8A-0547-A83E-A9D55BA28E36}"/>
+              </a:ext>
+            </a:extLst>
+          </p:cNvPr>
+          <p:cNvCxnSpPr>
+            <a:cxnSpLocks/>
+          </p:cNvCxnSpPr>
+          <p:nvPr/>
+        </p:nvCxnSpPr>
+        <p:spPr>
+          <a:xfrm>
+            <a:off x="5704954" y="4303185"/>
+            <a:ext cx="540000" cy="0"/>
+          </a:xfrm>
+          <a:prstGeom prst="straightConnector1">
+            <a:avLst/>
+          </a:prstGeom>
+          <a:ln>
+            <a:tailEnd type="triangle"/>
+          </a:ln>
+        </p:spPr>
+        <p:style>
+          <a:lnRef idx="2">
+            <a:schemeClr val="accent1"/>
+          </a:lnRef>
+          <a:fillRef idx="0">
+            <a:schemeClr val="accent1"/>
+          </a:fillRef>
+          <a:effectRef idx="1">
+            <a:schemeClr val="accent1"/>
+          </a:effectRef>
+          <a:fontRef idx="minor">
+            <a:schemeClr val="tx1"/>
+          </a:fontRef>
+        </p:style>
+      </p:cxnSp>
     </p:spTree>
     <p:extLst>
       <p:ext uri="{BB962C8B-B14F-4D97-AF65-F5344CB8AC3E}">
-        <p14:creationId xmlns:p14="http://schemas.microsoft.com/office/powerpoint/2010/main" val="1860141646"/>
+        <p14:creationId xmlns:p14="http://schemas.microsoft.com/office/powerpoint/2010/main" val="1100977139"/>
       </p:ext>
     </p:extLst>
   </p:cSld>
@@ -5471,54 +6456,6 @@
           </a:p>
         </p:txBody>
       </p:sp>
-      <p:sp>
-        <p:nvSpPr>
-          <p:cNvPr id="8" name="Rounded Rectangle 7">
-            <a:extLst>
-              <a:ext uri="{FF2B5EF4-FFF2-40B4-BE49-F238E27FC236}">
-                <a16:creationId xmlns:a16="http://schemas.microsoft.com/office/drawing/2014/main" id="{F0DA2C2A-9467-7445-A899-236B8DFFADCE}"/>
-              </a:ext>
-            </a:extLst>
-          </p:cNvPr>
-          <p:cNvSpPr/>
-          <p:nvPr/>
-        </p:nvSpPr>
-        <p:spPr>
-          <a:xfrm>
-            <a:off x="1232464" y="3688329"/>
-            <a:ext cx="1344485" cy="1219200"/>
-          </a:xfrm>
-          <a:prstGeom prst="roundRect">
-            <a:avLst/>
-          </a:prstGeom>
-        </p:spPr>
-        <p:style>
-          <a:lnRef idx="1">
-            <a:schemeClr val="accent1"/>
-          </a:lnRef>
-          <a:fillRef idx="3">
-            <a:schemeClr val="accent1"/>
-          </a:fillRef>
-          <a:effectRef idx="2">
-            <a:schemeClr val="accent1"/>
-          </a:effectRef>
-          <a:fontRef idx="minor">
-            <a:schemeClr val="lt1"/>
-          </a:fontRef>
-        </p:style>
-        <p:txBody>
-          <a:bodyPr rtlCol="0" anchor="ctr"/>
-          <a:lstStyle/>
-          <a:p>
-            <a:pPr algn="ctr"/>
-            <a:r>
-              <a:rPr lang="en-US" dirty="0" err="1"/>
-              <a:t>Erosión</a:t>
-            </a:r>
-            <a:endParaRPr lang="en-US" dirty="0"/>
-          </a:p>
-        </p:txBody>
-      </p:sp>
       <p:cxnSp>
         <p:nvCxnSpPr>
           <p:cNvPr id="10" name="Straight Arrow Connector 9">
@@ -5530,7 +6467,6 @@
           </p:cNvPr>
           <p:cNvCxnSpPr>
             <a:cxnSpLocks/>
-            <a:endCxn id="8" idx="1"/>
           </p:cNvCxnSpPr>
           <p:nvPr/>
         </p:nvCxnSpPr>
@@ -5634,285 +6570,10 @@
           </a:prstGeom>
         </p:spPr>
       </p:pic>
-      <p:cxnSp>
-        <p:nvCxnSpPr>
-          <p:cNvPr id="31" name="Straight Arrow Connector 30">
-            <a:extLst>
-              <a:ext uri="{FF2B5EF4-FFF2-40B4-BE49-F238E27FC236}">
-                <a16:creationId xmlns:a16="http://schemas.microsoft.com/office/drawing/2014/main" id="{D3004307-B3B3-1148-AD5B-9DA7C8F56A83}"/>
-              </a:ext>
-            </a:extLst>
-          </p:cNvPr>
-          <p:cNvCxnSpPr>
-            <a:cxnSpLocks/>
-          </p:cNvCxnSpPr>
-          <p:nvPr/>
-        </p:nvCxnSpPr>
-        <p:spPr>
-          <a:xfrm>
-            <a:off x="2577550" y="4301245"/>
-            <a:ext cx="432000" cy="0"/>
-          </a:xfrm>
-          <a:prstGeom prst="straightConnector1">
-            <a:avLst/>
-          </a:prstGeom>
-          <a:ln>
-            <a:tailEnd type="triangle"/>
-          </a:ln>
-        </p:spPr>
-        <p:style>
-          <a:lnRef idx="2">
-            <a:schemeClr val="accent1"/>
-          </a:lnRef>
-          <a:fillRef idx="0">
-            <a:schemeClr val="accent1"/>
-          </a:fillRef>
-          <a:effectRef idx="1">
-            <a:schemeClr val="accent1"/>
-          </a:effectRef>
-          <a:fontRef idx="minor">
-            <a:schemeClr val="tx1"/>
-          </a:fontRef>
-        </p:style>
-      </p:cxnSp>
-      <p:cxnSp>
-        <p:nvCxnSpPr>
-          <p:cNvPr id="36" name="Straight Connector 35">
-            <a:extLst>
-              <a:ext uri="{FF2B5EF4-FFF2-40B4-BE49-F238E27FC236}">
-                <a16:creationId xmlns:a16="http://schemas.microsoft.com/office/drawing/2014/main" id="{93A779F7-7F93-EE40-9ACE-12DF5E036476}"/>
-              </a:ext>
-            </a:extLst>
-          </p:cNvPr>
-          <p:cNvCxnSpPr/>
-          <p:nvPr/>
-        </p:nvCxnSpPr>
-        <p:spPr>
-          <a:xfrm>
-            <a:off x="2795431" y="3553886"/>
-            <a:ext cx="0" cy="501612"/>
-          </a:xfrm>
-          <a:prstGeom prst="line">
-            <a:avLst/>
-          </a:prstGeom>
-          <a:ln w="12700">
-            <a:solidFill>
-              <a:schemeClr val="tx1"/>
-            </a:solidFill>
-            <a:prstDash val="dash"/>
-          </a:ln>
-          <a:effectLst/>
-        </p:spPr>
-        <p:style>
-          <a:lnRef idx="2">
-            <a:schemeClr val="accent1"/>
-          </a:lnRef>
-          <a:fillRef idx="0">
-            <a:schemeClr val="accent1"/>
-          </a:fillRef>
-          <a:effectRef idx="1">
-            <a:schemeClr val="accent1"/>
-          </a:effectRef>
-          <a:fontRef idx="minor">
-            <a:schemeClr val="tx1"/>
-          </a:fontRef>
-        </p:style>
-      </p:cxnSp>
-      <p:pic>
-        <p:nvPicPr>
-          <p:cNvPr id="37" name="Picture 36">
-            <a:extLst>
-              <a:ext uri="{FF2B5EF4-FFF2-40B4-BE49-F238E27FC236}">
-                <a16:creationId xmlns:a16="http://schemas.microsoft.com/office/drawing/2014/main" id="{D61FF457-DF4A-A54A-A5C1-8D9036444D10}"/>
-              </a:ext>
-            </a:extLst>
-          </p:cNvPr>
-          <p:cNvPicPr>
-            <a:picLocks noChangeAspect="1"/>
-          </p:cNvPicPr>
-          <p:nvPr/>
-        </p:nvPicPr>
-        <p:blipFill>
-          <a:blip r:embed="rId3"/>
-          <a:srcRect/>
-          <a:stretch/>
-        </p:blipFill>
-        <p:spPr>
-          <a:xfrm>
-            <a:off x="2137316" y="1958175"/>
-            <a:ext cx="1408732" cy="1381217"/>
-          </a:xfrm>
-          <a:prstGeom prst="rect">
-            <a:avLst/>
-          </a:prstGeom>
-        </p:spPr>
-      </p:pic>
-      <p:cxnSp>
-        <p:nvCxnSpPr>
-          <p:cNvPr id="11" name="Straight Arrow Connector 10">
-            <a:extLst>
-              <a:ext uri="{FF2B5EF4-FFF2-40B4-BE49-F238E27FC236}">
-                <a16:creationId xmlns:a16="http://schemas.microsoft.com/office/drawing/2014/main" id="{BD4869F6-29E5-B64B-AAD0-59F90417A5BA}"/>
-              </a:ext>
-            </a:extLst>
-          </p:cNvPr>
-          <p:cNvCxnSpPr>
-            <a:cxnSpLocks/>
-          </p:cNvCxnSpPr>
-          <p:nvPr/>
-        </p:nvCxnSpPr>
-        <p:spPr>
-          <a:xfrm>
-            <a:off x="3975655" y="4297930"/>
-            <a:ext cx="1080000" cy="0"/>
-          </a:xfrm>
-          <a:prstGeom prst="straightConnector1">
-            <a:avLst/>
-          </a:prstGeom>
-          <a:ln>
-            <a:tailEnd type="triangle"/>
-          </a:ln>
-        </p:spPr>
-        <p:style>
-          <a:lnRef idx="2">
-            <a:schemeClr val="accent1"/>
-          </a:lnRef>
-          <a:fillRef idx="0">
-            <a:schemeClr val="accent1"/>
-          </a:fillRef>
-          <a:effectRef idx="1">
-            <a:schemeClr val="accent1"/>
-          </a:effectRef>
-          <a:fontRef idx="minor">
-            <a:schemeClr val="tx1"/>
-          </a:fontRef>
-        </p:style>
-      </p:cxnSp>
-      <p:cxnSp>
-        <p:nvCxnSpPr>
-          <p:cNvPr id="12" name="Straight Connector 11">
-            <a:extLst>
-              <a:ext uri="{FF2B5EF4-FFF2-40B4-BE49-F238E27FC236}">
-                <a16:creationId xmlns:a16="http://schemas.microsoft.com/office/drawing/2014/main" id="{1D23DE81-64E8-1648-BBD6-C84E02D14563}"/>
-              </a:ext>
-            </a:extLst>
-          </p:cNvPr>
-          <p:cNvCxnSpPr/>
-          <p:nvPr/>
-        </p:nvCxnSpPr>
-        <p:spPr>
-          <a:xfrm>
-            <a:off x="4783255" y="3553886"/>
-            <a:ext cx="0" cy="501612"/>
-          </a:xfrm>
-          <a:prstGeom prst="line">
-            <a:avLst/>
-          </a:prstGeom>
-          <a:ln w="12700">
-            <a:solidFill>
-              <a:schemeClr val="tx1"/>
-            </a:solidFill>
-            <a:prstDash val="dash"/>
-          </a:ln>
-          <a:effectLst/>
-        </p:spPr>
-        <p:style>
-          <a:lnRef idx="2">
-            <a:schemeClr val="accent1"/>
-          </a:lnRef>
-          <a:fillRef idx="0">
-            <a:schemeClr val="accent1"/>
-          </a:fillRef>
-          <a:effectRef idx="1">
-            <a:schemeClr val="accent1"/>
-          </a:effectRef>
-          <a:fontRef idx="minor">
-            <a:schemeClr val="tx1"/>
-          </a:fontRef>
-        </p:style>
-      </p:cxnSp>
-      <p:sp>
-        <p:nvSpPr>
-          <p:cNvPr id="13" name="Rounded Rectangle 12">
-            <a:extLst>
-              <a:ext uri="{FF2B5EF4-FFF2-40B4-BE49-F238E27FC236}">
-                <a16:creationId xmlns:a16="http://schemas.microsoft.com/office/drawing/2014/main" id="{ED0FABAD-2168-0F49-B8CB-CC18097EF275}"/>
-              </a:ext>
-            </a:extLst>
-          </p:cNvPr>
-          <p:cNvSpPr/>
-          <p:nvPr/>
-        </p:nvSpPr>
-        <p:spPr>
-          <a:xfrm>
-            <a:off x="3011506" y="3694527"/>
-            <a:ext cx="1337195" cy="1219200"/>
-          </a:xfrm>
-          <a:prstGeom prst="roundRect">
-            <a:avLst/>
-          </a:prstGeom>
-        </p:spPr>
-        <p:style>
-          <a:lnRef idx="1">
-            <a:schemeClr val="accent1"/>
-          </a:lnRef>
-          <a:fillRef idx="3">
-            <a:schemeClr val="accent1"/>
-          </a:fillRef>
-          <a:effectRef idx="2">
-            <a:schemeClr val="accent1"/>
-          </a:effectRef>
-          <a:fontRef idx="minor">
-            <a:schemeClr val="lt1"/>
-          </a:fontRef>
-        </p:style>
-        <p:txBody>
-          <a:bodyPr rtlCol="0" anchor="ctr"/>
-          <a:lstStyle/>
-          <a:p>
-            <a:pPr algn="ctr"/>
-            <a:r>
-              <a:rPr lang="en-US" dirty="0" err="1"/>
-              <a:t>Dilatación</a:t>
-            </a:r>
-            <a:endParaRPr lang="en-US" dirty="0"/>
-          </a:p>
-        </p:txBody>
-      </p:sp>
-      <p:pic>
-        <p:nvPicPr>
-          <p:cNvPr id="15" name="Picture 14">
-            <a:extLst>
-              <a:ext uri="{FF2B5EF4-FFF2-40B4-BE49-F238E27FC236}">
-                <a16:creationId xmlns:a16="http://schemas.microsoft.com/office/drawing/2014/main" id="{7DE1FA5F-9A64-004F-A73F-A869424D2587}"/>
-              </a:ext>
-            </a:extLst>
-          </p:cNvPr>
-          <p:cNvPicPr>
-            <a:picLocks noChangeAspect="1"/>
-          </p:cNvPicPr>
-          <p:nvPr/>
-        </p:nvPicPr>
-        <p:blipFill>
-          <a:blip r:embed="rId4"/>
-          <a:stretch>
-            <a:fillRect/>
-          </a:stretch>
-        </p:blipFill>
-        <p:spPr>
-          <a:xfrm>
-            <a:off x="3901825" y="1947213"/>
-            <a:ext cx="1408732" cy="1403142"/>
-          </a:xfrm>
-          <a:prstGeom prst="rect">
-            <a:avLst/>
-          </a:prstGeom>
-        </p:spPr>
-      </p:pic>
     </p:spTree>
     <p:extLst>
       <p:ext uri="{BB962C8B-B14F-4D97-AF65-F5344CB8AC3E}">
-        <p14:creationId xmlns:p14="http://schemas.microsoft.com/office/powerpoint/2010/main" val="1789492492"/>
+        <p14:creationId xmlns:p14="http://schemas.microsoft.com/office/powerpoint/2010/main" val="1044649468"/>
       </p:ext>
     </p:extLst>
   </p:cSld>
@@ -6094,448 +6755,19 @@
       </p:cxnSp>
       <p:cxnSp>
         <p:nvCxnSpPr>
-          <p:cNvPr id="13" name="Straight Arrow Connector 12">
-            <a:extLst>
-              <a:ext uri="{FF2B5EF4-FFF2-40B4-BE49-F238E27FC236}">
-                <a16:creationId xmlns:a16="http://schemas.microsoft.com/office/drawing/2014/main" id="{81BC0E00-E61A-AE4A-95A3-AE6D2FA5BFA6}"/>
-              </a:ext>
-            </a:extLst>
-          </p:cNvPr>
-          <p:cNvCxnSpPr>
-            <a:cxnSpLocks/>
-          </p:cNvCxnSpPr>
+          <p:cNvPr id="21" name="Straight Connector 20">
+            <a:extLst>
+              <a:ext uri="{FF2B5EF4-FFF2-40B4-BE49-F238E27FC236}">
+                <a16:creationId xmlns:a16="http://schemas.microsoft.com/office/drawing/2014/main" id="{72CEF3C7-D63B-D547-ABA2-1E76EEDB4843}"/>
+              </a:ext>
+            </a:extLst>
+          </p:cNvPr>
+          <p:cNvCxnSpPr/>
           <p:nvPr/>
         </p:nvCxnSpPr>
         <p:spPr>
           <a:xfrm>
-            <a:off x="3975655" y="4297930"/>
-            <a:ext cx="1080000" cy="0"/>
-          </a:xfrm>
-          <a:prstGeom prst="straightConnector1">
-            <a:avLst/>
-          </a:prstGeom>
-          <a:ln>
-            <a:tailEnd type="triangle"/>
-          </a:ln>
-        </p:spPr>
-        <p:style>
-          <a:lnRef idx="2">
-            <a:schemeClr val="accent1"/>
-          </a:lnRef>
-          <a:fillRef idx="0">
-            <a:schemeClr val="accent1"/>
-          </a:fillRef>
-          <a:effectRef idx="1">
-            <a:schemeClr val="accent1"/>
-          </a:effectRef>
-          <a:fontRef idx="minor">
-            <a:schemeClr val="tx1"/>
-          </a:fontRef>
-        </p:style>
-      </p:cxnSp>
-      <p:sp>
-        <p:nvSpPr>
-          <p:cNvPr id="15" name="Oval 14">
-            <a:extLst>
-              <a:ext uri="{FF2B5EF4-FFF2-40B4-BE49-F238E27FC236}">
-                <a16:creationId xmlns:a16="http://schemas.microsoft.com/office/drawing/2014/main" id="{2A6DF78B-3B6A-8545-B71D-D0CE18A2D644}"/>
-              </a:ext>
-            </a:extLst>
-          </p:cNvPr>
-          <p:cNvSpPr/>
-          <p:nvPr/>
-        </p:nvSpPr>
-        <p:spPr>
-          <a:xfrm>
-            <a:off x="5053308" y="3972109"/>
-            <a:ext cx="651641" cy="651641"/>
-          </a:xfrm>
-          <a:prstGeom prst="ellipse">
-            <a:avLst/>
-          </a:prstGeom>
-        </p:spPr>
-        <p:style>
-          <a:lnRef idx="1">
-            <a:schemeClr val="accent1"/>
-          </a:lnRef>
-          <a:fillRef idx="3">
-            <a:schemeClr val="accent1"/>
-          </a:fillRef>
-          <a:effectRef idx="2">
-            <a:schemeClr val="accent1"/>
-          </a:effectRef>
-          <a:fontRef idx="minor">
-            <a:schemeClr val="lt1"/>
-          </a:fontRef>
-        </p:style>
-        <p:txBody>
-          <a:bodyPr rtlCol="0" anchor="ctr"/>
-          <a:lstStyle/>
-          <a:p>
-            <a:pPr algn="ctr"/>
-            <a:endParaRPr lang="en-US"/>
-          </a:p>
-        </p:txBody>
-      </p:sp>
-      <p:cxnSp>
-        <p:nvCxnSpPr>
-          <p:cNvPr id="16" name="Elbow Connector 15">
-            <a:extLst>
-              <a:ext uri="{FF2B5EF4-FFF2-40B4-BE49-F238E27FC236}">
-                <a16:creationId xmlns:a16="http://schemas.microsoft.com/office/drawing/2014/main" id="{FE6174D1-9E33-8D40-BB9B-346CF4DA8E48}"/>
-              </a:ext>
-            </a:extLst>
-          </p:cNvPr>
-          <p:cNvCxnSpPr>
-            <a:cxnSpLocks/>
-            <a:endCxn id="15" idx="4"/>
-          </p:cNvCxnSpPr>
-          <p:nvPr/>
-        </p:nvCxnSpPr>
-        <p:spPr>
-          <a:xfrm rot="16200000" flipH="1">
-            <a:off x="2813642" y="2058262"/>
-            <a:ext cx="325821" cy="4805154"/>
-          </a:xfrm>
-          <a:prstGeom prst="bentConnector3">
-            <a:avLst>
-              <a:gd name="adj1" fmla="val 322686"/>
-            </a:avLst>
-          </a:prstGeom>
-          <a:ln>
-            <a:tailEnd type="triangle"/>
-          </a:ln>
-        </p:spPr>
-        <p:style>
-          <a:lnRef idx="2">
-            <a:schemeClr val="accent1"/>
-          </a:lnRef>
-          <a:fillRef idx="0">
-            <a:schemeClr val="accent1"/>
-          </a:fillRef>
-          <a:effectRef idx="1">
-            <a:schemeClr val="accent1"/>
-          </a:effectRef>
-          <a:fontRef idx="minor">
-            <a:schemeClr val="tx1"/>
-          </a:fontRef>
-        </p:style>
-      </p:cxnSp>
-      <p:cxnSp>
-        <p:nvCxnSpPr>
-          <p:cNvPr id="17" name="Straight Connector 16">
-            <a:extLst>
-              <a:ext uri="{FF2B5EF4-FFF2-40B4-BE49-F238E27FC236}">
-                <a16:creationId xmlns:a16="http://schemas.microsoft.com/office/drawing/2014/main" id="{73E0BA87-2204-AF4E-8CCB-CA9387EF884B}"/>
-              </a:ext>
-            </a:extLst>
-          </p:cNvPr>
-          <p:cNvCxnSpPr/>
-          <p:nvPr/>
-        </p:nvCxnSpPr>
-        <p:spPr>
-          <a:xfrm>
-            <a:off x="5253010" y="4318946"/>
-            <a:ext cx="262759" cy="0"/>
-          </a:xfrm>
-          <a:prstGeom prst="line">
-            <a:avLst/>
-          </a:prstGeom>
-          <a:ln w="63500">
-            <a:solidFill>
-              <a:schemeClr val="bg1"/>
-            </a:solidFill>
-          </a:ln>
-          <a:effectLst/>
-        </p:spPr>
-        <p:style>
-          <a:lnRef idx="2">
-            <a:schemeClr val="accent1"/>
-          </a:lnRef>
-          <a:fillRef idx="0">
-            <a:schemeClr val="accent1"/>
-          </a:fillRef>
-          <a:effectRef idx="1">
-            <a:schemeClr val="accent1"/>
-          </a:effectRef>
-          <a:fontRef idx="minor">
-            <a:schemeClr val="tx1"/>
-          </a:fontRef>
-        </p:style>
-      </p:cxnSp>
-      <p:cxnSp>
-        <p:nvCxnSpPr>
-          <p:cNvPr id="18" name="Straight Arrow Connector 17">
-            <a:extLst>
-              <a:ext uri="{FF2B5EF4-FFF2-40B4-BE49-F238E27FC236}">
-                <a16:creationId xmlns:a16="http://schemas.microsoft.com/office/drawing/2014/main" id="{745018AF-2252-6A4C-80D3-D429D0E6638E}"/>
-              </a:ext>
-            </a:extLst>
-          </p:cNvPr>
-          <p:cNvCxnSpPr>
-            <a:cxnSpLocks/>
-          </p:cNvCxnSpPr>
-          <p:nvPr/>
-        </p:nvCxnSpPr>
-        <p:spPr>
-          <a:xfrm>
-            <a:off x="5704954" y="4303185"/>
-            <a:ext cx="540000" cy="0"/>
-          </a:xfrm>
-          <a:prstGeom prst="straightConnector1">
-            <a:avLst/>
-          </a:prstGeom>
-          <a:ln>
-            <a:tailEnd type="triangle"/>
-          </a:ln>
-        </p:spPr>
-        <p:style>
-          <a:lnRef idx="2">
-            <a:schemeClr val="accent1"/>
-          </a:lnRef>
-          <a:fillRef idx="0">
-            <a:schemeClr val="accent1"/>
-          </a:fillRef>
-          <a:effectRef idx="1">
-            <a:schemeClr val="accent1"/>
-          </a:effectRef>
-          <a:fontRef idx="minor">
-            <a:schemeClr val="tx1"/>
-          </a:fontRef>
-        </p:style>
-      </p:cxnSp>
-      <p:sp>
-        <p:nvSpPr>
-          <p:cNvPr id="19" name="Rounded Rectangle 18">
-            <a:extLst>
-              <a:ext uri="{FF2B5EF4-FFF2-40B4-BE49-F238E27FC236}">
-                <a16:creationId xmlns:a16="http://schemas.microsoft.com/office/drawing/2014/main" id="{A7D4FB48-722F-8943-BF69-F168D1CF98DC}"/>
-              </a:ext>
-            </a:extLst>
-          </p:cNvPr>
-          <p:cNvSpPr/>
-          <p:nvPr/>
-        </p:nvSpPr>
-        <p:spPr>
-          <a:xfrm>
-            <a:off x="6248066" y="3719860"/>
-            <a:ext cx="1282261" cy="1219200"/>
-          </a:xfrm>
-          <a:prstGeom prst="roundRect">
-            <a:avLst/>
-          </a:prstGeom>
-        </p:spPr>
-        <p:style>
-          <a:lnRef idx="1">
-            <a:schemeClr val="accent1"/>
-          </a:lnRef>
-          <a:fillRef idx="3">
-            <a:schemeClr val="accent1"/>
-          </a:fillRef>
-          <a:effectRef idx="2">
-            <a:schemeClr val="accent1"/>
-          </a:effectRef>
-          <a:fontRef idx="minor">
-            <a:schemeClr val="lt1"/>
-          </a:fontRef>
-        </p:style>
-        <p:txBody>
-          <a:bodyPr rtlCol="0" anchor="ctr"/>
-          <a:lstStyle/>
-          <a:p>
-            <a:pPr algn="ctr"/>
-            <a:r>
-              <a:rPr lang="en-US" dirty="0"/>
-              <a:t>Umbral</a:t>
-            </a:r>
-          </a:p>
-        </p:txBody>
-      </p:sp>
-      <p:cxnSp>
-        <p:nvCxnSpPr>
-          <p:cNvPr id="20" name="Straight Arrow Connector 19">
-            <a:extLst>
-              <a:ext uri="{FF2B5EF4-FFF2-40B4-BE49-F238E27FC236}">
-                <a16:creationId xmlns:a16="http://schemas.microsoft.com/office/drawing/2014/main" id="{65B275A6-B1D8-C543-954C-2F19146A1778}"/>
-              </a:ext>
-            </a:extLst>
-          </p:cNvPr>
-          <p:cNvCxnSpPr>
-            <a:cxnSpLocks/>
-          </p:cNvCxnSpPr>
-          <p:nvPr/>
-        </p:nvCxnSpPr>
-        <p:spPr>
-          <a:xfrm>
-            <a:off x="7514445" y="4313231"/>
-            <a:ext cx="1188000" cy="1"/>
-          </a:xfrm>
-          <a:prstGeom prst="straightConnector1">
-            <a:avLst/>
-          </a:prstGeom>
-          <a:ln>
-            <a:tailEnd type="triangle"/>
-          </a:ln>
-        </p:spPr>
-        <p:style>
-          <a:lnRef idx="2">
-            <a:schemeClr val="accent1"/>
-          </a:lnRef>
-          <a:fillRef idx="0">
-            <a:schemeClr val="accent1"/>
-          </a:fillRef>
-          <a:effectRef idx="1">
-            <a:schemeClr val="accent1"/>
-          </a:effectRef>
-          <a:fontRef idx="minor">
-            <a:schemeClr val="tx1"/>
-          </a:fontRef>
-        </p:style>
-      </p:cxnSp>
-      <p:cxnSp>
-        <p:nvCxnSpPr>
-          <p:cNvPr id="21" name="Straight Connector 20">
-            <a:extLst>
-              <a:ext uri="{FF2B5EF4-FFF2-40B4-BE49-F238E27FC236}">
-                <a16:creationId xmlns:a16="http://schemas.microsoft.com/office/drawing/2014/main" id="{72CEF3C7-D63B-D547-ABA2-1E76EEDB4843}"/>
-              </a:ext>
-            </a:extLst>
-          </p:cNvPr>
-          <p:cNvCxnSpPr/>
-          <p:nvPr/>
-        </p:nvCxnSpPr>
-        <p:spPr>
-          <a:xfrm>
             <a:off x="696863" y="3544067"/>
-            <a:ext cx="0" cy="501612"/>
-          </a:xfrm>
-          <a:prstGeom prst="line">
-            <a:avLst/>
-          </a:prstGeom>
-          <a:ln w="12700">
-            <a:solidFill>
-              <a:schemeClr val="tx1"/>
-            </a:solidFill>
-            <a:prstDash val="dash"/>
-          </a:ln>
-          <a:effectLst/>
-        </p:spPr>
-        <p:style>
-          <a:lnRef idx="2">
-            <a:schemeClr val="accent1"/>
-          </a:lnRef>
-          <a:fillRef idx="0">
-            <a:schemeClr val="accent1"/>
-          </a:fillRef>
-          <a:effectRef idx="1">
-            <a:schemeClr val="accent1"/>
-          </a:effectRef>
-          <a:fontRef idx="minor">
-            <a:schemeClr val="tx1"/>
-          </a:fontRef>
-        </p:style>
-      </p:cxnSp>
-      <p:cxnSp>
-        <p:nvCxnSpPr>
-          <p:cNvPr id="22" name="Straight Connector 21">
-            <a:extLst>
-              <a:ext uri="{FF2B5EF4-FFF2-40B4-BE49-F238E27FC236}">
-                <a16:creationId xmlns:a16="http://schemas.microsoft.com/office/drawing/2014/main" id="{45EEFD89-F57D-3748-9BF8-AECA1B4CDE6B}"/>
-              </a:ext>
-            </a:extLst>
-          </p:cNvPr>
-          <p:cNvCxnSpPr/>
-          <p:nvPr/>
-        </p:nvCxnSpPr>
-        <p:spPr>
-          <a:xfrm>
-            <a:off x="4783255" y="3553886"/>
-            <a:ext cx="0" cy="501612"/>
-          </a:xfrm>
-          <a:prstGeom prst="line">
-            <a:avLst/>
-          </a:prstGeom>
-          <a:ln w="12700">
-            <a:solidFill>
-              <a:schemeClr val="tx1"/>
-            </a:solidFill>
-            <a:prstDash val="dash"/>
-          </a:ln>
-          <a:effectLst/>
-        </p:spPr>
-        <p:style>
-          <a:lnRef idx="2">
-            <a:schemeClr val="accent1"/>
-          </a:lnRef>
-          <a:fillRef idx="0">
-            <a:schemeClr val="accent1"/>
-          </a:fillRef>
-          <a:effectRef idx="1">
-            <a:schemeClr val="accent1"/>
-          </a:effectRef>
-          <a:fontRef idx="minor">
-            <a:schemeClr val="tx1"/>
-          </a:fontRef>
-        </p:style>
-      </p:cxnSp>
-      <p:cxnSp>
-        <p:nvCxnSpPr>
-          <p:cNvPr id="23" name="Straight Connector 22">
-            <a:extLst>
-              <a:ext uri="{FF2B5EF4-FFF2-40B4-BE49-F238E27FC236}">
-                <a16:creationId xmlns:a16="http://schemas.microsoft.com/office/drawing/2014/main" id="{413AC62C-E9B0-B041-BB6C-B9198CF63993}"/>
-              </a:ext>
-            </a:extLst>
-          </p:cNvPr>
-          <p:cNvCxnSpPr/>
-          <p:nvPr/>
-        </p:nvCxnSpPr>
-        <p:spPr>
-          <a:xfrm>
-            <a:off x="5889245" y="3548631"/>
-            <a:ext cx="0" cy="501612"/>
-          </a:xfrm>
-          <a:prstGeom prst="line">
-            <a:avLst/>
-          </a:prstGeom>
-          <a:ln w="12700">
-            <a:solidFill>
-              <a:schemeClr val="tx1"/>
-            </a:solidFill>
-            <a:prstDash val="dash"/>
-          </a:ln>
-          <a:effectLst/>
-        </p:spPr>
-        <p:style>
-          <a:lnRef idx="2">
-            <a:schemeClr val="accent1"/>
-          </a:lnRef>
-          <a:fillRef idx="0">
-            <a:schemeClr val="accent1"/>
-          </a:fillRef>
-          <a:effectRef idx="1">
-            <a:schemeClr val="accent1"/>
-          </a:effectRef>
-          <a:fontRef idx="minor">
-            <a:schemeClr val="tx1"/>
-          </a:fontRef>
-        </p:style>
-      </p:cxnSp>
-      <p:cxnSp>
-        <p:nvCxnSpPr>
-          <p:cNvPr id="24" name="Straight Connector 23">
-            <a:extLst>
-              <a:ext uri="{FF2B5EF4-FFF2-40B4-BE49-F238E27FC236}">
-                <a16:creationId xmlns:a16="http://schemas.microsoft.com/office/drawing/2014/main" id="{D635FED2-29F9-7740-BB83-8C958CEF0F26}"/>
-              </a:ext>
-            </a:extLst>
-          </p:cNvPr>
-          <p:cNvCxnSpPr/>
-          <p:nvPr/>
-        </p:nvCxnSpPr>
-        <p:spPr>
-          <a:xfrm>
-            <a:off x="8046113" y="3544067"/>
             <a:ext cx="0" cy="501612"/>
           </a:xfrm>
           <a:prstGeom prst="line">
@@ -6594,114 +6826,6 @@
           </a:prstGeom>
         </p:spPr>
       </p:pic>
-      <p:pic>
-        <p:nvPicPr>
-          <p:cNvPr id="6" name="Picture 5">
-            <a:extLst>
-              <a:ext uri="{FF2B5EF4-FFF2-40B4-BE49-F238E27FC236}">
-                <a16:creationId xmlns:a16="http://schemas.microsoft.com/office/drawing/2014/main" id="{A3A5ADD0-7C0C-7A4E-AF63-738938F781D6}"/>
-              </a:ext>
-            </a:extLst>
-          </p:cNvPr>
-          <p:cNvPicPr>
-            <a:picLocks noChangeAspect="1"/>
-          </p:cNvPicPr>
-          <p:nvPr/>
-        </p:nvPicPr>
-        <p:blipFill>
-          <a:blip r:embed="rId3"/>
-          <a:stretch>
-            <a:fillRect/>
-          </a:stretch>
-        </p:blipFill>
-        <p:spPr>
-          <a:xfrm>
-            <a:off x="7325122" y="1947213"/>
-            <a:ext cx="1403143" cy="1403143"/>
-          </a:xfrm>
-          <a:prstGeom prst="rect">
-            <a:avLst/>
-          </a:prstGeom>
-        </p:spPr>
-      </p:pic>
-      <p:pic>
-        <p:nvPicPr>
-          <p:cNvPr id="26" name="Picture 25">
-            <a:extLst>
-              <a:ext uri="{FF2B5EF4-FFF2-40B4-BE49-F238E27FC236}">
-                <a16:creationId xmlns:a16="http://schemas.microsoft.com/office/drawing/2014/main" id="{D1E4495A-C4D6-EE4E-9041-429060D79615}"/>
-              </a:ext>
-            </a:extLst>
-          </p:cNvPr>
-          <p:cNvPicPr>
-            <a:picLocks noChangeAspect="1"/>
-          </p:cNvPicPr>
-          <p:nvPr/>
-        </p:nvPicPr>
-        <p:blipFill>
-          <a:blip r:embed="rId4"/>
-          <a:stretch>
-            <a:fillRect/>
-          </a:stretch>
-        </p:blipFill>
-        <p:spPr>
-          <a:xfrm>
-            <a:off x="5496809" y="1948068"/>
-            <a:ext cx="1408733" cy="1408733"/>
-          </a:xfrm>
-          <a:prstGeom prst="rect">
-            <a:avLst/>
-          </a:prstGeom>
-        </p:spPr>
-      </p:pic>
-      <p:sp>
-        <p:nvSpPr>
-          <p:cNvPr id="27" name="Rounded Rectangle 26">
-            <a:extLst>
-              <a:ext uri="{FF2B5EF4-FFF2-40B4-BE49-F238E27FC236}">
-                <a16:creationId xmlns:a16="http://schemas.microsoft.com/office/drawing/2014/main" id="{77E01C26-8612-B045-B7FE-D272C7908153}"/>
-              </a:ext>
-            </a:extLst>
-          </p:cNvPr>
-          <p:cNvSpPr/>
-          <p:nvPr/>
-        </p:nvSpPr>
-        <p:spPr>
-          <a:xfrm>
-            <a:off x="3011506" y="3694527"/>
-            <a:ext cx="1337195" cy="1219200"/>
-          </a:xfrm>
-          <a:prstGeom prst="roundRect">
-            <a:avLst/>
-          </a:prstGeom>
-        </p:spPr>
-        <p:style>
-          <a:lnRef idx="1">
-            <a:schemeClr val="accent1"/>
-          </a:lnRef>
-          <a:fillRef idx="3">
-            <a:schemeClr val="accent1"/>
-          </a:fillRef>
-          <a:effectRef idx="2">
-            <a:schemeClr val="accent1"/>
-          </a:effectRef>
-          <a:fontRef idx="minor">
-            <a:schemeClr val="lt1"/>
-          </a:fontRef>
-        </p:style>
-        <p:txBody>
-          <a:bodyPr rtlCol="0" anchor="ctr"/>
-          <a:lstStyle/>
-          <a:p>
-            <a:pPr algn="ctr"/>
-            <a:r>
-              <a:rPr lang="en-US" dirty="0" err="1"/>
-              <a:t>Dilatación</a:t>
-            </a:r>
-            <a:endParaRPr lang="en-US" dirty="0"/>
-          </a:p>
-        </p:txBody>
-      </p:sp>
       <p:cxnSp>
         <p:nvCxnSpPr>
           <p:cNvPr id="31" name="Straight Arrow Connector 30">
@@ -6743,97 +6867,12 @@
           </a:fontRef>
         </p:style>
       </p:cxnSp>
-      <p:sp>
-        <p:nvSpPr>
-          <p:cNvPr id="32" name="Right Brace 31">
-            <a:extLst>
-              <a:ext uri="{FF2B5EF4-FFF2-40B4-BE49-F238E27FC236}">
-                <a16:creationId xmlns:a16="http://schemas.microsoft.com/office/drawing/2014/main" id="{D17D3488-65E1-3544-800B-54F86DC3439D}"/>
-              </a:ext>
-            </a:extLst>
-          </p:cNvPr>
-          <p:cNvSpPr/>
-          <p:nvPr/>
-        </p:nvSpPr>
-        <p:spPr>
-          <a:xfrm rot="5400000">
-            <a:off x="3305845" y="3522398"/>
-            <a:ext cx="325822" cy="4651513"/>
-          </a:xfrm>
-          <a:prstGeom prst="rightBrace">
-            <a:avLst/>
-          </a:prstGeom>
-          <a:ln>
-            <a:solidFill>
-              <a:schemeClr val="tx1"/>
-            </a:solidFill>
-          </a:ln>
-        </p:spPr>
-        <p:style>
-          <a:lnRef idx="2">
-            <a:schemeClr val="accent1"/>
-          </a:lnRef>
-          <a:fillRef idx="0">
-            <a:schemeClr val="accent1"/>
-          </a:fillRef>
-          <a:effectRef idx="1">
-            <a:schemeClr val="accent1"/>
-          </a:effectRef>
-          <a:fontRef idx="minor">
-            <a:schemeClr val="tx1"/>
-          </a:fontRef>
-        </p:style>
-        <p:txBody>
-          <a:bodyPr rtlCol="0" anchor="ctr"/>
-          <a:lstStyle/>
-          <a:p>
-            <a:pPr algn="ctr"/>
-            <a:endParaRPr lang="en-US"/>
-          </a:p>
-        </p:txBody>
-      </p:sp>
-      <p:sp>
-        <p:nvSpPr>
-          <p:cNvPr id="33" name="TextBox 32">
-            <a:extLst>
-              <a:ext uri="{FF2B5EF4-FFF2-40B4-BE49-F238E27FC236}">
-                <a16:creationId xmlns:a16="http://schemas.microsoft.com/office/drawing/2014/main" id="{89AFE413-4DF4-BF45-BF14-087600565FA4}"/>
-              </a:ext>
-            </a:extLst>
-          </p:cNvPr>
-          <p:cNvSpPr txBox="1"/>
-          <p:nvPr/>
-        </p:nvSpPr>
-        <p:spPr>
-          <a:xfrm>
-            <a:off x="3041372" y="6129707"/>
-            <a:ext cx="849720" cy="369332"/>
-          </a:xfrm>
-          <a:prstGeom prst="rect">
-            <a:avLst/>
-          </a:prstGeom>
-          <a:noFill/>
-        </p:spPr>
-        <p:txBody>
-          <a:bodyPr wrap="none" rtlCol="0">
-            <a:spAutoFit/>
-          </a:bodyPr>
-          <a:lstStyle/>
-          <a:p>
-            <a:r>
-              <a:rPr lang="en-US" dirty="0" err="1"/>
-              <a:t>TopHat</a:t>
-            </a:r>
-            <a:endParaRPr lang="en-US" dirty="0"/>
-          </a:p>
-        </p:txBody>
-      </p:sp>
       <p:cxnSp>
         <p:nvCxnSpPr>
-          <p:cNvPr id="35" name="Straight Connector 34">
-            <a:extLst>
-              <a:ext uri="{FF2B5EF4-FFF2-40B4-BE49-F238E27FC236}">
-                <a16:creationId xmlns:a16="http://schemas.microsoft.com/office/drawing/2014/main" id="{E3EF0223-510A-4E4E-9235-8746D86CF5D8}"/>
+          <p:cNvPr id="36" name="Straight Connector 35">
+            <a:extLst>
+              <a:ext uri="{FF2B5EF4-FFF2-40B4-BE49-F238E27FC236}">
+                <a16:creationId xmlns:a16="http://schemas.microsoft.com/office/drawing/2014/main" id="{93A779F7-7F93-EE40-9ACE-12DF5E036476}"/>
               </a:ext>
             </a:extLst>
           </p:cNvPr>
@@ -6873,10 +6912,10 @@
       </p:cxnSp>
       <p:pic>
         <p:nvPicPr>
-          <p:cNvPr id="36" name="Picture 35">
-            <a:extLst>
-              <a:ext uri="{FF2B5EF4-FFF2-40B4-BE49-F238E27FC236}">
-                <a16:creationId xmlns:a16="http://schemas.microsoft.com/office/drawing/2014/main" id="{BD4A2BF4-F5A1-AE4E-851E-7EED58216794}"/>
+          <p:cNvPr id="37" name="Picture 36">
+            <a:extLst>
+              <a:ext uri="{FF2B5EF4-FFF2-40B4-BE49-F238E27FC236}">
+                <a16:creationId xmlns:a16="http://schemas.microsoft.com/office/drawing/2014/main" id="{D61FF457-DF4A-A54A-A5C1-8D9036444D10}"/>
               </a:ext>
             </a:extLst>
           </p:cNvPr>
@@ -6886,7 +6925,7 @@
           <p:nvPr/>
         </p:nvPicPr>
         <p:blipFill>
-          <a:blip r:embed="rId5"/>
+          <a:blip r:embed="rId3"/>
           <a:srcRect/>
           <a:stretch/>
         </p:blipFill>
@@ -6894,36 +6933,6 @@
           <a:xfrm>
             <a:off x="2137316" y="1958175"/>
             <a:ext cx="1408732" cy="1381217"/>
-          </a:xfrm>
-          <a:prstGeom prst="rect">
-            <a:avLst/>
-          </a:prstGeom>
-        </p:spPr>
-      </p:pic>
-      <p:pic>
-        <p:nvPicPr>
-          <p:cNvPr id="37" name="Picture 36">
-            <a:extLst>
-              <a:ext uri="{FF2B5EF4-FFF2-40B4-BE49-F238E27FC236}">
-                <a16:creationId xmlns:a16="http://schemas.microsoft.com/office/drawing/2014/main" id="{E2F621F6-F9AE-2442-BAA9-93E1A57ADF19}"/>
-              </a:ext>
-            </a:extLst>
-          </p:cNvPr>
-          <p:cNvPicPr>
-            <a:picLocks noChangeAspect="1"/>
-          </p:cNvPicPr>
-          <p:nvPr/>
-        </p:nvPicPr>
-        <p:blipFill>
-          <a:blip r:embed="rId6"/>
-          <a:stretch>
-            <a:fillRect/>
-          </a:stretch>
-        </p:blipFill>
-        <p:spPr>
-          <a:xfrm>
-            <a:off x="3901825" y="1947213"/>
-            <a:ext cx="1408732" cy="1403142"/>
           </a:xfrm>
           <a:prstGeom prst="rect">
             <a:avLst/>
@@ -6933,7 +6942,7 @@
     </p:spTree>
     <p:extLst>
       <p:ext uri="{BB962C8B-B14F-4D97-AF65-F5344CB8AC3E}">
-        <p14:creationId xmlns:p14="http://schemas.microsoft.com/office/powerpoint/2010/main" val="1814351966"/>
+        <p14:creationId xmlns:p14="http://schemas.microsoft.com/office/powerpoint/2010/main" val="1860141646"/>
       </p:ext>
     </p:extLst>
   </p:cSld>
@@ -7038,6 +7047,1558 @@
         <p:spPr>
           <a:xfrm>
             <a:off x="1232464" y="3688329"/>
+            <a:ext cx="1344485" cy="1219200"/>
+          </a:xfrm>
+          <a:prstGeom prst="roundRect">
+            <a:avLst/>
+          </a:prstGeom>
+        </p:spPr>
+        <p:style>
+          <a:lnRef idx="1">
+            <a:schemeClr val="accent1"/>
+          </a:lnRef>
+          <a:fillRef idx="3">
+            <a:schemeClr val="accent1"/>
+          </a:fillRef>
+          <a:effectRef idx="2">
+            <a:schemeClr val="accent1"/>
+          </a:effectRef>
+          <a:fontRef idx="minor">
+            <a:schemeClr val="lt1"/>
+          </a:fontRef>
+        </p:style>
+        <p:txBody>
+          <a:bodyPr rtlCol="0" anchor="ctr"/>
+          <a:lstStyle/>
+          <a:p>
+            <a:pPr algn="ctr"/>
+            <a:r>
+              <a:rPr lang="en-US" dirty="0" err="1"/>
+              <a:t>Erosión</a:t>
+            </a:r>
+            <a:endParaRPr lang="en-US" dirty="0"/>
+          </a:p>
+        </p:txBody>
+      </p:sp>
+      <p:cxnSp>
+        <p:nvCxnSpPr>
+          <p:cNvPr id="10" name="Straight Arrow Connector 9">
+            <a:extLst>
+              <a:ext uri="{FF2B5EF4-FFF2-40B4-BE49-F238E27FC236}">
+                <a16:creationId xmlns:a16="http://schemas.microsoft.com/office/drawing/2014/main" id="{71FA5D18-817B-474C-A646-51FF8DC7D19F}"/>
+              </a:ext>
+            </a:extLst>
+          </p:cNvPr>
+          <p:cNvCxnSpPr>
+            <a:cxnSpLocks/>
+            <a:endCxn id="8" idx="1"/>
+          </p:cNvCxnSpPr>
+          <p:nvPr/>
+        </p:nvCxnSpPr>
+        <p:spPr>
+          <a:xfrm>
+            <a:off x="457200" y="4297929"/>
+            <a:ext cx="775264" cy="0"/>
+          </a:xfrm>
+          <a:prstGeom prst="straightConnector1">
+            <a:avLst/>
+          </a:prstGeom>
+          <a:ln>
+            <a:tailEnd type="triangle"/>
+          </a:ln>
+        </p:spPr>
+        <p:style>
+          <a:lnRef idx="2">
+            <a:schemeClr val="accent1"/>
+          </a:lnRef>
+          <a:fillRef idx="0">
+            <a:schemeClr val="accent1"/>
+          </a:fillRef>
+          <a:effectRef idx="1">
+            <a:schemeClr val="accent1"/>
+          </a:effectRef>
+          <a:fontRef idx="minor">
+            <a:schemeClr val="tx1"/>
+          </a:fontRef>
+        </p:style>
+      </p:cxnSp>
+      <p:cxnSp>
+        <p:nvCxnSpPr>
+          <p:cNvPr id="21" name="Straight Connector 20">
+            <a:extLst>
+              <a:ext uri="{FF2B5EF4-FFF2-40B4-BE49-F238E27FC236}">
+                <a16:creationId xmlns:a16="http://schemas.microsoft.com/office/drawing/2014/main" id="{72CEF3C7-D63B-D547-ABA2-1E76EEDB4843}"/>
+              </a:ext>
+            </a:extLst>
+          </p:cNvPr>
+          <p:cNvCxnSpPr/>
+          <p:nvPr/>
+        </p:nvCxnSpPr>
+        <p:spPr>
+          <a:xfrm>
+            <a:off x="696863" y="3544067"/>
+            <a:ext cx="0" cy="501612"/>
+          </a:xfrm>
+          <a:prstGeom prst="line">
+            <a:avLst/>
+          </a:prstGeom>
+          <a:ln w="12700">
+            <a:solidFill>
+              <a:schemeClr val="tx1"/>
+            </a:solidFill>
+            <a:prstDash val="dash"/>
+          </a:ln>
+          <a:effectLst/>
+        </p:spPr>
+        <p:style>
+          <a:lnRef idx="2">
+            <a:schemeClr val="accent1"/>
+          </a:lnRef>
+          <a:fillRef idx="0">
+            <a:schemeClr val="accent1"/>
+          </a:fillRef>
+          <a:effectRef idx="1">
+            <a:schemeClr val="accent1"/>
+          </a:effectRef>
+          <a:fontRef idx="minor">
+            <a:schemeClr val="tx1"/>
+          </a:fontRef>
+        </p:style>
+      </p:cxnSp>
+      <p:pic>
+        <p:nvPicPr>
+          <p:cNvPr id="3" name="Picture 2">
+            <a:extLst>
+              <a:ext uri="{FF2B5EF4-FFF2-40B4-BE49-F238E27FC236}">
+                <a16:creationId xmlns:a16="http://schemas.microsoft.com/office/drawing/2014/main" id="{B3CA291D-13BF-BC45-90B0-470D06FD79F4}"/>
+              </a:ext>
+            </a:extLst>
+          </p:cNvPr>
+          <p:cNvPicPr>
+            <a:picLocks noChangeAspect="1"/>
+          </p:cNvPicPr>
+          <p:nvPr/>
+        </p:nvPicPr>
+        <p:blipFill>
+          <a:blip r:embed="rId2"/>
+          <a:stretch>
+            <a:fillRect/>
+          </a:stretch>
+        </p:blipFill>
+        <p:spPr>
+          <a:xfrm>
+            <a:off x="437324" y="1948068"/>
+            <a:ext cx="1408733" cy="1414323"/>
+          </a:xfrm>
+          <a:prstGeom prst="rect">
+            <a:avLst/>
+          </a:prstGeom>
+        </p:spPr>
+      </p:pic>
+      <p:cxnSp>
+        <p:nvCxnSpPr>
+          <p:cNvPr id="31" name="Straight Arrow Connector 30">
+            <a:extLst>
+              <a:ext uri="{FF2B5EF4-FFF2-40B4-BE49-F238E27FC236}">
+                <a16:creationId xmlns:a16="http://schemas.microsoft.com/office/drawing/2014/main" id="{D3004307-B3B3-1148-AD5B-9DA7C8F56A83}"/>
+              </a:ext>
+            </a:extLst>
+          </p:cNvPr>
+          <p:cNvCxnSpPr>
+            <a:cxnSpLocks/>
+          </p:cNvCxnSpPr>
+          <p:nvPr/>
+        </p:nvCxnSpPr>
+        <p:spPr>
+          <a:xfrm>
+            <a:off x="2577550" y="4301245"/>
+            <a:ext cx="432000" cy="0"/>
+          </a:xfrm>
+          <a:prstGeom prst="straightConnector1">
+            <a:avLst/>
+          </a:prstGeom>
+          <a:ln>
+            <a:tailEnd type="triangle"/>
+          </a:ln>
+        </p:spPr>
+        <p:style>
+          <a:lnRef idx="2">
+            <a:schemeClr val="accent1"/>
+          </a:lnRef>
+          <a:fillRef idx="0">
+            <a:schemeClr val="accent1"/>
+          </a:fillRef>
+          <a:effectRef idx="1">
+            <a:schemeClr val="accent1"/>
+          </a:effectRef>
+          <a:fontRef idx="minor">
+            <a:schemeClr val="tx1"/>
+          </a:fontRef>
+        </p:style>
+      </p:cxnSp>
+      <p:cxnSp>
+        <p:nvCxnSpPr>
+          <p:cNvPr id="36" name="Straight Connector 35">
+            <a:extLst>
+              <a:ext uri="{FF2B5EF4-FFF2-40B4-BE49-F238E27FC236}">
+                <a16:creationId xmlns:a16="http://schemas.microsoft.com/office/drawing/2014/main" id="{93A779F7-7F93-EE40-9ACE-12DF5E036476}"/>
+              </a:ext>
+            </a:extLst>
+          </p:cNvPr>
+          <p:cNvCxnSpPr/>
+          <p:nvPr/>
+        </p:nvCxnSpPr>
+        <p:spPr>
+          <a:xfrm>
+            <a:off x="2795431" y="3553886"/>
+            <a:ext cx="0" cy="501612"/>
+          </a:xfrm>
+          <a:prstGeom prst="line">
+            <a:avLst/>
+          </a:prstGeom>
+          <a:ln w="12700">
+            <a:solidFill>
+              <a:schemeClr val="tx1"/>
+            </a:solidFill>
+            <a:prstDash val="dash"/>
+          </a:ln>
+          <a:effectLst/>
+        </p:spPr>
+        <p:style>
+          <a:lnRef idx="2">
+            <a:schemeClr val="accent1"/>
+          </a:lnRef>
+          <a:fillRef idx="0">
+            <a:schemeClr val="accent1"/>
+          </a:fillRef>
+          <a:effectRef idx="1">
+            <a:schemeClr val="accent1"/>
+          </a:effectRef>
+          <a:fontRef idx="minor">
+            <a:schemeClr val="tx1"/>
+          </a:fontRef>
+        </p:style>
+      </p:cxnSp>
+      <p:pic>
+        <p:nvPicPr>
+          <p:cNvPr id="37" name="Picture 36">
+            <a:extLst>
+              <a:ext uri="{FF2B5EF4-FFF2-40B4-BE49-F238E27FC236}">
+                <a16:creationId xmlns:a16="http://schemas.microsoft.com/office/drawing/2014/main" id="{D61FF457-DF4A-A54A-A5C1-8D9036444D10}"/>
+              </a:ext>
+            </a:extLst>
+          </p:cNvPr>
+          <p:cNvPicPr>
+            <a:picLocks noChangeAspect="1"/>
+          </p:cNvPicPr>
+          <p:nvPr/>
+        </p:nvPicPr>
+        <p:blipFill>
+          <a:blip r:embed="rId3"/>
+          <a:srcRect/>
+          <a:stretch/>
+        </p:blipFill>
+        <p:spPr>
+          <a:xfrm>
+            <a:off x="2137316" y="1958175"/>
+            <a:ext cx="1408732" cy="1381217"/>
+          </a:xfrm>
+          <a:prstGeom prst="rect">
+            <a:avLst/>
+          </a:prstGeom>
+        </p:spPr>
+      </p:pic>
+      <p:cxnSp>
+        <p:nvCxnSpPr>
+          <p:cNvPr id="11" name="Straight Arrow Connector 10">
+            <a:extLst>
+              <a:ext uri="{FF2B5EF4-FFF2-40B4-BE49-F238E27FC236}">
+                <a16:creationId xmlns:a16="http://schemas.microsoft.com/office/drawing/2014/main" id="{BD4869F6-29E5-B64B-AAD0-59F90417A5BA}"/>
+              </a:ext>
+            </a:extLst>
+          </p:cNvPr>
+          <p:cNvCxnSpPr>
+            <a:cxnSpLocks/>
+          </p:cNvCxnSpPr>
+          <p:nvPr/>
+        </p:nvCxnSpPr>
+        <p:spPr>
+          <a:xfrm>
+            <a:off x="3975655" y="4297930"/>
+            <a:ext cx="1080000" cy="0"/>
+          </a:xfrm>
+          <a:prstGeom prst="straightConnector1">
+            <a:avLst/>
+          </a:prstGeom>
+          <a:ln>
+            <a:tailEnd type="triangle"/>
+          </a:ln>
+        </p:spPr>
+        <p:style>
+          <a:lnRef idx="2">
+            <a:schemeClr val="accent1"/>
+          </a:lnRef>
+          <a:fillRef idx="0">
+            <a:schemeClr val="accent1"/>
+          </a:fillRef>
+          <a:effectRef idx="1">
+            <a:schemeClr val="accent1"/>
+          </a:effectRef>
+          <a:fontRef idx="minor">
+            <a:schemeClr val="tx1"/>
+          </a:fontRef>
+        </p:style>
+      </p:cxnSp>
+      <p:cxnSp>
+        <p:nvCxnSpPr>
+          <p:cNvPr id="12" name="Straight Connector 11">
+            <a:extLst>
+              <a:ext uri="{FF2B5EF4-FFF2-40B4-BE49-F238E27FC236}">
+                <a16:creationId xmlns:a16="http://schemas.microsoft.com/office/drawing/2014/main" id="{1D23DE81-64E8-1648-BBD6-C84E02D14563}"/>
+              </a:ext>
+            </a:extLst>
+          </p:cNvPr>
+          <p:cNvCxnSpPr/>
+          <p:nvPr/>
+        </p:nvCxnSpPr>
+        <p:spPr>
+          <a:xfrm>
+            <a:off x="4783255" y="3553886"/>
+            <a:ext cx="0" cy="501612"/>
+          </a:xfrm>
+          <a:prstGeom prst="line">
+            <a:avLst/>
+          </a:prstGeom>
+          <a:ln w="12700">
+            <a:solidFill>
+              <a:schemeClr val="tx1"/>
+            </a:solidFill>
+            <a:prstDash val="dash"/>
+          </a:ln>
+          <a:effectLst/>
+        </p:spPr>
+        <p:style>
+          <a:lnRef idx="2">
+            <a:schemeClr val="accent1"/>
+          </a:lnRef>
+          <a:fillRef idx="0">
+            <a:schemeClr val="accent1"/>
+          </a:fillRef>
+          <a:effectRef idx="1">
+            <a:schemeClr val="accent1"/>
+          </a:effectRef>
+          <a:fontRef idx="minor">
+            <a:schemeClr val="tx1"/>
+          </a:fontRef>
+        </p:style>
+      </p:cxnSp>
+      <p:sp>
+        <p:nvSpPr>
+          <p:cNvPr id="13" name="Rounded Rectangle 12">
+            <a:extLst>
+              <a:ext uri="{FF2B5EF4-FFF2-40B4-BE49-F238E27FC236}">
+                <a16:creationId xmlns:a16="http://schemas.microsoft.com/office/drawing/2014/main" id="{ED0FABAD-2168-0F49-B8CB-CC18097EF275}"/>
+              </a:ext>
+            </a:extLst>
+          </p:cNvPr>
+          <p:cNvSpPr/>
+          <p:nvPr/>
+        </p:nvSpPr>
+        <p:spPr>
+          <a:xfrm>
+            <a:off x="3011506" y="3694527"/>
+            <a:ext cx="1337195" cy="1219200"/>
+          </a:xfrm>
+          <a:prstGeom prst="roundRect">
+            <a:avLst/>
+          </a:prstGeom>
+        </p:spPr>
+        <p:style>
+          <a:lnRef idx="1">
+            <a:schemeClr val="accent1"/>
+          </a:lnRef>
+          <a:fillRef idx="3">
+            <a:schemeClr val="accent1"/>
+          </a:fillRef>
+          <a:effectRef idx="2">
+            <a:schemeClr val="accent1"/>
+          </a:effectRef>
+          <a:fontRef idx="minor">
+            <a:schemeClr val="lt1"/>
+          </a:fontRef>
+        </p:style>
+        <p:txBody>
+          <a:bodyPr rtlCol="0" anchor="ctr"/>
+          <a:lstStyle/>
+          <a:p>
+            <a:pPr algn="ctr"/>
+            <a:r>
+              <a:rPr lang="en-US" dirty="0" err="1"/>
+              <a:t>Dilatación</a:t>
+            </a:r>
+            <a:endParaRPr lang="en-US" dirty="0"/>
+          </a:p>
+        </p:txBody>
+      </p:sp>
+      <p:pic>
+        <p:nvPicPr>
+          <p:cNvPr id="15" name="Picture 14">
+            <a:extLst>
+              <a:ext uri="{FF2B5EF4-FFF2-40B4-BE49-F238E27FC236}">
+                <a16:creationId xmlns:a16="http://schemas.microsoft.com/office/drawing/2014/main" id="{7DE1FA5F-9A64-004F-A73F-A869424D2587}"/>
+              </a:ext>
+            </a:extLst>
+          </p:cNvPr>
+          <p:cNvPicPr>
+            <a:picLocks noChangeAspect="1"/>
+          </p:cNvPicPr>
+          <p:nvPr/>
+        </p:nvPicPr>
+        <p:blipFill>
+          <a:blip r:embed="rId4"/>
+          <a:stretch>
+            <a:fillRect/>
+          </a:stretch>
+        </p:blipFill>
+        <p:spPr>
+          <a:xfrm>
+            <a:off x="3901825" y="1947213"/>
+            <a:ext cx="1408732" cy="1403142"/>
+          </a:xfrm>
+          <a:prstGeom prst="rect">
+            <a:avLst/>
+          </a:prstGeom>
+        </p:spPr>
+      </p:pic>
+    </p:spTree>
+    <p:extLst>
+      <p:ext uri="{BB962C8B-B14F-4D97-AF65-F5344CB8AC3E}">
+        <p14:creationId xmlns:p14="http://schemas.microsoft.com/office/powerpoint/2010/main" val="1789492492"/>
+      </p:ext>
+    </p:extLst>
+  </p:cSld>
+  <p:clrMapOvr>
+    <a:masterClrMapping/>
+  </p:clrMapOvr>
+</p:sld>
+</file>
+
+<file path=ppt/slides/slide15.xml><?xml version="1.0" encoding="utf-8"?>
+<p:sld xmlns:a="http://schemas.openxmlformats.org/drawingml/2006/main" xmlns:r="http://schemas.openxmlformats.org/officeDocument/2006/relationships" xmlns:p="http://schemas.openxmlformats.org/presentationml/2006/main">
+  <p:cSld>
+    <p:spTree>
+      <p:nvGrpSpPr>
+        <p:cNvPr id="1" name=""/>
+        <p:cNvGrpSpPr/>
+        <p:nvPr/>
+      </p:nvGrpSpPr>
+      <p:grpSpPr>
+        <a:xfrm>
+          <a:off x="0" y="0"/>
+          <a:ext cx="0" cy="0"/>
+          <a:chOff x="0" y="0"/>
+          <a:chExt cx="0" cy="0"/>
+        </a:xfrm>
+      </p:grpSpPr>
+      <p:sp>
+        <p:nvSpPr>
+          <p:cNvPr id="4" name="TextBox 3">
+            <a:extLst>
+              <a:ext uri="{FF2B5EF4-FFF2-40B4-BE49-F238E27FC236}">
+                <a16:creationId xmlns:a16="http://schemas.microsoft.com/office/drawing/2014/main" id="{9BC33F19-ACDF-5E42-94C2-BA9773957D6C}"/>
+              </a:ext>
+            </a:extLst>
+          </p:cNvPr>
+          <p:cNvSpPr txBox="1"/>
+          <p:nvPr/>
+        </p:nvSpPr>
+        <p:spPr>
+          <a:xfrm>
+            <a:off x="715617" y="1083363"/>
+            <a:ext cx="7911548" cy="923330"/>
+          </a:xfrm>
+          <a:prstGeom prst="rect">
+            <a:avLst/>
+          </a:prstGeom>
+          <a:noFill/>
+        </p:spPr>
+        <p:txBody>
+          <a:bodyPr wrap="square" rtlCol="0">
+            <a:spAutoFit/>
+          </a:bodyPr>
+          <a:lstStyle/>
+          <a:p>
+            <a:r>
+              <a:rPr lang="es-ES_tradnl" sz="3600" dirty="0">
+                <a:solidFill>
+                  <a:srgbClr val="FF9300"/>
+                </a:solidFill>
+                <a:latin typeface="Trebuchet MS" panose="020B0703020202090204" pitchFamily="34" charset="0"/>
+              </a:rPr>
+              <a:t>Filtro </a:t>
+            </a:r>
+            <a:r>
+              <a:rPr lang="es-ES_tradnl" sz="3600" dirty="0" err="1">
+                <a:solidFill>
+                  <a:srgbClr val="FF9300"/>
+                </a:solidFill>
+                <a:latin typeface="Trebuchet MS" panose="020B0703020202090204" pitchFamily="34" charset="0"/>
+              </a:rPr>
+              <a:t>TopHat</a:t>
+            </a:r>
+            <a:r>
+              <a:rPr lang="es-ES_tradnl" sz="3600" dirty="0">
+                <a:solidFill>
+                  <a:srgbClr val="FF9300"/>
+                </a:solidFill>
+                <a:latin typeface="Trebuchet MS" panose="020B0703020202090204" pitchFamily="34" charset="0"/>
+              </a:rPr>
+              <a:t>:</a:t>
+            </a:r>
+          </a:p>
+          <a:p>
+            <a:endParaRPr lang="es-ES_tradnl" dirty="0">
+              <a:latin typeface="Trebuchet MS" panose="020B0703020202090204" pitchFamily="34" charset="0"/>
+            </a:endParaRPr>
+          </a:p>
+        </p:txBody>
+      </p:sp>
+      <p:sp>
+        <p:nvSpPr>
+          <p:cNvPr id="8" name="Rounded Rectangle 7">
+            <a:extLst>
+              <a:ext uri="{FF2B5EF4-FFF2-40B4-BE49-F238E27FC236}">
+                <a16:creationId xmlns:a16="http://schemas.microsoft.com/office/drawing/2014/main" id="{F0DA2C2A-9467-7445-A899-236B8DFFADCE}"/>
+              </a:ext>
+            </a:extLst>
+          </p:cNvPr>
+          <p:cNvSpPr/>
+          <p:nvPr/>
+        </p:nvSpPr>
+        <p:spPr>
+          <a:xfrm>
+            <a:off x="1232464" y="3688329"/>
+            <a:ext cx="1344485" cy="1219200"/>
+          </a:xfrm>
+          <a:prstGeom prst="roundRect">
+            <a:avLst/>
+          </a:prstGeom>
+        </p:spPr>
+        <p:style>
+          <a:lnRef idx="1">
+            <a:schemeClr val="accent1"/>
+          </a:lnRef>
+          <a:fillRef idx="3">
+            <a:schemeClr val="accent1"/>
+          </a:fillRef>
+          <a:effectRef idx="2">
+            <a:schemeClr val="accent1"/>
+          </a:effectRef>
+          <a:fontRef idx="minor">
+            <a:schemeClr val="lt1"/>
+          </a:fontRef>
+        </p:style>
+        <p:txBody>
+          <a:bodyPr rtlCol="0" anchor="ctr"/>
+          <a:lstStyle/>
+          <a:p>
+            <a:pPr algn="ctr"/>
+            <a:r>
+              <a:rPr lang="en-US" dirty="0" err="1"/>
+              <a:t>Erosión</a:t>
+            </a:r>
+            <a:endParaRPr lang="en-US" dirty="0"/>
+          </a:p>
+        </p:txBody>
+      </p:sp>
+      <p:cxnSp>
+        <p:nvCxnSpPr>
+          <p:cNvPr id="10" name="Straight Arrow Connector 9">
+            <a:extLst>
+              <a:ext uri="{FF2B5EF4-FFF2-40B4-BE49-F238E27FC236}">
+                <a16:creationId xmlns:a16="http://schemas.microsoft.com/office/drawing/2014/main" id="{71FA5D18-817B-474C-A646-51FF8DC7D19F}"/>
+              </a:ext>
+            </a:extLst>
+          </p:cNvPr>
+          <p:cNvCxnSpPr>
+            <a:cxnSpLocks/>
+            <a:endCxn id="8" idx="1"/>
+          </p:cNvCxnSpPr>
+          <p:nvPr/>
+        </p:nvCxnSpPr>
+        <p:spPr>
+          <a:xfrm>
+            <a:off x="457200" y="4297929"/>
+            <a:ext cx="775264" cy="0"/>
+          </a:xfrm>
+          <a:prstGeom prst="straightConnector1">
+            <a:avLst/>
+          </a:prstGeom>
+          <a:ln>
+            <a:tailEnd type="triangle"/>
+          </a:ln>
+        </p:spPr>
+        <p:style>
+          <a:lnRef idx="2">
+            <a:schemeClr val="accent1"/>
+          </a:lnRef>
+          <a:fillRef idx="0">
+            <a:schemeClr val="accent1"/>
+          </a:fillRef>
+          <a:effectRef idx="1">
+            <a:schemeClr val="accent1"/>
+          </a:effectRef>
+          <a:fontRef idx="minor">
+            <a:schemeClr val="tx1"/>
+          </a:fontRef>
+        </p:style>
+      </p:cxnSp>
+      <p:cxnSp>
+        <p:nvCxnSpPr>
+          <p:cNvPr id="13" name="Straight Arrow Connector 12">
+            <a:extLst>
+              <a:ext uri="{FF2B5EF4-FFF2-40B4-BE49-F238E27FC236}">
+                <a16:creationId xmlns:a16="http://schemas.microsoft.com/office/drawing/2014/main" id="{81BC0E00-E61A-AE4A-95A3-AE6D2FA5BFA6}"/>
+              </a:ext>
+            </a:extLst>
+          </p:cNvPr>
+          <p:cNvCxnSpPr>
+            <a:cxnSpLocks/>
+          </p:cNvCxnSpPr>
+          <p:nvPr/>
+        </p:nvCxnSpPr>
+        <p:spPr>
+          <a:xfrm>
+            <a:off x="3975655" y="4297930"/>
+            <a:ext cx="1080000" cy="0"/>
+          </a:xfrm>
+          <a:prstGeom prst="straightConnector1">
+            <a:avLst/>
+          </a:prstGeom>
+          <a:ln>
+            <a:tailEnd type="triangle"/>
+          </a:ln>
+        </p:spPr>
+        <p:style>
+          <a:lnRef idx="2">
+            <a:schemeClr val="accent1"/>
+          </a:lnRef>
+          <a:fillRef idx="0">
+            <a:schemeClr val="accent1"/>
+          </a:fillRef>
+          <a:effectRef idx="1">
+            <a:schemeClr val="accent1"/>
+          </a:effectRef>
+          <a:fontRef idx="minor">
+            <a:schemeClr val="tx1"/>
+          </a:fontRef>
+        </p:style>
+      </p:cxnSp>
+      <p:sp>
+        <p:nvSpPr>
+          <p:cNvPr id="15" name="Oval 14">
+            <a:extLst>
+              <a:ext uri="{FF2B5EF4-FFF2-40B4-BE49-F238E27FC236}">
+                <a16:creationId xmlns:a16="http://schemas.microsoft.com/office/drawing/2014/main" id="{2A6DF78B-3B6A-8545-B71D-D0CE18A2D644}"/>
+              </a:ext>
+            </a:extLst>
+          </p:cNvPr>
+          <p:cNvSpPr/>
+          <p:nvPr/>
+        </p:nvSpPr>
+        <p:spPr>
+          <a:xfrm>
+            <a:off x="5053308" y="3972109"/>
+            <a:ext cx="651641" cy="651641"/>
+          </a:xfrm>
+          <a:prstGeom prst="ellipse">
+            <a:avLst/>
+          </a:prstGeom>
+        </p:spPr>
+        <p:style>
+          <a:lnRef idx="1">
+            <a:schemeClr val="accent1"/>
+          </a:lnRef>
+          <a:fillRef idx="3">
+            <a:schemeClr val="accent1"/>
+          </a:fillRef>
+          <a:effectRef idx="2">
+            <a:schemeClr val="accent1"/>
+          </a:effectRef>
+          <a:fontRef idx="minor">
+            <a:schemeClr val="lt1"/>
+          </a:fontRef>
+        </p:style>
+        <p:txBody>
+          <a:bodyPr rtlCol="0" anchor="ctr"/>
+          <a:lstStyle/>
+          <a:p>
+            <a:pPr algn="ctr"/>
+            <a:endParaRPr lang="en-US"/>
+          </a:p>
+        </p:txBody>
+      </p:sp>
+      <p:cxnSp>
+        <p:nvCxnSpPr>
+          <p:cNvPr id="16" name="Elbow Connector 15">
+            <a:extLst>
+              <a:ext uri="{FF2B5EF4-FFF2-40B4-BE49-F238E27FC236}">
+                <a16:creationId xmlns:a16="http://schemas.microsoft.com/office/drawing/2014/main" id="{FE6174D1-9E33-8D40-BB9B-346CF4DA8E48}"/>
+              </a:ext>
+            </a:extLst>
+          </p:cNvPr>
+          <p:cNvCxnSpPr>
+            <a:cxnSpLocks/>
+            <a:endCxn id="15" idx="4"/>
+          </p:cNvCxnSpPr>
+          <p:nvPr/>
+        </p:nvCxnSpPr>
+        <p:spPr>
+          <a:xfrm rot="16200000" flipH="1">
+            <a:off x="2813642" y="2058262"/>
+            <a:ext cx="325821" cy="4805154"/>
+          </a:xfrm>
+          <a:prstGeom prst="bentConnector3">
+            <a:avLst>
+              <a:gd name="adj1" fmla="val 322686"/>
+            </a:avLst>
+          </a:prstGeom>
+          <a:ln>
+            <a:tailEnd type="triangle"/>
+          </a:ln>
+        </p:spPr>
+        <p:style>
+          <a:lnRef idx="2">
+            <a:schemeClr val="accent1"/>
+          </a:lnRef>
+          <a:fillRef idx="0">
+            <a:schemeClr val="accent1"/>
+          </a:fillRef>
+          <a:effectRef idx="1">
+            <a:schemeClr val="accent1"/>
+          </a:effectRef>
+          <a:fontRef idx="minor">
+            <a:schemeClr val="tx1"/>
+          </a:fontRef>
+        </p:style>
+      </p:cxnSp>
+      <p:cxnSp>
+        <p:nvCxnSpPr>
+          <p:cNvPr id="17" name="Straight Connector 16">
+            <a:extLst>
+              <a:ext uri="{FF2B5EF4-FFF2-40B4-BE49-F238E27FC236}">
+                <a16:creationId xmlns:a16="http://schemas.microsoft.com/office/drawing/2014/main" id="{73E0BA87-2204-AF4E-8CCB-CA9387EF884B}"/>
+              </a:ext>
+            </a:extLst>
+          </p:cNvPr>
+          <p:cNvCxnSpPr/>
+          <p:nvPr/>
+        </p:nvCxnSpPr>
+        <p:spPr>
+          <a:xfrm>
+            <a:off x="5253010" y="4318946"/>
+            <a:ext cx="262759" cy="0"/>
+          </a:xfrm>
+          <a:prstGeom prst="line">
+            <a:avLst/>
+          </a:prstGeom>
+          <a:ln w="63500">
+            <a:solidFill>
+              <a:schemeClr val="bg1"/>
+            </a:solidFill>
+          </a:ln>
+          <a:effectLst/>
+        </p:spPr>
+        <p:style>
+          <a:lnRef idx="2">
+            <a:schemeClr val="accent1"/>
+          </a:lnRef>
+          <a:fillRef idx="0">
+            <a:schemeClr val="accent1"/>
+          </a:fillRef>
+          <a:effectRef idx="1">
+            <a:schemeClr val="accent1"/>
+          </a:effectRef>
+          <a:fontRef idx="minor">
+            <a:schemeClr val="tx1"/>
+          </a:fontRef>
+        </p:style>
+      </p:cxnSp>
+      <p:cxnSp>
+        <p:nvCxnSpPr>
+          <p:cNvPr id="18" name="Straight Arrow Connector 17">
+            <a:extLst>
+              <a:ext uri="{FF2B5EF4-FFF2-40B4-BE49-F238E27FC236}">
+                <a16:creationId xmlns:a16="http://schemas.microsoft.com/office/drawing/2014/main" id="{745018AF-2252-6A4C-80D3-D429D0E6638E}"/>
+              </a:ext>
+            </a:extLst>
+          </p:cNvPr>
+          <p:cNvCxnSpPr>
+            <a:cxnSpLocks/>
+          </p:cNvCxnSpPr>
+          <p:nvPr/>
+        </p:nvCxnSpPr>
+        <p:spPr>
+          <a:xfrm>
+            <a:off x="5704954" y="4303185"/>
+            <a:ext cx="540000" cy="0"/>
+          </a:xfrm>
+          <a:prstGeom prst="straightConnector1">
+            <a:avLst/>
+          </a:prstGeom>
+          <a:ln>
+            <a:tailEnd type="triangle"/>
+          </a:ln>
+        </p:spPr>
+        <p:style>
+          <a:lnRef idx="2">
+            <a:schemeClr val="accent1"/>
+          </a:lnRef>
+          <a:fillRef idx="0">
+            <a:schemeClr val="accent1"/>
+          </a:fillRef>
+          <a:effectRef idx="1">
+            <a:schemeClr val="accent1"/>
+          </a:effectRef>
+          <a:fontRef idx="minor">
+            <a:schemeClr val="tx1"/>
+          </a:fontRef>
+        </p:style>
+      </p:cxnSp>
+      <p:sp>
+        <p:nvSpPr>
+          <p:cNvPr id="19" name="Rounded Rectangle 18">
+            <a:extLst>
+              <a:ext uri="{FF2B5EF4-FFF2-40B4-BE49-F238E27FC236}">
+                <a16:creationId xmlns:a16="http://schemas.microsoft.com/office/drawing/2014/main" id="{A7D4FB48-722F-8943-BF69-F168D1CF98DC}"/>
+              </a:ext>
+            </a:extLst>
+          </p:cNvPr>
+          <p:cNvSpPr/>
+          <p:nvPr/>
+        </p:nvSpPr>
+        <p:spPr>
+          <a:xfrm>
+            <a:off x="6248066" y="3719860"/>
+            <a:ext cx="1282261" cy="1219200"/>
+          </a:xfrm>
+          <a:prstGeom prst="roundRect">
+            <a:avLst/>
+          </a:prstGeom>
+        </p:spPr>
+        <p:style>
+          <a:lnRef idx="1">
+            <a:schemeClr val="accent1"/>
+          </a:lnRef>
+          <a:fillRef idx="3">
+            <a:schemeClr val="accent1"/>
+          </a:fillRef>
+          <a:effectRef idx="2">
+            <a:schemeClr val="accent1"/>
+          </a:effectRef>
+          <a:fontRef idx="minor">
+            <a:schemeClr val="lt1"/>
+          </a:fontRef>
+        </p:style>
+        <p:txBody>
+          <a:bodyPr rtlCol="0" anchor="ctr"/>
+          <a:lstStyle/>
+          <a:p>
+            <a:pPr algn="ctr"/>
+            <a:r>
+              <a:rPr lang="en-US" dirty="0"/>
+              <a:t>Umbral</a:t>
+            </a:r>
+          </a:p>
+        </p:txBody>
+      </p:sp>
+      <p:cxnSp>
+        <p:nvCxnSpPr>
+          <p:cNvPr id="20" name="Straight Arrow Connector 19">
+            <a:extLst>
+              <a:ext uri="{FF2B5EF4-FFF2-40B4-BE49-F238E27FC236}">
+                <a16:creationId xmlns:a16="http://schemas.microsoft.com/office/drawing/2014/main" id="{65B275A6-B1D8-C543-954C-2F19146A1778}"/>
+              </a:ext>
+            </a:extLst>
+          </p:cNvPr>
+          <p:cNvCxnSpPr>
+            <a:cxnSpLocks/>
+          </p:cNvCxnSpPr>
+          <p:nvPr/>
+        </p:nvCxnSpPr>
+        <p:spPr>
+          <a:xfrm>
+            <a:off x="7514445" y="4313231"/>
+            <a:ext cx="1188000" cy="1"/>
+          </a:xfrm>
+          <a:prstGeom prst="straightConnector1">
+            <a:avLst/>
+          </a:prstGeom>
+          <a:ln>
+            <a:tailEnd type="triangle"/>
+          </a:ln>
+        </p:spPr>
+        <p:style>
+          <a:lnRef idx="2">
+            <a:schemeClr val="accent1"/>
+          </a:lnRef>
+          <a:fillRef idx="0">
+            <a:schemeClr val="accent1"/>
+          </a:fillRef>
+          <a:effectRef idx="1">
+            <a:schemeClr val="accent1"/>
+          </a:effectRef>
+          <a:fontRef idx="minor">
+            <a:schemeClr val="tx1"/>
+          </a:fontRef>
+        </p:style>
+      </p:cxnSp>
+      <p:cxnSp>
+        <p:nvCxnSpPr>
+          <p:cNvPr id="21" name="Straight Connector 20">
+            <a:extLst>
+              <a:ext uri="{FF2B5EF4-FFF2-40B4-BE49-F238E27FC236}">
+                <a16:creationId xmlns:a16="http://schemas.microsoft.com/office/drawing/2014/main" id="{72CEF3C7-D63B-D547-ABA2-1E76EEDB4843}"/>
+              </a:ext>
+            </a:extLst>
+          </p:cNvPr>
+          <p:cNvCxnSpPr/>
+          <p:nvPr/>
+        </p:nvCxnSpPr>
+        <p:spPr>
+          <a:xfrm>
+            <a:off x="696863" y="3544067"/>
+            <a:ext cx="0" cy="501612"/>
+          </a:xfrm>
+          <a:prstGeom prst="line">
+            <a:avLst/>
+          </a:prstGeom>
+          <a:ln w="12700">
+            <a:solidFill>
+              <a:schemeClr val="tx1"/>
+            </a:solidFill>
+            <a:prstDash val="dash"/>
+          </a:ln>
+          <a:effectLst/>
+        </p:spPr>
+        <p:style>
+          <a:lnRef idx="2">
+            <a:schemeClr val="accent1"/>
+          </a:lnRef>
+          <a:fillRef idx="0">
+            <a:schemeClr val="accent1"/>
+          </a:fillRef>
+          <a:effectRef idx="1">
+            <a:schemeClr val="accent1"/>
+          </a:effectRef>
+          <a:fontRef idx="minor">
+            <a:schemeClr val="tx1"/>
+          </a:fontRef>
+        </p:style>
+      </p:cxnSp>
+      <p:cxnSp>
+        <p:nvCxnSpPr>
+          <p:cNvPr id="22" name="Straight Connector 21">
+            <a:extLst>
+              <a:ext uri="{FF2B5EF4-FFF2-40B4-BE49-F238E27FC236}">
+                <a16:creationId xmlns:a16="http://schemas.microsoft.com/office/drawing/2014/main" id="{45EEFD89-F57D-3748-9BF8-AECA1B4CDE6B}"/>
+              </a:ext>
+            </a:extLst>
+          </p:cNvPr>
+          <p:cNvCxnSpPr/>
+          <p:nvPr/>
+        </p:nvCxnSpPr>
+        <p:spPr>
+          <a:xfrm>
+            <a:off x="4783255" y="3553886"/>
+            <a:ext cx="0" cy="501612"/>
+          </a:xfrm>
+          <a:prstGeom prst="line">
+            <a:avLst/>
+          </a:prstGeom>
+          <a:ln w="12700">
+            <a:solidFill>
+              <a:schemeClr val="tx1"/>
+            </a:solidFill>
+            <a:prstDash val="dash"/>
+          </a:ln>
+          <a:effectLst/>
+        </p:spPr>
+        <p:style>
+          <a:lnRef idx="2">
+            <a:schemeClr val="accent1"/>
+          </a:lnRef>
+          <a:fillRef idx="0">
+            <a:schemeClr val="accent1"/>
+          </a:fillRef>
+          <a:effectRef idx="1">
+            <a:schemeClr val="accent1"/>
+          </a:effectRef>
+          <a:fontRef idx="minor">
+            <a:schemeClr val="tx1"/>
+          </a:fontRef>
+        </p:style>
+      </p:cxnSp>
+      <p:cxnSp>
+        <p:nvCxnSpPr>
+          <p:cNvPr id="23" name="Straight Connector 22">
+            <a:extLst>
+              <a:ext uri="{FF2B5EF4-FFF2-40B4-BE49-F238E27FC236}">
+                <a16:creationId xmlns:a16="http://schemas.microsoft.com/office/drawing/2014/main" id="{413AC62C-E9B0-B041-BB6C-B9198CF63993}"/>
+              </a:ext>
+            </a:extLst>
+          </p:cNvPr>
+          <p:cNvCxnSpPr/>
+          <p:nvPr/>
+        </p:nvCxnSpPr>
+        <p:spPr>
+          <a:xfrm>
+            <a:off x="5889245" y="3548631"/>
+            <a:ext cx="0" cy="501612"/>
+          </a:xfrm>
+          <a:prstGeom prst="line">
+            <a:avLst/>
+          </a:prstGeom>
+          <a:ln w="12700">
+            <a:solidFill>
+              <a:schemeClr val="tx1"/>
+            </a:solidFill>
+            <a:prstDash val="dash"/>
+          </a:ln>
+          <a:effectLst/>
+        </p:spPr>
+        <p:style>
+          <a:lnRef idx="2">
+            <a:schemeClr val="accent1"/>
+          </a:lnRef>
+          <a:fillRef idx="0">
+            <a:schemeClr val="accent1"/>
+          </a:fillRef>
+          <a:effectRef idx="1">
+            <a:schemeClr val="accent1"/>
+          </a:effectRef>
+          <a:fontRef idx="minor">
+            <a:schemeClr val="tx1"/>
+          </a:fontRef>
+        </p:style>
+      </p:cxnSp>
+      <p:cxnSp>
+        <p:nvCxnSpPr>
+          <p:cNvPr id="24" name="Straight Connector 23">
+            <a:extLst>
+              <a:ext uri="{FF2B5EF4-FFF2-40B4-BE49-F238E27FC236}">
+                <a16:creationId xmlns:a16="http://schemas.microsoft.com/office/drawing/2014/main" id="{D635FED2-29F9-7740-BB83-8C958CEF0F26}"/>
+              </a:ext>
+            </a:extLst>
+          </p:cNvPr>
+          <p:cNvCxnSpPr/>
+          <p:nvPr/>
+        </p:nvCxnSpPr>
+        <p:spPr>
+          <a:xfrm>
+            <a:off x="8046113" y="3544067"/>
+            <a:ext cx="0" cy="501612"/>
+          </a:xfrm>
+          <a:prstGeom prst="line">
+            <a:avLst/>
+          </a:prstGeom>
+          <a:ln w="12700">
+            <a:solidFill>
+              <a:schemeClr val="tx1"/>
+            </a:solidFill>
+            <a:prstDash val="dash"/>
+          </a:ln>
+          <a:effectLst/>
+        </p:spPr>
+        <p:style>
+          <a:lnRef idx="2">
+            <a:schemeClr val="accent1"/>
+          </a:lnRef>
+          <a:fillRef idx="0">
+            <a:schemeClr val="accent1"/>
+          </a:fillRef>
+          <a:effectRef idx="1">
+            <a:schemeClr val="accent1"/>
+          </a:effectRef>
+          <a:fontRef idx="minor">
+            <a:schemeClr val="tx1"/>
+          </a:fontRef>
+        </p:style>
+      </p:cxnSp>
+      <p:pic>
+        <p:nvPicPr>
+          <p:cNvPr id="3" name="Picture 2">
+            <a:extLst>
+              <a:ext uri="{FF2B5EF4-FFF2-40B4-BE49-F238E27FC236}">
+                <a16:creationId xmlns:a16="http://schemas.microsoft.com/office/drawing/2014/main" id="{B3CA291D-13BF-BC45-90B0-470D06FD79F4}"/>
+              </a:ext>
+            </a:extLst>
+          </p:cNvPr>
+          <p:cNvPicPr>
+            <a:picLocks noChangeAspect="1"/>
+          </p:cNvPicPr>
+          <p:nvPr/>
+        </p:nvPicPr>
+        <p:blipFill>
+          <a:blip r:embed="rId2"/>
+          <a:stretch>
+            <a:fillRect/>
+          </a:stretch>
+        </p:blipFill>
+        <p:spPr>
+          <a:xfrm>
+            <a:off x="437324" y="1948068"/>
+            <a:ext cx="1408733" cy="1414323"/>
+          </a:xfrm>
+          <a:prstGeom prst="rect">
+            <a:avLst/>
+          </a:prstGeom>
+        </p:spPr>
+      </p:pic>
+      <p:pic>
+        <p:nvPicPr>
+          <p:cNvPr id="6" name="Picture 5">
+            <a:extLst>
+              <a:ext uri="{FF2B5EF4-FFF2-40B4-BE49-F238E27FC236}">
+                <a16:creationId xmlns:a16="http://schemas.microsoft.com/office/drawing/2014/main" id="{A3A5ADD0-7C0C-7A4E-AF63-738938F781D6}"/>
+              </a:ext>
+            </a:extLst>
+          </p:cNvPr>
+          <p:cNvPicPr>
+            <a:picLocks noChangeAspect="1"/>
+          </p:cNvPicPr>
+          <p:nvPr/>
+        </p:nvPicPr>
+        <p:blipFill>
+          <a:blip r:embed="rId3"/>
+          <a:stretch>
+            <a:fillRect/>
+          </a:stretch>
+        </p:blipFill>
+        <p:spPr>
+          <a:xfrm>
+            <a:off x="7325122" y="1947213"/>
+            <a:ext cx="1403143" cy="1403143"/>
+          </a:xfrm>
+          <a:prstGeom prst="rect">
+            <a:avLst/>
+          </a:prstGeom>
+        </p:spPr>
+      </p:pic>
+      <p:pic>
+        <p:nvPicPr>
+          <p:cNvPr id="26" name="Picture 25">
+            <a:extLst>
+              <a:ext uri="{FF2B5EF4-FFF2-40B4-BE49-F238E27FC236}">
+                <a16:creationId xmlns:a16="http://schemas.microsoft.com/office/drawing/2014/main" id="{D1E4495A-C4D6-EE4E-9041-429060D79615}"/>
+              </a:ext>
+            </a:extLst>
+          </p:cNvPr>
+          <p:cNvPicPr>
+            <a:picLocks noChangeAspect="1"/>
+          </p:cNvPicPr>
+          <p:nvPr/>
+        </p:nvPicPr>
+        <p:blipFill>
+          <a:blip r:embed="rId4"/>
+          <a:stretch>
+            <a:fillRect/>
+          </a:stretch>
+        </p:blipFill>
+        <p:spPr>
+          <a:xfrm>
+            <a:off x="5496809" y="1948068"/>
+            <a:ext cx="1408733" cy="1408733"/>
+          </a:xfrm>
+          <a:prstGeom prst="rect">
+            <a:avLst/>
+          </a:prstGeom>
+        </p:spPr>
+      </p:pic>
+      <p:sp>
+        <p:nvSpPr>
+          <p:cNvPr id="27" name="Rounded Rectangle 26">
+            <a:extLst>
+              <a:ext uri="{FF2B5EF4-FFF2-40B4-BE49-F238E27FC236}">
+                <a16:creationId xmlns:a16="http://schemas.microsoft.com/office/drawing/2014/main" id="{77E01C26-8612-B045-B7FE-D272C7908153}"/>
+              </a:ext>
+            </a:extLst>
+          </p:cNvPr>
+          <p:cNvSpPr/>
+          <p:nvPr/>
+        </p:nvSpPr>
+        <p:spPr>
+          <a:xfrm>
+            <a:off x="3011506" y="3694527"/>
+            <a:ext cx="1337195" cy="1219200"/>
+          </a:xfrm>
+          <a:prstGeom prst="roundRect">
+            <a:avLst/>
+          </a:prstGeom>
+        </p:spPr>
+        <p:style>
+          <a:lnRef idx="1">
+            <a:schemeClr val="accent1"/>
+          </a:lnRef>
+          <a:fillRef idx="3">
+            <a:schemeClr val="accent1"/>
+          </a:fillRef>
+          <a:effectRef idx="2">
+            <a:schemeClr val="accent1"/>
+          </a:effectRef>
+          <a:fontRef idx="minor">
+            <a:schemeClr val="lt1"/>
+          </a:fontRef>
+        </p:style>
+        <p:txBody>
+          <a:bodyPr rtlCol="0" anchor="ctr"/>
+          <a:lstStyle/>
+          <a:p>
+            <a:pPr algn="ctr"/>
+            <a:r>
+              <a:rPr lang="en-US" dirty="0" err="1"/>
+              <a:t>Dilatación</a:t>
+            </a:r>
+            <a:endParaRPr lang="en-US" dirty="0"/>
+          </a:p>
+        </p:txBody>
+      </p:sp>
+      <p:cxnSp>
+        <p:nvCxnSpPr>
+          <p:cNvPr id="31" name="Straight Arrow Connector 30">
+            <a:extLst>
+              <a:ext uri="{FF2B5EF4-FFF2-40B4-BE49-F238E27FC236}">
+                <a16:creationId xmlns:a16="http://schemas.microsoft.com/office/drawing/2014/main" id="{D3004307-B3B3-1148-AD5B-9DA7C8F56A83}"/>
+              </a:ext>
+            </a:extLst>
+          </p:cNvPr>
+          <p:cNvCxnSpPr>
+            <a:cxnSpLocks/>
+          </p:cNvCxnSpPr>
+          <p:nvPr/>
+        </p:nvCxnSpPr>
+        <p:spPr>
+          <a:xfrm>
+            <a:off x="2577550" y="4301245"/>
+            <a:ext cx="432000" cy="0"/>
+          </a:xfrm>
+          <a:prstGeom prst="straightConnector1">
+            <a:avLst/>
+          </a:prstGeom>
+          <a:ln>
+            <a:tailEnd type="triangle"/>
+          </a:ln>
+        </p:spPr>
+        <p:style>
+          <a:lnRef idx="2">
+            <a:schemeClr val="accent1"/>
+          </a:lnRef>
+          <a:fillRef idx="0">
+            <a:schemeClr val="accent1"/>
+          </a:fillRef>
+          <a:effectRef idx="1">
+            <a:schemeClr val="accent1"/>
+          </a:effectRef>
+          <a:fontRef idx="minor">
+            <a:schemeClr val="tx1"/>
+          </a:fontRef>
+        </p:style>
+      </p:cxnSp>
+      <p:sp>
+        <p:nvSpPr>
+          <p:cNvPr id="32" name="Right Brace 31">
+            <a:extLst>
+              <a:ext uri="{FF2B5EF4-FFF2-40B4-BE49-F238E27FC236}">
+                <a16:creationId xmlns:a16="http://schemas.microsoft.com/office/drawing/2014/main" id="{D17D3488-65E1-3544-800B-54F86DC3439D}"/>
+              </a:ext>
+            </a:extLst>
+          </p:cNvPr>
+          <p:cNvSpPr/>
+          <p:nvPr/>
+        </p:nvSpPr>
+        <p:spPr>
+          <a:xfrm rot="5400000">
+            <a:off x="3305845" y="3522398"/>
+            <a:ext cx="325822" cy="4651513"/>
+          </a:xfrm>
+          <a:prstGeom prst="rightBrace">
+            <a:avLst/>
+          </a:prstGeom>
+          <a:ln>
+            <a:solidFill>
+              <a:schemeClr val="tx1"/>
+            </a:solidFill>
+          </a:ln>
+        </p:spPr>
+        <p:style>
+          <a:lnRef idx="2">
+            <a:schemeClr val="accent1"/>
+          </a:lnRef>
+          <a:fillRef idx="0">
+            <a:schemeClr val="accent1"/>
+          </a:fillRef>
+          <a:effectRef idx="1">
+            <a:schemeClr val="accent1"/>
+          </a:effectRef>
+          <a:fontRef idx="minor">
+            <a:schemeClr val="tx1"/>
+          </a:fontRef>
+        </p:style>
+        <p:txBody>
+          <a:bodyPr rtlCol="0" anchor="ctr"/>
+          <a:lstStyle/>
+          <a:p>
+            <a:pPr algn="ctr"/>
+            <a:endParaRPr lang="en-US"/>
+          </a:p>
+        </p:txBody>
+      </p:sp>
+      <p:sp>
+        <p:nvSpPr>
+          <p:cNvPr id="33" name="TextBox 32">
+            <a:extLst>
+              <a:ext uri="{FF2B5EF4-FFF2-40B4-BE49-F238E27FC236}">
+                <a16:creationId xmlns:a16="http://schemas.microsoft.com/office/drawing/2014/main" id="{89AFE413-4DF4-BF45-BF14-087600565FA4}"/>
+              </a:ext>
+            </a:extLst>
+          </p:cNvPr>
+          <p:cNvSpPr txBox="1"/>
+          <p:nvPr/>
+        </p:nvSpPr>
+        <p:spPr>
+          <a:xfrm>
+            <a:off x="3041372" y="6129707"/>
+            <a:ext cx="849720" cy="369332"/>
+          </a:xfrm>
+          <a:prstGeom prst="rect">
+            <a:avLst/>
+          </a:prstGeom>
+          <a:noFill/>
+        </p:spPr>
+        <p:txBody>
+          <a:bodyPr wrap="none" rtlCol="0">
+            <a:spAutoFit/>
+          </a:bodyPr>
+          <a:lstStyle/>
+          <a:p>
+            <a:r>
+              <a:rPr lang="en-US" dirty="0" err="1"/>
+              <a:t>TopHat</a:t>
+            </a:r>
+            <a:endParaRPr lang="en-US" dirty="0"/>
+          </a:p>
+        </p:txBody>
+      </p:sp>
+      <p:cxnSp>
+        <p:nvCxnSpPr>
+          <p:cNvPr id="35" name="Straight Connector 34">
+            <a:extLst>
+              <a:ext uri="{FF2B5EF4-FFF2-40B4-BE49-F238E27FC236}">
+                <a16:creationId xmlns:a16="http://schemas.microsoft.com/office/drawing/2014/main" id="{E3EF0223-510A-4E4E-9235-8746D86CF5D8}"/>
+              </a:ext>
+            </a:extLst>
+          </p:cNvPr>
+          <p:cNvCxnSpPr/>
+          <p:nvPr/>
+        </p:nvCxnSpPr>
+        <p:spPr>
+          <a:xfrm>
+            <a:off x="2795431" y="3553886"/>
+            <a:ext cx="0" cy="501612"/>
+          </a:xfrm>
+          <a:prstGeom prst="line">
+            <a:avLst/>
+          </a:prstGeom>
+          <a:ln w="12700">
+            <a:solidFill>
+              <a:schemeClr val="tx1"/>
+            </a:solidFill>
+            <a:prstDash val="dash"/>
+          </a:ln>
+          <a:effectLst/>
+        </p:spPr>
+        <p:style>
+          <a:lnRef idx="2">
+            <a:schemeClr val="accent1"/>
+          </a:lnRef>
+          <a:fillRef idx="0">
+            <a:schemeClr val="accent1"/>
+          </a:fillRef>
+          <a:effectRef idx="1">
+            <a:schemeClr val="accent1"/>
+          </a:effectRef>
+          <a:fontRef idx="minor">
+            <a:schemeClr val="tx1"/>
+          </a:fontRef>
+        </p:style>
+      </p:cxnSp>
+      <p:pic>
+        <p:nvPicPr>
+          <p:cNvPr id="36" name="Picture 35">
+            <a:extLst>
+              <a:ext uri="{FF2B5EF4-FFF2-40B4-BE49-F238E27FC236}">
+                <a16:creationId xmlns:a16="http://schemas.microsoft.com/office/drawing/2014/main" id="{BD4A2BF4-F5A1-AE4E-851E-7EED58216794}"/>
+              </a:ext>
+            </a:extLst>
+          </p:cNvPr>
+          <p:cNvPicPr>
+            <a:picLocks noChangeAspect="1"/>
+          </p:cNvPicPr>
+          <p:nvPr/>
+        </p:nvPicPr>
+        <p:blipFill>
+          <a:blip r:embed="rId5"/>
+          <a:srcRect/>
+          <a:stretch/>
+        </p:blipFill>
+        <p:spPr>
+          <a:xfrm>
+            <a:off x="2137316" y="1958175"/>
+            <a:ext cx="1408732" cy="1381217"/>
+          </a:xfrm>
+          <a:prstGeom prst="rect">
+            <a:avLst/>
+          </a:prstGeom>
+        </p:spPr>
+      </p:pic>
+      <p:pic>
+        <p:nvPicPr>
+          <p:cNvPr id="37" name="Picture 36">
+            <a:extLst>
+              <a:ext uri="{FF2B5EF4-FFF2-40B4-BE49-F238E27FC236}">
+                <a16:creationId xmlns:a16="http://schemas.microsoft.com/office/drawing/2014/main" id="{E2F621F6-F9AE-2442-BAA9-93E1A57ADF19}"/>
+              </a:ext>
+            </a:extLst>
+          </p:cNvPr>
+          <p:cNvPicPr>
+            <a:picLocks noChangeAspect="1"/>
+          </p:cNvPicPr>
+          <p:nvPr/>
+        </p:nvPicPr>
+        <p:blipFill>
+          <a:blip r:embed="rId6"/>
+          <a:stretch>
+            <a:fillRect/>
+          </a:stretch>
+        </p:blipFill>
+        <p:spPr>
+          <a:xfrm>
+            <a:off x="3901825" y="1947213"/>
+            <a:ext cx="1408732" cy="1403142"/>
+          </a:xfrm>
+          <a:prstGeom prst="rect">
+            <a:avLst/>
+          </a:prstGeom>
+        </p:spPr>
+      </p:pic>
+    </p:spTree>
+    <p:extLst>
+      <p:ext uri="{BB962C8B-B14F-4D97-AF65-F5344CB8AC3E}">
+        <p14:creationId xmlns:p14="http://schemas.microsoft.com/office/powerpoint/2010/main" val="1814351966"/>
+      </p:ext>
+    </p:extLst>
+  </p:cSld>
+  <p:clrMapOvr>
+    <a:masterClrMapping/>
+  </p:clrMapOvr>
+</p:sld>
+</file>
+
+<file path=ppt/slides/slide16.xml><?xml version="1.0" encoding="utf-8"?>
+<p:sld xmlns:a="http://schemas.openxmlformats.org/drawingml/2006/main" xmlns:r="http://schemas.openxmlformats.org/officeDocument/2006/relationships" xmlns:p="http://schemas.openxmlformats.org/presentationml/2006/main">
+  <p:cSld>
+    <p:spTree>
+      <p:nvGrpSpPr>
+        <p:cNvPr id="1" name=""/>
+        <p:cNvGrpSpPr/>
+        <p:nvPr/>
+      </p:nvGrpSpPr>
+      <p:grpSpPr>
+        <a:xfrm>
+          <a:off x="0" y="0"/>
+          <a:ext cx="0" cy="0"/>
+          <a:chOff x="0" y="0"/>
+          <a:chExt cx="0" cy="0"/>
+        </a:xfrm>
+      </p:grpSpPr>
+      <p:sp>
+        <p:nvSpPr>
+          <p:cNvPr id="4" name="TextBox 3">
+            <a:extLst>
+              <a:ext uri="{FF2B5EF4-FFF2-40B4-BE49-F238E27FC236}">
+                <a16:creationId xmlns:a16="http://schemas.microsoft.com/office/drawing/2014/main" id="{9BC33F19-ACDF-5E42-94C2-BA9773957D6C}"/>
+              </a:ext>
+            </a:extLst>
+          </p:cNvPr>
+          <p:cNvSpPr txBox="1"/>
+          <p:nvPr/>
+        </p:nvSpPr>
+        <p:spPr>
+          <a:xfrm>
+            <a:off x="715617" y="1083363"/>
+            <a:ext cx="7911548" cy="923330"/>
+          </a:xfrm>
+          <a:prstGeom prst="rect">
+            <a:avLst/>
+          </a:prstGeom>
+          <a:noFill/>
+        </p:spPr>
+        <p:txBody>
+          <a:bodyPr wrap="square" rtlCol="0">
+            <a:spAutoFit/>
+          </a:bodyPr>
+          <a:lstStyle/>
+          <a:p>
+            <a:r>
+              <a:rPr lang="es-ES_tradnl" sz="3600" dirty="0">
+                <a:solidFill>
+                  <a:srgbClr val="FF9300"/>
+                </a:solidFill>
+                <a:latin typeface="Trebuchet MS" panose="020B0703020202090204" pitchFamily="34" charset="0"/>
+              </a:rPr>
+              <a:t>Filtro </a:t>
+            </a:r>
+            <a:r>
+              <a:rPr lang="es-ES_tradnl" sz="3600" dirty="0" err="1">
+                <a:solidFill>
+                  <a:srgbClr val="FF9300"/>
+                </a:solidFill>
+                <a:latin typeface="Trebuchet MS" panose="020B0703020202090204" pitchFamily="34" charset="0"/>
+              </a:rPr>
+              <a:t>TopHat</a:t>
+            </a:r>
+            <a:r>
+              <a:rPr lang="es-ES_tradnl" sz="3600" dirty="0">
+                <a:solidFill>
+                  <a:srgbClr val="FF9300"/>
+                </a:solidFill>
+                <a:latin typeface="Trebuchet MS" panose="020B0703020202090204" pitchFamily="34" charset="0"/>
+              </a:rPr>
+              <a:t>:</a:t>
+            </a:r>
+          </a:p>
+          <a:p>
+            <a:endParaRPr lang="es-ES_tradnl" dirty="0">
+              <a:latin typeface="Trebuchet MS" panose="020B0703020202090204" pitchFamily="34" charset="0"/>
+            </a:endParaRPr>
+          </a:p>
+        </p:txBody>
+      </p:sp>
+      <p:sp>
+        <p:nvSpPr>
+          <p:cNvPr id="8" name="Rounded Rectangle 7">
+            <a:extLst>
+              <a:ext uri="{FF2B5EF4-FFF2-40B4-BE49-F238E27FC236}">
+                <a16:creationId xmlns:a16="http://schemas.microsoft.com/office/drawing/2014/main" id="{F0DA2C2A-9467-7445-A899-236B8DFFADCE}"/>
+              </a:ext>
+            </a:extLst>
+          </p:cNvPr>
+          <p:cNvSpPr/>
+          <p:nvPr/>
+        </p:nvSpPr>
+        <p:spPr>
+          <a:xfrm>
+            <a:off x="1232464" y="3688329"/>
             <a:ext cx="3277719" cy="1219200"/>
           </a:xfrm>
           <a:prstGeom prst="roundRect">
@@ -7809,7 +9370,13 @@
   <p:cSld>
     <p:spTree>
       <p:nvGrpSpPr>
-        <p:cNvPr id="1" name=""/>
+        <p:cNvPr id="1" name="">
+          <a:extLst>
+            <a:ext uri="{FF2B5EF4-FFF2-40B4-BE49-F238E27FC236}">
+              <a16:creationId xmlns:a16="http://schemas.microsoft.com/office/drawing/2014/main" id="{87D8B994-E852-A6DB-BE54-D57C7DEEB84E}"/>
+            </a:ext>
+          </a:extLst>
+        </p:cNvPr>
         <p:cNvGrpSpPr/>
         <p:nvPr/>
       </p:nvGrpSpPr>
@@ -7826,7 +9393,7 @@
           <p:cNvPr id="4" name="TextBox 3">
             <a:extLst>
               <a:ext uri="{FF2B5EF4-FFF2-40B4-BE49-F238E27FC236}">
-                <a16:creationId xmlns:a16="http://schemas.microsoft.com/office/drawing/2014/main" id="{9BC33F19-ACDF-5E42-94C2-BA9773957D6C}"/>
+                <a16:creationId xmlns:a16="http://schemas.microsoft.com/office/drawing/2014/main" id="{2164A3AC-59F7-72E4-C2E8-08F13CF6D9A0}"/>
               </a:ext>
             </a:extLst>
           </p:cNvPr>
@@ -7835,8 +9402,8 @@
         </p:nvSpPr>
         <p:spPr>
           <a:xfrm>
-            <a:off x="715617" y="1083363"/>
-            <a:ext cx="7911548" cy="2031325"/>
+            <a:off x="726503" y="381232"/>
+            <a:ext cx="3235897" cy="2308324"/>
           </a:xfrm>
           <a:prstGeom prst="rect">
             <a:avLst/>
@@ -7856,25 +9423,7 @@
                 </a:solidFill>
                 <a:latin typeface="Trebuchet MS" panose="020B0703020202090204" pitchFamily="34" charset="0"/>
               </a:rPr>
-              <a:t>Filtro </a:t>
-            </a:r>
-            <a:r>
-              <a:rPr lang="es-ES_tradnl" sz="3600" dirty="0" err="1">
-                <a:solidFill>
-                  <a:srgbClr val="FF9300"/>
-                </a:solidFill>
-                <a:latin typeface="Trebuchet MS" panose="020B0703020202090204" pitchFamily="34" charset="0"/>
-              </a:rPr>
-              <a:t>TopHat</a:t>
-            </a:r>
-            <a:r>
-              <a:rPr lang="es-ES_tradnl" sz="3600" dirty="0">
-                <a:solidFill>
-                  <a:srgbClr val="FF9300"/>
-                </a:solidFill>
-                <a:latin typeface="Trebuchet MS" panose="020B0703020202090204" pitchFamily="34" charset="0"/>
-              </a:rPr>
-              <a:t>:</a:t>
+              <a:t>Introducción:</a:t>
             </a:r>
           </a:p>
           <a:p>
@@ -7887,7 +9436,23 @@
               <a:rPr lang="es-ES_tradnl" dirty="0">
                 <a:latin typeface="Trebuchet MS" panose="020B0703020202090204" pitchFamily="34" charset="0"/>
               </a:rPr>
-              <a:t>Se usa cuando la iluminación del fondo no es homogénea y se quiere segmentar objetos pequeños claros. </a:t>
+              <a:t>¿Qué pasa si esta imagen </a:t>
+            </a:r>
+          </a:p>
+          <a:p>
+            <a:r>
+              <a:rPr lang="es-ES_tradnl" dirty="0">
+                <a:latin typeface="Trebuchet MS" panose="020B0703020202090204" pitchFamily="34" charset="0"/>
+              </a:rPr>
+              <a:t>en tonos de gris es </a:t>
+            </a:r>
+          </a:p>
+          <a:p>
+            <a:r>
+              <a:rPr lang="es-ES_tradnl" dirty="0">
+                <a:latin typeface="Trebuchet MS" panose="020B0703020202090204" pitchFamily="34" charset="0"/>
+              </a:rPr>
+              <a:t>“erosionada”?</a:t>
             </a:r>
           </a:p>
           <a:p>
@@ -7908,16 +9473,235 @@
           </a:p>
         </p:txBody>
       </p:sp>
+      <p:pic>
+        <p:nvPicPr>
+          <p:cNvPr id="6" name="Picture 5" descr="A black and white gradient&#10;&#10;AI-generated content may be incorrect.">
+            <a:extLst>
+              <a:ext uri="{FF2B5EF4-FFF2-40B4-BE49-F238E27FC236}">
+                <a16:creationId xmlns:a16="http://schemas.microsoft.com/office/drawing/2014/main" id="{7DB18F12-11E0-D617-B13C-4415FC095EA8}"/>
+              </a:ext>
+            </a:extLst>
+          </p:cNvPr>
+          <p:cNvPicPr>
+            <a:picLocks noChangeAspect="1"/>
+          </p:cNvPicPr>
+          <p:nvPr/>
+        </p:nvPicPr>
+        <p:blipFill>
+          <a:blip r:embed="rId2"/>
+          <a:stretch>
+            <a:fillRect/>
+          </a:stretch>
+        </p:blipFill>
+        <p:spPr>
+          <a:xfrm>
+            <a:off x="4379685" y="296238"/>
+            <a:ext cx="2761343" cy="2761343"/>
+          </a:xfrm>
+          <a:prstGeom prst="rect">
+            <a:avLst/>
+          </a:prstGeom>
+          <a:ln>
+            <a:solidFill>
+              <a:schemeClr val="accent1"/>
+            </a:solidFill>
+          </a:ln>
+        </p:spPr>
+      </p:pic>
+      <p:pic>
+        <p:nvPicPr>
+          <p:cNvPr id="8" name="Picture 7">
+            <a:extLst>
+              <a:ext uri="{FF2B5EF4-FFF2-40B4-BE49-F238E27FC236}">
+                <a16:creationId xmlns:a16="http://schemas.microsoft.com/office/drawing/2014/main" id="{45A5CE9A-FE2B-0F1B-2BAA-785E15B8804A}"/>
+              </a:ext>
+            </a:extLst>
+          </p:cNvPr>
+          <p:cNvPicPr>
+            <a:picLocks noChangeAspect="1"/>
+          </p:cNvPicPr>
+          <p:nvPr/>
+        </p:nvPicPr>
+        <p:blipFill>
+          <a:blip r:embed="rId3"/>
+          <a:srcRect/>
+          <a:stretch/>
+        </p:blipFill>
+        <p:spPr>
+          <a:xfrm>
+            <a:off x="4379685" y="3223475"/>
+            <a:ext cx="2761343" cy="2761343"/>
+          </a:xfrm>
+          <a:prstGeom prst="rect">
+            <a:avLst/>
+          </a:prstGeom>
+          <a:noFill/>
+          <a:ln>
+            <a:solidFill>
+              <a:schemeClr val="accent1"/>
+            </a:solidFill>
+          </a:ln>
+        </p:spPr>
+      </p:pic>
+      <p:sp>
+        <p:nvSpPr>
+          <p:cNvPr id="9" name="Down Arrow 8">
+            <a:extLst>
+              <a:ext uri="{FF2B5EF4-FFF2-40B4-BE49-F238E27FC236}">
+                <a16:creationId xmlns:a16="http://schemas.microsoft.com/office/drawing/2014/main" id="{037E829F-9CC8-6AE4-7632-560764CF0906}"/>
+              </a:ext>
+            </a:extLst>
+          </p:cNvPr>
+          <p:cNvSpPr/>
+          <p:nvPr/>
+        </p:nvSpPr>
+        <p:spPr>
+          <a:xfrm>
+            <a:off x="5540828" y="2788046"/>
+            <a:ext cx="598715" cy="870857"/>
+          </a:xfrm>
+          <a:prstGeom prst="downArrow">
+            <a:avLst/>
+          </a:prstGeom>
+        </p:spPr>
+        <p:style>
+          <a:lnRef idx="1">
+            <a:schemeClr val="accent1"/>
+          </a:lnRef>
+          <a:fillRef idx="3">
+            <a:schemeClr val="accent1"/>
+          </a:fillRef>
+          <a:effectRef idx="2">
+            <a:schemeClr val="accent1"/>
+          </a:effectRef>
+          <a:fontRef idx="minor">
+            <a:schemeClr val="lt1"/>
+          </a:fontRef>
+        </p:style>
+        <p:txBody>
+          <a:bodyPr rtlCol="0" anchor="ctr"/>
+          <a:lstStyle/>
+          <a:p>
+            <a:pPr algn="ctr"/>
+            <a:endParaRPr lang="en-CL"/>
+          </a:p>
+        </p:txBody>
+      </p:sp>
     </p:spTree>
     <p:extLst>
       <p:ext uri="{BB962C8B-B14F-4D97-AF65-F5344CB8AC3E}">
-        <p14:creationId xmlns:p14="http://schemas.microsoft.com/office/powerpoint/2010/main" val="221132119"/>
+        <p14:creationId xmlns:p14="http://schemas.microsoft.com/office/powerpoint/2010/main" val="1822132442"/>
       </p:ext>
     </p:extLst>
   </p:cSld>
   <p:clrMapOvr>
     <a:masterClrMapping/>
   </p:clrMapOvr>
+  <p:timing>
+    <p:tnLst>
+      <p:par>
+        <p:cTn id="1" dur="indefinite" restart="never" nodeType="tmRoot">
+          <p:childTnLst>
+            <p:seq concurrent="1" nextAc="seek">
+              <p:cTn id="2" dur="indefinite" nodeType="mainSeq">
+                <p:childTnLst>
+                  <p:par>
+                    <p:cTn id="3" fill="hold">
+                      <p:stCondLst>
+                        <p:cond delay="indefinite"/>
+                      </p:stCondLst>
+                      <p:childTnLst>
+                        <p:par>
+                          <p:cTn id="4" fill="hold">
+                            <p:stCondLst>
+                              <p:cond delay="0"/>
+                            </p:stCondLst>
+                            <p:childTnLst>
+                              <p:par>
+                                <p:cTn id="5" presetID="1" presetClass="entr" presetSubtype="0" fill="hold" nodeType="clickEffect">
+                                  <p:stCondLst>
+                                    <p:cond delay="0"/>
+                                  </p:stCondLst>
+                                  <p:childTnLst>
+                                    <p:set>
+                                      <p:cBhvr>
+                                        <p:cTn id="6" dur="1" fill="hold">
+                                          <p:stCondLst>
+                                            <p:cond delay="0"/>
+                                          </p:stCondLst>
+                                        </p:cTn>
+                                        <p:tgtEl>
+                                          <p:spTgt spid="8"/>
+                                        </p:tgtEl>
+                                        <p:attrNameLst>
+                                          <p:attrName>style.visibility</p:attrName>
+                                        </p:attrNameLst>
+                                      </p:cBhvr>
+                                      <p:to>
+                                        <p:strVal val="visible"/>
+                                      </p:to>
+                                    </p:set>
+                                  </p:childTnLst>
+                                </p:cTn>
+                              </p:par>
+                              <p:par>
+                                <p:cTn id="7" presetID="1" presetClass="entr" presetSubtype="0" fill="hold" grpId="0" nodeType="withEffect">
+                                  <p:stCondLst>
+                                    <p:cond delay="0"/>
+                                  </p:stCondLst>
+                                  <p:childTnLst>
+                                    <p:set>
+                                      <p:cBhvr>
+                                        <p:cTn id="8" dur="1" fill="hold">
+                                          <p:stCondLst>
+                                            <p:cond delay="0"/>
+                                          </p:stCondLst>
+                                        </p:cTn>
+                                        <p:tgtEl>
+                                          <p:spTgt spid="9"/>
+                                        </p:tgtEl>
+                                        <p:attrNameLst>
+                                          <p:attrName>style.visibility</p:attrName>
+                                        </p:attrNameLst>
+                                      </p:cBhvr>
+                                      <p:to>
+                                        <p:strVal val="visible"/>
+                                      </p:to>
+                                    </p:set>
+                                  </p:childTnLst>
+                                </p:cTn>
+                              </p:par>
+                            </p:childTnLst>
+                          </p:cTn>
+                        </p:par>
+                      </p:childTnLst>
+                    </p:cTn>
+                  </p:par>
+                </p:childTnLst>
+              </p:cTn>
+              <p:prevCondLst>
+                <p:cond evt="onPrev" delay="0">
+                  <p:tgtEl>
+                    <p:sldTgt/>
+                  </p:tgtEl>
+                </p:cond>
+              </p:prevCondLst>
+              <p:nextCondLst>
+                <p:cond evt="onNext" delay="0">
+                  <p:tgtEl>
+                    <p:sldTgt/>
+                  </p:tgtEl>
+                </p:cond>
+              </p:nextCondLst>
+            </p:seq>
+          </p:childTnLst>
+        </p:cTn>
+      </p:par>
+    </p:tnLst>
+    <p:bldLst>
+      <p:bldP spid="9" grpId="0" animBg="1"/>
+    </p:bldLst>
+  </p:timing>
 </p:sld>
 </file>
 
@@ -7926,7 +9710,13 @@
   <p:cSld>
     <p:spTree>
       <p:nvGrpSpPr>
-        <p:cNvPr id="1" name=""/>
+        <p:cNvPr id="1" name="">
+          <a:extLst>
+            <a:ext uri="{FF2B5EF4-FFF2-40B4-BE49-F238E27FC236}">
+              <a16:creationId xmlns:a16="http://schemas.microsoft.com/office/drawing/2014/main" id="{A08514F7-1951-1D8E-6718-0A510668C083}"/>
+            </a:ext>
+          </a:extLst>
+        </p:cNvPr>
         <p:cNvGrpSpPr/>
         <p:nvPr/>
       </p:nvGrpSpPr>
@@ -7943,7 +9733,7 @@
           <p:cNvPr id="4" name="TextBox 3">
             <a:extLst>
               <a:ext uri="{FF2B5EF4-FFF2-40B4-BE49-F238E27FC236}">
-                <a16:creationId xmlns:a16="http://schemas.microsoft.com/office/drawing/2014/main" id="{9BC33F19-ACDF-5E42-94C2-BA9773957D6C}"/>
+                <a16:creationId xmlns:a16="http://schemas.microsoft.com/office/drawing/2014/main" id="{0B2BD99A-3DF2-46FB-4F4C-04EA681DBFC1}"/>
               </a:ext>
             </a:extLst>
           </p:cNvPr>
@@ -7952,8 +9742,8 @@
         </p:nvSpPr>
         <p:spPr>
           <a:xfrm>
-            <a:off x="715617" y="1083363"/>
-            <a:ext cx="7911548" cy="2308324"/>
+            <a:off x="726503" y="381232"/>
+            <a:ext cx="3235897" cy="2308324"/>
           </a:xfrm>
           <a:prstGeom prst="rect">
             <a:avLst/>
@@ -7973,25 +9763,7 @@
                 </a:solidFill>
                 <a:latin typeface="Trebuchet MS" panose="020B0703020202090204" pitchFamily="34" charset="0"/>
               </a:rPr>
-              <a:t>Filtro </a:t>
-            </a:r>
-            <a:r>
-              <a:rPr lang="es-ES_tradnl" sz="3600" dirty="0" err="1">
-                <a:solidFill>
-                  <a:srgbClr val="FF9300"/>
-                </a:solidFill>
-                <a:latin typeface="Trebuchet MS" panose="020B0703020202090204" pitchFamily="34" charset="0"/>
-              </a:rPr>
-              <a:t>TopHat</a:t>
-            </a:r>
-            <a:r>
-              <a:rPr lang="es-ES_tradnl" sz="3600" dirty="0">
-                <a:solidFill>
-                  <a:srgbClr val="FF9300"/>
-                </a:solidFill>
-                <a:latin typeface="Trebuchet MS" panose="020B0703020202090204" pitchFamily="34" charset="0"/>
-              </a:rPr>
-              <a:t>:</a:t>
+              <a:t>Introducción:</a:t>
             </a:r>
           </a:p>
           <a:p>
@@ -8004,7 +9776,23 @@
               <a:rPr lang="es-ES_tradnl" dirty="0">
                 <a:latin typeface="Trebuchet MS" panose="020B0703020202090204" pitchFamily="34" charset="0"/>
               </a:rPr>
-              <a:t>Se usa cuando la iluminación del fondo no es homogénea y se quiere segmentar objetos pequeños claros. </a:t>
+              <a:t>¿Qué pasa si esta imagen </a:t>
+            </a:r>
+          </a:p>
+          <a:p>
+            <a:r>
+              <a:rPr lang="es-ES_tradnl" dirty="0">
+                <a:latin typeface="Trebuchet MS" panose="020B0703020202090204" pitchFamily="34" charset="0"/>
+              </a:rPr>
+              <a:t>en tonos de gris es </a:t>
+            </a:r>
+          </a:p>
+          <a:p>
+            <a:r>
+              <a:rPr lang="es-ES_tradnl" dirty="0">
+                <a:latin typeface="Trebuchet MS" panose="020B0703020202090204" pitchFamily="34" charset="0"/>
+              </a:rPr>
+              <a:t>“dilatada”?</a:t>
             </a:r>
           </a:p>
           <a:p>
@@ -8019,36 +9807,240 @@
             </a:endParaRPr>
           </a:p>
           <a:p>
-            <a:r>
-              <a:rPr lang="es-ES_tradnl" sz="1400" dirty="0">
-                <a:solidFill>
-                  <a:schemeClr val="tx1">
-                    <a:lumMod val="50000"/>
-                    <a:lumOff val="50000"/>
-                  </a:schemeClr>
-                </a:solidFill>
-                <a:latin typeface="Trebuchet MS" panose="020B0703020202090204" pitchFamily="34" charset="0"/>
-              </a:rPr>
-              <a:t>Existe un filtro equivalente para objetos pequeños oscuros.</a:t>
-            </a:r>
-          </a:p>
-          <a:p>
             <a:endParaRPr lang="es-ES_tradnl" dirty="0">
               <a:latin typeface="Trebuchet MS" panose="020B0703020202090204" pitchFamily="34" charset="0"/>
             </a:endParaRPr>
+          </a:p>
+        </p:txBody>
+      </p:sp>
+      <p:pic>
+        <p:nvPicPr>
+          <p:cNvPr id="6" name="Picture 5" descr="A black and white gradient&#10;&#10;AI-generated content may be incorrect.">
+            <a:extLst>
+              <a:ext uri="{FF2B5EF4-FFF2-40B4-BE49-F238E27FC236}">
+                <a16:creationId xmlns:a16="http://schemas.microsoft.com/office/drawing/2014/main" id="{B7A3FCCE-7EF5-5CF2-1B59-A4AC363F54E9}"/>
+              </a:ext>
+            </a:extLst>
+          </p:cNvPr>
+          <p:cNvPicPr>
+            <a:picLocks noChangeAspect="1"/>
+          </p:cNvPicPr>
+          <p:nvPr/>
+        </p:nvPicPr>
+        <p:blipFill>
+          <a:blip r:embed="rId2"/>
+          <a:stretch>
+            <a:fillRect/>
+          </a:stretch>
+        </p:blipFill>
+        <p:spPr>
+          <a:xfrm>
+            <a:off x="4379685" y="296238"/>
+            <a:ext cx="2761343" cy="2761343"/>
+          </a:xfrm>
+          <a:prstGeom prst="rect">
+            <a:avLst/>
+          </a:prstGeom>
+          <a:ln>
+            <a:solidFill>
+              <a:schemeClr val="accent1"/>
+            </a:solidFill>
+          </a:ln>
+        </p:spPr>
+      </p:pic>
+      <p:pic>
+        <p:nvPicPr>
+          <p:cNvPr id="8" name="Picture 7">
+            <a:extLst>
+              <a:ext uri="{FF2B5EF4-FFF2-40B4-BE49-F238E27FC236}">
+                <a16:creationId xmlns:a16="http://schemas.microsoft.com/office/drawing/2014/main" id="{2E383A18-663C-15C3-A253-0C8D66307979}"/>
+              </a:ext>
+            </a:extLst>
+          </p:cNvPr>
+          <p:cNvPicPr>
+            <a:picLocks noChangeAspect="1"/>
+          </p:cNvPicPr>
+          <p:nvPr/>
+        </p:nvPicPr>
+        <p:blipFill>
+          <a:blip r:embed="rId3"/>
+          <a:srcRect/>
+          <a:stretch/>
+        </p:blipFill>
+        <p:spPr>
+          <a:xfrm>
+            <a:off x="4379685" y="3223475"/>
+            <a:ext cx="2761343" cy="2761343"/>
+          </a:xfrm>
+          <a:prstGeom prst="rect">
+            <a:avLst/>
+          </a:prstGeom>
+          <a:ln>
+            <a:solidFill>
+              <a:schemeClr val="accent1"/>
+            </a:solidFill>
+          </a:ln>
+        </p:spPr>
+      </p:pic>
+      <p:sp>
+        <p:nvSpPr>
+          <p:cNvPr id="9" name="Down Arrow 8">
+            <a:extLst>
+              <a:ext uri="{FF2B5EF4-FFF2-40B4-BE49-F238E27FC236}">
+                <a16:creationId xmlns:a16="http://schemas.microsoft.com/office/drawing/2014/main" id="{D01209CB-470B-D6FE-C08C-7D961C1EC8D3}"/>
+              </a:ext>
+            </a:extLst>
+          </p:cNvPr>
+          <p:cNvSpPr/>
+          <p:nvPr/>
+        </p:nvSpPr>
+        <p:spPr>
+          <a:xfrm>
+            <a:off x="5540828" y="2788046"/>
+            <a:ext cx="598715" cy="870857"/>
+          </a:xfrm>
+          <a:prstGeom prst="downArrow">
+            <a:avLst/>
+          </a:prstGeom>
+        </p:spPr>
+        <p:style>
+          <a:lnRef idx="1">
+            <a:schemeClr val="accent1"/>
+          </a:lnRef>
+          <a:fillRef idx="3">
+            <a:schemeClr val="accent1"/>
+          </a:fillRef>
+          <a:effectRef idx="2">
+            <a:schemeClr val="accent1"/>
+          </a:effectRef>
+          <a:fontRef idx="minor">
+            <a:schemeClr val="lt1"/>
+          </a:fontRef>
+        </p:style>
+        <p:txBody>
+          <a:bodyPr rtlCol="0" anchor="ctr"/>
+          <a:lstStyle/>
+          <a:p>
+            <a:pPr algn="ctr"/>
+            <a:endParaRPr lang="en-CL"/>
           </a:p>
         </p:txBody>
       </p:sp>
     </p:spTree>
     <p:extLst>
       <p:ext uri="{BB962C8B-B14F-4D97-AF65-F5344CB8AC3E}">
-        <p14:creationId xmlns:p14="http://schemas.microsoft.com/office/powerpoint/2010/main" val="2636016313"/>
+        <p14:creationId xmlns:p14="http://schemas.microsoft.com/office/powerpoint/2010/main" val="4031082015"/>
       </p:ext>
     </p:extLst>
   </p:cSld>
   <p:clrMapOvr>
     <a:masterClrMapping/>
   </p:clrMapOvr>
+  <p:timing>
+    <p:tnLst>
+      <p:par>
+        <p:cTn id="1" dur="indefinite" restart="never" nodeType="tmRoot">
+          <p:childTnLst>
+            <p:seq concurrent="1" nextAc="seek">
+              <p:cTn id="2" dur="indefinite" nodeType="mainSeq">
+                <p:childTnLst>
+                  <p:par>
+                    <p:cTn id="3" fill="hold">
+                      <p:stCondLst>
+                        <p:cond delay="indefinite"/>
+                      </p:stCondLst>
+                      <p:childTnLst>
+                        <p:par>
+                          <p:cTn id="4" fill="hold">
+                            <p:stCondLst>
+                              <p:cond delay="0"/>
+                            </p:stCondLst>
+                            <p:childTnLst>
+                              <p:par>
+                                <p:cTn id="5" presetID="1" presetClass="entr" presetSubtype="0" fill="hold" nodeType="clickEffect">
+                                  <p:stCondLst>
+                                    <p:cond delay="0"/>
+                                  </p:stCondLst>
+                                  <p:childTnLst>
+                                    <p:set>
+                                      <p:cBhvr>
+                                        <p:cTn id="6" dur="1" fill="hold">
+                                          <p:stCondLst>
+                                            <p:cond delay="0"/>
+                                          </p:stCondLst>
+                                        </p:cTn>
+                                        <p:tgtEl>
+                                          <p:spTgt spid="8"/>
+                                        </p:tgtEl>
+                                        <p:attrNameLst>
+                                          <p:attrName>style.visibility</p:attrName>
+                                        </p:attrNameLst>
+                                      </p:cBhvr>
+                                      <p:to>
+                                        <p:strVal val="visible"/>
+                                      </p:to>
+                                    </p:set>
+                                  </p:childTnLst>
+                                </p:cTn>
+                              </p:par>
+                              <p:par>
+                                <p:cTn id="7" presetID="1" presetClass="entr" presetSubtype="0" fill="hold" grpId="0" nodeType="withEffect">
+                                  <p:stCondLst>
+                                    <p:cond delay="0"/>
+                                  </p:stCondLst>
+                                  <p:childTnLst>
+                                    <p:set>
+                                      <p:cBhvr>
+                                        <p:cTn id="8" dur="1" fill="hold">
+                                          <p:stCondLst>
+                                            <p:cond delay="0"/>
+                                          </p:stCondLst>
+                                        </p:cTn>
+                                        <p:tgtEl>
+                                          <p:spTgt spid="9"/>
+                                        </p:tgtEl>
+                                        <p:attrNameLst>
+                                          <p:attrName>style.visibility</p:attrName>
+                                        </p:attrNameLst>
+                                      </p:cBhvr>
+                                      <p:to>
+                                        <p:strVal val="visible"/>
+                                      </p:to>
+                                    </p:set>
+                                  </p:childTnLst>
+                                </p:cTn>
+                              </p:par>
+                            </p:childTnLst>
+                          </p:cTn>
+                        </p:par>
+                      </p:childTnLst>
+                    </p:cTn>
+                  </p:par>
+                </p:childTnLst>
+              </p:cTn>
+              <p:prevCondLst>
+                <p:cond evt="onPrev" delay="0">
+                  <p:tgtEl>
+                    <p:sldTgt/>
+                  </p:tgtEl>
+                </p:cond>
+              </p:prevCondLst>
+              <p:nextCondLst>
+                <p:cond evt="onNext" delay="0">
+                  <p:tgtEl>
+                    <p:sldTgt/>
+                  </p:tgtEl>
+                </p:cond>
+              </p:nextCondLst>
+            </p:seq>
+          </p:childTnLst>
+        </p:cTn>
+      </p:par>
+    </p:tnLst>
+    <p:bldLst>
+      <p:bldP spid="9" grpId="0" animBg="1"/>
+    </p:bldLst>
+  </p:timing>
 </p:sld>
 </file>
 
@@ -8159,6 +10151,254 @@
     </p:spTree>
     <p:extLst>
       <p:ext uri="{BB962C8B-B14F-4D97-AF65-F5344CB8AC3E}">
+        <p14:creationId xmlns:p14="http://schemas.microsoft.com/office/powerpoint/2010/main" val="221132119"/>
+      </p:ext>
+    </p:extLst>
+  </p:cSld>
+  <p:clrMapOvr>
+    <a:masterClrMapping/>
+  </p:clrMapOvr>
+</p:sld>
+</file>
+
+<file path=ppt/slides/slide5.xml><?xml version="1.0" encoding="utf-8"?>
+<p:sld xmlns:a="http://schemas.openxmlformats.org/drawingml/2006/main" xmlns:r="http://schemas.openxmlformats.org/officeDocument/2006/relationships" xmlns:p="http://schemas.openxmlformats.org/presentationml/2006/main">
+  <p:cSld>
+    <p:spTree>
+      <p:nvGrpSpPr>
+        <p:cNvPr id="1" name=""/>
+        <p:cNvGrpSpPr/>
+        <p:nvPr/>
+      </p:nvGrpSpPr>
+      <p:grpSpPr>
+        <a:xfrm>
+          <a:off x="0" y="0"/>
+          <a:ext cx="0" cy="0"/>
+          <a:chOff x="0" y="0"/>
+          <a:chExt cx="0" cy="0"/>
+        </a:xfrm>
+      </p:grpSpPr>
+      <p:sp>
+        <p:nvSpPr>
+          <p:cNvPr id="4" name="TextBox 3">
+            <a:extLst>
+              <a:ext uri="{FF2B5EF4-FFF2-40B4-BE49-F238E27FC236}">
+                <a16:creationId xmlns:a16="http://schemas.microsoft.com/office/drawing/2014/main" id="{9BC33F19-ACDF-5E42-94C2-BA9773957D6C}"/>
+              </a:ext>
+            </a:extLst>
+          </p:cNvPr>
+          <p:cNvSpPr txBox="1"/>
+          <p:nvPr/>
+        </p:nvSpPr>
+        <p:spPr>
+          <a:xfrm>
+            <a:off x="715617" y="1083363"/>
+            <a:ext cx="7911548" cy="2308324"/>
+          </a:xfrm>
+          <a:prstGeom prst="rect">
+            <a:avLst/>
+          </a:prstGeom>
+          <a:noFill/>
+        </p:spPr>
+        <p:txBody>
+          <a:bodyPr wrap="square" rtlCol="0">
+            <a:spAutoFit/>
+          </a:bodyPr>
+          <a:lstStyle/>
+          <a:p>
+            <a:r>
+              <a:rPr lang="es-ES_tradnl" sz="3600" dirty="0">
+                <a:solidFill>
+                  <a:srgbClr val="FF9300"/>
+                </a:solidFill>
+                <a:latin typeface="Trebuchet MS" panose="020B0703020202090204" pitchFamily="34" charset="0"/>
+              </a:rPr>
+              <a:t>Filtro </a:t>
+            </a:r>
+            <a:r>
+              <a:rPr lang="es-ES_tradnl" sz="3600" dirty="0" err="1">
+                <a:solidFill>
+                  <a:srgbClr val="FF9300"/>
+                </a:solidFill>
+                <a:latin typeface="Trebuchet MS" panose="020B0703020202090204" pitchFamily="34" charset="0"/>
+              </a:rPr>
+              <a:t>TopHat</a:t>
+            </a:r>
+            <a:r>
+              <a:rPr lang="es-ES_tradnl" sz="3600" dirty="0">
+                <a:solidFill>
+                  <a:srgbClr val="FF9300"/>
+                </a:solidFill>
+                <a:latin typeface="Trebuchet MS" panose="020B0703020202090204" pitchFamily="34" charset="0"/>
+              </a:rPr>
+              <a:t>:</a:t>
+            </a:r>
+          </a:p>
+          <a:p>
+            <a:endParaRPr lang="es-ES_tradnl" dirty="0">
+              <a:latin typeface="Trebuchet MS" panose="020B0703020202090204" pitchFamily="34" charset="0"/>
+            </a:endParaRPr>
+          </a:p>
+          <a:p>
+            <a:r>
+              <a:rPr lang="es-ES_tradnl" dirty="0">
+                <a:latin typeface="Trebuchet MS" panose="020B0703020202090204" pitchFamily="34" charset="0"/>
+              </a:rPr>
+              <a:t>Se usa cuando la iluminación del fondo no es homogénea y se quiere segmentar objetos pequeños claros. </a:t>
+            </a:r>
+          </a:p>
+          <a:p>
+            <a:endParaRPr lang="es-ES_tradnl" dirty="0">
+              <a:solidFill>
+                <a:schemeClr val="tx1">
+                  <a:lumMod val="50000"/>
+                  <a:lumOff val="50000"/>
+                </a:schemeClr>
+              </a:solidFill>
+              <a:latin typeface="Trebuchet MS" panose="020B0703020202090204" pitchFamily="34" charset="0"/>
+            </a:endParaRPr>
+          </a:p>
+          <a:p>
+            <a:r>
+              <a:rPr lang="es-ES_tradnl" sz="1400" dirty="0">
+                <a:solidFill>
+                  <a:schemeClr val="tx1">
+                    <a:lumMod val="50000"/>
+                    <a:lumOff val="50000"/>
+                  </a:schemeClr>
+                </a:solidFill>
+                <a:latin typeface="Trebuchet MS" panose="020B0703020202090204" pitchFamily="34" charset="0"/>
+              </a:rPr>
+              <a:t>Existe un filtro equivalente para objetos pequeños oscuros.</a:t>
+            </a:r>
+          </a:p>
+          <a:p>
+            <a:endParaRPr lang="es-ES_tradnl" dirty="0">
+              <a:latin typeface="Trebuchet MS" panose="020B0703020202090204" pitchFamily="34" charset="0"/>
+            </a:endParaRPr>
+          </a:p>
+        </p:txBody>
+      </p:sp>
+    </p:spTree>
+    <p:extLst>
+      <p:ext uri="{BB962C8B-B14F-4D97-AF65-F5344CB8AC3E}">
+        <p14:creationId xmlns:p14="http://schemas.microsoft.com/office/powerpoint/2010/main" val="2636016313"/>
+      </p:ext>
+    </p:extLst>
+  </p:cSld>
+  <p:clrMapOvr>
+    <a:masterClrMapping/>
+  </p:clrMapOvr>
+</p:sld>
+</file>
+
+<file path=ppt/slides/slide6.xml><?xml version="1.0" encoding="utf-8"?>
+<p:sld xmlns:a="http://schemas.openxmlformats.org/drawingml/2006/main" xmlns:r="http://schemas.openxmlformats.org/officeDocument/2006/relationships" xmlns:p="http://schemas.openxmlformats.org/presentationml/2006/main">
+  <p:cSld>
+    <p:spTree>
+      <p:nvGrpSpPr>
+        <p:cNvPr id="1" name=""/>
+        <p:cNvGrpSpPr/>
+        <p:nvPr/>
+      </p:nvGrpSpPr>
+      <p:grpSpPr>
+        <a:xfrm>
+          <a:off x="0" y="0"/>
+          <a:ext cx="0" cy="0"/>
+          <a:chOff x="0" y="0"/>
+          <a:chExt cx="0" cy="0"/>
+        </a:xfrm>
+      </p:grpSpPr>
+      <p:sp>
+        <p:nvSpPr>
+          <p:cNvPr id="4" name="TextBox 3">
+            <a:extLst>
+              <a:ext uri="{FF2B5EF4-FFF2-40B4-BE49-F238E27FC236}">
+                <a16:creationId xmlns:a16="http://schemas.microsoft.com/office/drawing/2014/main" id="{9BC33F19-ACDF-5E42-94C2-BA9773957D6C}"/>
+              </a:ext>
+            </a:extLst>
+          </p:cNvPr>
+          <p:cNvSpPr txBox="1"/>
+          <p:nvPr/>
+        </p:nvSpPr>
+        <p:spPr>
+          <a:xfrm>
+            <a:off x="715617" y="1083363"/>
+            <a:ext cx="7911548" cy="2031325"/>
+          </a:xfrm>
+          <a:prstGeom prst="rect">
+            <a:avLst/>
+          </a:prstGeom>
+          <a:noFill/>
+        </p:spPr>
+        <p:txBody>
+          <a:bodyPr wrap="square" rtlCol="0">
+            <a:spAutoFit/>
+          </a:bodyPr>
+          <a:lstStyle/>
+          <a:p>
+            <a:r>
+              <a:rPr lang="es-ES_tradnl" sz="3600" dirty="0">
+                <a:solidFill>
+                  <a:srgbClr val="FF9300"/>
+                </a:solidFill>
+                <a:latin typeface="Trebuchet MS" panose="020B0703020202090204" pitchFamily="34" charset="0"/>
+              </a:rPr>
+              <a:t>Filtro </a:t>
+            </a:r>
+            <a:r>
+              <a:rPr lang="es-ES_tradnl" sz="3600" dirty="0" err="1">
+                <a:solidFill>
+                  <a:srgbClr val="FF9300"/>
+                </a:solidFill>
+                <a:latin typeface="Trebuchet MS" panose="020B0703020202090204" pitchFamily="34" charset="0"/>
+              </a:rPr>
+              <a:t>TopHat</a:t>
+            </a:r>
+            <a:r>
+              <a:rPr lang="es-ES_tradnl" sz="3600" dirty="0">
+                <a:solidFill>
+                  <a:srgbClr val="FF9300"/>
+                </a:solidFill>
+                <a:latin typeface="Trebuchet MS" panose="020B0703020202090204" pitchFamily="34" charset="0"/>
+              </a:rPr>
+              <a:t>:</a:t>
+            </a:r>
+          </a:p>
+          <a:p>
+            <a:endParaRPr lang="es-ES_tradnl" dirty="0">
+              <a:latin typeface="Trebuchet MS" panose="020B0703020202090204" pitchFamily="34" charset="0"/>
+            </a:endParaRPr>
+          </a:p>
+          <a:p>
+            <a:r>
+              <a:rPr lang="es-ES_tradnl" dirty="0">
+                <a:latin typeface="Trebuchet MS" panose="020B0703020202090204" pitchFamily="34" charset="0"/>
+              </a:rPr>
+              <a:t>Se usa cuando la iluminación del fondo no es homogénea y se quiere segmentar objetos pequeños claros. </a:t>
+            </a:r>
+          </a:p>
+          <a:p>
+            <a:endParaRPr lang="es-ES_tradnl" dirty="0">
+              <a:solidFill>
+                <a:schemeClr val="tx1">
+                  <a:lumMod val="50000"/>
+                  <a:lumOff val="50000"/>
+                </a:schemeClr>
+              </a:solidFill>
+              <a:latin typeface="Trebuchet MS" panose="020B0703020202090204" pitchFamily="34" charset="0"/>
+            </a:endParaRPr>
+          </a:p>
+          <a:p>
+            <a:endParaRPr lang="es-ES_tradnl" dirty="0">
+              <a:latin typeface="Trebuchet MS" panose="020B0703020202090204" pitchFamily="34" charset="0"/>
+            </a:endParaRPr>
+          </a:p>
+        </p:txBody>
+      </p:sp>
+    </p:spTree>
+    <p:extLst>
+      <p:ext uri="{BB962C8B-B14F-4D97-AF65-F5344CB8AC3E}">
         <p14:creationId xmlns:p14="http://schemas.microsoft.com/office/powerpoint/2010/main" val="3252354105"/>
       </p:ext>
     </p:extLst>
@@ -8169,7 +10409,7 @@
 </p:sld>
 </file>
 
-<file path=ppt/slides/slide5.xml><?xml version="1.0" encoding="utf-8"?>
+<file path=ppt/slides/slide7.xml><?xml version="1.0" encoding="utf-8"?>
 <p:sld xmlns:a="http://schemas.openxmlformats.org/drawingml/2006/main" xmlns:r="http://schemas.openxmlformats.org/officeDocument/2006/relationships" xmlns:p="http://schemas.openxmlformats.org/presentationml/2006/main">
   <p:cSld>
     <p:spTree>
@@ -8568,989 +10808,6 @@
 </p:sld>
 </file>
 
-<file path=ppt/slides/slide6.xml><?xml version="1.0" encoding="utf-8"?>
-<p:sld xmlns:a="http://schemas.openxmlformats.org/drawingml/2006/main" xmlns:r="http://schemas.openxmlformats.org/officeDocument/2006/relationships" xmlns:p="http://schemas.openxmlformats.org/presentationml/2006/main">
-  <p:cSld>
-    <p:spTree>
-      <p:nvGrpSpPr>
-        <p:cNvPr id="1" name=""/>
-        <p:cNvGrpSpPr/>
-        <p:nvPr/>
-      </p:nvGrpSpPr>
-      <p:grpSpPr>
-        <a:xfrm>
-          <a:off x="0" y="0"/>
-          <a:ext cx="0" cy="0"/>
-          <a:chOff x="0" y="0"/>
-          <a:chExt cx="0" cy="0"/>
-        </a:xfrm>
-      </p:grpSpPr>
-      <p:sp>
-        <p:nvSpPr>
-          <p:cNvPr id="4" name="TextBox 3">
-            <a:extLst>
-              <a:ext uri="{FF2B5EF4-FFF2-40B4-BE49-F238E27FC236}">
-                <a16:creationId xmlns:a16="http://schemas.microsoft.com/office/drawing/2014/main" id="{9BC33F19-ACDF-5E42-94C2-BA9773957D6C}"/>
-              </a:ext>
-            </a:extLst>
-          </p:cNvPr>
-          <p:cNvSpPr txBox="1"/>
-          <p:nvPr/>
-        </p:nvSpPr>
-        <p:spPr>
-          <a:xfrm>
-            <a:off x="715617" y="1083363"/>
-            <a:ext cx="7911548" cy="923330"/>
-          </a:xfrm>
-          <a:prstGeom prst="rect">
-            <a:avLst/>
-          </a:prstGeom>
-          <a:noFill/>
-        </p:spPr>
-        <p:txBody>
-          <a:bodyPr wrap="square" rtlCol="0">
-            <a:spAutoFit/>
-          </a:bodyPr>
-          <a:lstStyle/>
-          <a:p>
-            <a:r>
-              <a:rPr lang="es-ES_tradnl" sz="3600" dirty="0">
-                <a:solidFill>
-                  <a:srgbClr val="FF9300"/>
-                </a:solidFill>
-                <a:latin typeface="Trebuchet MS" panose="020B0703020202090204" pitchFamily="34" charset="0"/>
-              </a:rPr>
-              <a:t>Filtro </a:t>
-            </a:r>
-            <a:r>
-              <a:rPr lang="es-ES_tradnl" sz="3600" dirty="0" err="1">
-                <a:solidFill>
-                  <a:srgbClr val="FF9300"/>
-                </a:solidFill>
-                <a:latin typeface="Trebuchet MS" panose="020B0703020202090204" pitchFamily="34" charset="0"/>
-              </a:rPr>
-              <a:t>TopHat</a:t>
-            </a:r>
-            <a:r>
-              <a:rPr lang="es-ES_tradnl" sz="3600" dirty="0">
-                <a:solidFill>
-                  <a:srgbClr val="FF9300"/>
-                </a:solidFill>
-                <a:latin typeface="Trebuchet MS" panose="020B0703020202090204" pitchFamily="34" charset="0"/>
-              </a:rPr>
-              <a:t>:</a:t>
-            </a:r>
-          </a:p>
-          <a:p>
-            <a:endParaRPr lang="es-ES_tradnl" dirty="0">
-              <a:latin typeface="Trebuchet MS" panose="020B0703020202090204" pitchFamily="34" charset="0"/>
-            </a:endParaRPr>
-          </a:p>
-        </p:txBody>
-      </p:sp>
-      <p:sp>
-        <p:nvSpPr>
-          <p:cNvPr id="8" name="Rounded Rectangle 7">
-            <a:extLst>
-              <a:ext uri="{FF2B5EF4-FFF2-40B4-BE49-F238E27FC236}">
-                <a16:creationId xmlns:a16="http://schemas.microsoft.com/office/drawing/2014/main" id="{F0DA2C2A-9467-7445-A899-236B8DFFADCE}"/>
-              </a:ext>
-            </a:extLst>
-          </p:cNvPr>
-          <p:cNvSpPr/>
-          <p:nvPr/>
-        </p:nvSpPr>
-        <p:spPr>
-          <a:xfrm>
-            <a:off x="1232464" y="3688329"/>
-            <a:ext cx="3277719" cy="1219200"/>
-          </a:xfrm>
-          <a:prstGeom prst="roundRect">
-            <a:avLst/>
-          </a:prstGeom>
-        </p:spPr>
-        <p:style>
-          <a:lnRef idx="1">
-            <a:schemeClr val="accent1"/>
-          </a:lnRef>
-          <a:fillRef idx="3">
-            <a:schemeClr val="accent1"/>
-          </a:fillRef>
-          <a:effectRef idx="2">
-            <a:schemeClr val="accent1"/>
-          </a:effectRef>
-          <a:fontRef idx="minor">
-            <a:schemeClr val="lt1"/>
-          </a:fontRef>
-        </p:style>
-        <p:txBody>
-          <a:bodyPr rtlCol="0" anchor="ctr"/>
-          <a:lstStyle/>
-          <a:p>
-            <a:pPr algn="ctr"/>
-            <a:r>
-              <a:rPr lang="en-US" dirty="0"/>
-              <a:t>?</a:t>
-            </a:r>
-          </a:p>
-        </p:txBody>
-      </p:sp>
-      <p:cxnSp>
-        <p:nvCxnSpPr>
-          <p:cNvPr id="10" name="Straight Arrow Connector 9">
-            <a:extLst>
-              <a:ext uri="{FF2B5EF4-FFF2-40B4-BE49-F238E27FC236}">
-                <a16:creationId xmlns:a16="http://schemas.microsoft.com/office/drawing/2014/main" id="{71FA5D18-817B-474C-A646-51FF8DC7D19F}"/>
-              </a:ext>
-            </a:extLst>
-          </p:cNvPr>
-          <p:cNvCxnSpPr>
-            <a:cxnSpLocks/>
-            <a:endCxn id="8" idx="1"/>
-          </p:cNvCxnSpPr>
-          <p:nvPr/>
-        </p:nvCxnSpPr>
-        <p:spPr>
-          <a:xfrm>
-            <a:off x="457200" y="4297929"/>
-            <a:ext cx="775264" cy="0"/>
-          </a:xfrm>
-          <a:prstGeom prst="straightConnector1">
-            <a:avLst/>
-          </a:prstGeom>
-          <a:ln>
-            <a:tailEnd type="triangle"/>
-          </a:ln>
-        </p:spPr>
-        <p:style>
-          <a:lnRef idx="2">
-            <a:schemeClr val="accent1"/>
-          </a:lnRef>
-          <a:fillRef idx="0">
-            <a:schemeClr val="accent1"/>
-          </a:fillRef>
-          <a:effectRef idx="1">
-            <a:schemeClr val="accent1"/>
-          </a:effectRef>
-          <a:fontRef idx="minor">
-            <a:schemeClr val="tx1"/>
-          </a:fontRef>
-        </p:style>
-      </p:cxnSp>
-      <p:cxnSp>
-        <p:nvCxnSpPr>
-          <p:cNvPr id="13" name="Straight Arrow Connector 12">
-            <a:extLst>
-              <a:ext uri="{FF2B5EF4-FFF2-40B4-BE49-F238E27FC236}">
-                <a16:creationId xmlns:a16="http://schemas.microsoft.com/office/drawing/2014/main" id="{81BC0E00-E61A-AE4A-95A3-AE6D2FA5BFA6}"/>
-              </a:ext>
-            </a:extLst>
-          </p:cNvPr>
-          <p:cNvCxnSpPr>
-            <a:cxnSpLocks/>
-            <a:stCxn id="8" idx="3"/>
-          </p:cNvCxnSpPr>
-          <p:nvPr/>
-        </p:nvCxnSpPr>
-        <p:spPr>
-          <a:xfrm>
-            <a:off x="4510183" y="4297929"/>
-            <a:ext cx="543125" cy="1"/>
-          </a:xfrm>
-          <a:prstGeom prst="straightConnector1">
-            <a:avLst/>
-          </a:prstGeom>
-          <a:ln>
-            <a:tailEnd type="triangle"/>
-          </a:ln>
-        </p:spPr>
-        <p:style>
-          <a:lnRef idx="2">
-            <a:schemeClr val="accent1"/>
-          </a:lnRef>
-          <a:fillRef idx="0">
-            <a:schemeClr val="accent1"/>
-          </a:fillRef>
-          <a:effectRef idx="1">
-            <a:schemeClr val="accent1"/>
-          </a:effectRef>
-          <a:fontRef idx="minor">
-            <a:schemeClr val="tx1"/>
-          </a:fontRef>
-        </p:style>
-      </p:cxnSp>
-      <p:cxnSp>
-        <p:nvCxnSpPr>
-          <p:cNvPr id="21" name="Straight Connector 20">
-            <a:extLst>
-              <a:ext uri="{FF2B5EF4-FFF2-40B4-BE49-F238E27FC236}">
-                <a16:creationId xmlns:a16="http://schemas.microsoft.com/office/drawing/2014/main" id="{72CEF3C7-D63B-D547-ABA2-1E76EEDB4843}"/>
-              </a:ext>
-            </a:extLst>
-          </p:cNvPr>
-          <p:cNvCxnSpPr/>
-          <p:nvPr/>
-        </p:nvCxnSpPr>
-        <p:spPr>
-          <a:xfrm>
-            <a:off x="696863" y="3544067"/>
-            <a:ext cx="0" cy="501612"/>
-          </a:xfrm>
-          <a:prstGeom prst="line">
-            <a:avLst/>
-          </a:prstGeom>
-          <a:ln w="12700">
-            <a:solidFill>
-              <a:schemeClr val="tx1"/>
-            </a:solidFill>
-            <a:prstDash val="dash"/>
-          </a:ln>
-          <a:effectLst/>
-        </p:spPr>
-        <p:style>
-          <a:lnRef idx="2">
-            <a:schemeClr val="accent1"/>
-          </a:lnRef>
-          <a:fillRef idx="0">
-            <a:schemeClr val="accent1"/>
-          </a:fillRef>
-          <a:effectRef idx="1">
-            <a:schemeClr val="accent1"/>
-          </a:effectRef>
-          <a:fontRef idx="minor">
-            <a:schemeClr val="tx1"/>
-          </a:fontRef>
-        </p:style>
-      </p:cxnSp>
-      <p:cxnSp>
-        <p:nvCxnSpPr>
-          <p:cNvPr id="22" name="Straight Connector 21">
-            <a:extLst>
-              <a:ext uri="{FF2B5EF4-FFF2-40B4-BE49-F238E27FC236}">
-                <a16:creationId xmlns:a16="http://schemas.microsoft.com/office/drawing/2014/main" id="{45EEFD89-F57D-3748-9BF8-AECA1B4CDE6B}"/>
-              </a:ext>
-            </a:extLst>
-          </p:cNvPr>
-          <p:cNvCxnSpPr/>
-          <p:nvPr/>
-        </p:nvCxnSpPr>
-        <p:spPr>
-          <a:xfrm>
-            <a:off x="4783255" y="3553886"/>
-            <a:ext cx="0" cy="501612"/>
-          </a:xfrm>
-          <a:prstGeom prst="line">
-            <a:avLst/>
-          </a:prstGeom>
-          <a:ln w="12700">
-            <a:solidFill>
-              <a:schemeClr val="tx1"/>
-            </a:solidFill>
-            <a:prstDash val="dash"/>
-          </a:ln>
-          <a:effectLst/>
-        </p:spPr>
-        <p:style>
-          <a:lnRef idx="2">
-            <a:schemeClr val="accent1"/>
-          </a:lnRef>
-          <a:fillRef idx="0">
-            <a:schemeClr val="accent1"/>
-          </a:fillRef>
-          <a:effectRef idx="1">
-            <a:schemeClr val="accent1"/>
-          </a:effectRef>
-          <a:fontRef idx="minor">
-            <a:schemeClr val="tx1"/>
-          </a:fontRef>
-        </p:style>
-      </p:cxnSp>
-      <p:pic>
-        <p:nvPicPr>
-          <p:cNvPr id="3" name="Picture 2">
-            <a:extLst>
-              <a:ext uri="{FF2B5EF4-FFF2-40B4-BE49-F238E27FC236}">
-                <a16:creationId xmlns:a16="http://schemas.microsoft.com/office/drawing/2014/main" id="{B3CA291D-13BF-BC45-90B0-470D06FD79F4}"/>
-              </a:ext>
-            </a:extLst>
-          </p:cNvPr>
-          <p:cNvPicPr>
-            <a:picLocks noChangeAspect="1"/>
-          </p:cNvPicPr>
-          <p:nvPr/>
-        </p:nvPicPr>
-        <p:blipFill>
-          <a:blip r:embed="rId2"/>
-          <a:stretch>
-            <a:fillRect/>
-          </a:stretch>
-        </p:blipFill>
-        <p:spPr>
-          <a:xfrm>
-            <a:off x="437324" y="1948068"/>
-            <a:ext cx="1408733" cy="1414323"/>
-          </a:xfrm>
-          <a:prstGeom prst="rect">
-            <a:avLst/>
-          </a:prstGeom>
-        </p:spPr>
-      </p:pic>
-      <p:pic>
-        <p:nvPicPr>
-          <p:cNvPr id="28" name="Picture 27">
-            <a:extLst>
-              <a:ext uri="{FF2B5EF4-FFF2-40B4-BE49-F238E27FC236}">
-                <a16:creationId xmlns:a16="http://schemas.microsoft.com/office/drawing/2014/main" id="{67B5C0F3-91D7-074F-9005-9F094EE7CA9E}"/>
-              </a:ext>
-            </a:extLst>
-          </p:cNvPr>
-          <p:cNvPicPr>
-            <a:picLocks noChangeAspect="1"/>
-          </p:cNvPicPr>
-          <p:nvPr/>
-        </p:nvPicPr>
-        <p:blipFill>
-          <a:blip r:embed="rId3"/>
-          <a:srcRect/>
-          <a:stretch/>
-        </p:blipFill>
-        <p:spPr>
-          <a:xfrm>
-            <a:off x="3901827" y="1949964"/>
-            <a:ext cx="1408732" cy="1397639"/>
-          </a:xfrm>
-          <a:prstGeom prst="rect">
-            <a:avLst/>
-          </a:prstGeom>
-        </p:spPr>
-      </p:pic>
-    </p:spTree>
-    <p:extLst>
-      <p:ext uri="{BB962C8B-B14F-4D97-AF65-F5344CB8AC3E}">
-        <p14:creationId xmlns:p14="http://schemas.microsoft.com/office/powerpoint/2010/main" val="155409192"/>
-      </p:ext>
-    </p:extLst>
-  </p:cSld>
-  <p:clrMapOvr>
-    <a:masterClrMapping/>
-  </p:clrMapOvr>
-</p:sld>
-</file>
-
-<file path=ppt/slides/slide7.xml><?xml version="1.0" encoding="utf-8"?>
-<p:sld xmlns:a="http://schemas.openxmlformats.org/drawingml/2006/main" xmlns:r="http://schemas.openxmlformats.org/officeDocument/2006/relationships" xmlns:p="http://schemas.openxmlformats.org/presentationml/2006/main">
-  <p:cSld>
-    <p:spTree>
-      <p:nvGrpSpPr>
-        <p:cNvPr id="1" name=""/>
-        <p:cNvGrpSpPr/>
-        <p:nvPr/>
-      </p:nvGrpSpPr>
-      <p:grpSpPr>
-        <a:xfrm>
-          <a:off x="0" y="0"/>
-          <a:ext cx="0" cy="0"/>
-          <a:chOff x="0" y="0"/>
-          <a:chExt cx="0" cy="0"/>
-        </a:xfrm>
-      </p:grpSpPr>
-      <p:sp>
-        <p:nvSpPr>
-          <p:cNvPr id="4" name="TextBox 3">
-            <a:extLst>
-              <a:ext uri="{FF2B5EF4-FFF2-40B4-BE49-F238E27FC236}">
-                <a16:creationId xmlns:a16="http://schemas.microsoft.com/office/drawing/2014/main" id="{9BC33F19-ACDF-5E42-94C2-BA9773957D6C}"/>
-              </a:ext>
-            </a:extLst>
-          </p:cNvPr>
-          <p:cNvSpPr txBox="1"/>
-          <p:nvPr/>
-        </p:nvSpPr>
-        <p:spPr>
-          <a:xfrm>
-            <a:off x="715617" y="1083363"/>
-            <a:ext cx="7911548" cy="923330"/>
-          </a:xfrm>
-          <a:prstGeom prst="rect">
-            <a:avLst/>
-          </a:prstGeom>
-          <a:noFill/>
-        </p:spPr>
-        <p:txBody>
-          <a:bodyPr wrap="square" rtlCol="0">
-            <a:spAutoFit/>
-          </a:bodyPr>
-          <a:lstStyle/>
-          <a:p>
-            <a:r>
-              <a:rPr lang="es-ES_tradnl" sz="3600" dirty="0">
-                <a:solidFill>
-                  <a:srgbClr val="FF9300"/>
-                </a:solidFill>
-                <a:latin typeface="Trebuchet MS" panose="020B0703020202090204" pitchFamily="34" charset="0"/>
-              </a:rPr>
-              <a:t>Filtro </a:t>
-            </a:r>
-            <a:r>
-              <a:rPr lang="es-ES_tradnl" sz="3600" dirty="0" err="1">
-                <a:solidFill>
-                  <a:srgbClr val="FF9300"/>
-                </a:solidFill>
-                <a:latin typeface="Trebuchet MS" panose="020B0703020202090204" pitchFamily="34" charset="0"/>
-              </a:rPr>
-              <a:t>TopHat</a:t>
-            </a:r>
-            <a:r>
-              <a:rPr lang="es-ES_tradnl" sz="3600" dirty="0">
-                <a:solidFill>
-                  <a:srgbClr val="FF9300"/>
-                </a:solidFill>
-                <a:latin typeface="Trebuchet MS" panose="020B0703020202090204" pitchFamily="34" charset="0"/>
-              </a:rPr>
-              <a:t>:</a:t>
-            </a:r>
-          </a:p>
-          <a:p>
-            <a:endParaRPr lang="es-ES_tradnl" dirty="0">
-              <a:latin typeface="Trebuchet MS" panose="020B0703020202090204" pitchFamily="34" charset="0"/>
-            </a:endParaRPr>
-          </a:p>
-        </p:txBody>
-      </p:sp>
-      <p:sp>
-        <p:nvSpPr>
-          <p:cNvPr id="8" name="Rounded Rectangle 7">
-            <a:extLst>
-              <a:ext uri="{FF2B5EF4-FFF2-40B4-BE49-F238E27FC236}">
-                <a16:creationId xmlns:a16="http://schemas.microsoft.com/office/drawing/2014/main" id="{F0DA2C2A-9467-7445-A899-236B8DFFADCE}"/>
-              </a:ext>
-            </a:extLst>
-          </p:cNvPr>
-          <p:cNvSpPr/>
-          <p:nvPr/>
-        </p:nvSpPr>
-        <p:spPr>
-          <a:xfrm>
-            <a:off x="1232464" y="3688329"/>
-            <a:ext cx="3277719" cy="1219200"/>
-          </a:xfrm>
-          <a:prstGeom prst="roundRect">
-            <a:avLst/>
-          </a:prstGeom>
-        </p:spPr>
-        <p:style>
-          <a:lnRef idx="1">
-            <a:schemeClr val="accent1"/>
-          </a:lnRef>
-          <a:fillRef idx="3">
-            <a:schemeClr val="accent1"/>
-          </a:fillRef>
-          <a:effectRef idx="2">
-            <a:schemeClr val="accent1"/>
-          </a:effectRef>
-          <a:fontRef idx="minor">
-            <a:schemeClr val="lt1"/>
-          </a:fontRef>
-        </p:style>
-        <p:txBody>
-          <a:bodyPr rtlCol="0" anchor="ctr"/>
-          <a:lstStyle/>
-          <a:p>
-            <a:pPr algn="ctr"/>
-            <a:r>
-              <a:rPr lang="en-US" dirty="0"/>
-              <a:t>?</a:t>
-            </a:r>
-          </a:p>
-        </p:txBody>
-      </p:sp>
-      <p:cxnSp>
-        <p:nvCxnSpPr>
-          <p:cNvPr id="10" name="Straight Arrow Connector 9">
-            <a:extLst>
-              <a:ext uri="{FF2B5EF4-FFF2-40B4-BE49-F238E27FC236}">
-                <a16:creationId xmlns:a16="http://schemas.microsoft.com/office/drawing/2014/main" id="{71FA5D18-817B-474C-A646-51FF8DC7D19F}"/>
-              </a:ext>
-            </a:extLst>
-          </p:cNvPr>
-          <p:cNvCxnSpPr>
-            <a:cxnSpLocks/>
-            <a:endCxn id="8" idx="1"/>
-          </p:cNvCxnSpPr>
-          <p:nvPr/>
-        </p:nvCxnSpPr>
-        <p:spPr>
-          <a:xfrm>
-            <a:off x="457200" y="4297929"/>
-            <a:ext cx="775264" cy="0"/>
-          </a:xfrm>
-          <a:prstGeom prst="straightConnector1">
-            <a:avLst/>
-          </a:prstGeom>
-          <a:ln>
-            <a:tailEnd type="triangle"/>
-          </a:ln>
-        </p:spPr>
-        <p:style>
-          <a:lnRef idx="2">
-            <a:schemeClr val="accent1"/>
-          </a:lnRef>
-          <a:fillRef idx="0">
-            <a:schemeClr val="accent1"/>
-          </a:fillRef>
-          <a:effectRef idx="1">
-            <a:schemeClr val="accent1"/>
-          </a:effectRef>
-          <a:fontRef idx="minor">
-            <a:schemeClr val="tx1"/>
-          </a:fontRef>
-        </p:style>
-      </p:cxnSp>
-      <p:cxnSp>
-        <p:nvCxnSpPr>
-          <p:cNvPr id="13" name="Straight Arrow Connector 12">
-            <a:extLst>
-              <a:ext uri="{FF2B5EF4-FFF2-40B4-BE49-F238E27FC236}">
-                <a16:creationId xmlns:a16="http://schemas.microsoft.com/office/drawing/2014/main" id="{81BC0E00-E61A-AE4A-95A3-AE6D2FA5BFA6}"/>
-              </a:ext>
-            </a:extLst>
-          </p:cNvPr>
-          <p:cNvCxnSpPr>
-            <a:cxnSpLocks/>
-            <a:stCxn id="8" idx="3"/>
-            <a:endCxn id="15" idx="2"/>
-          </p:cNvCxnSpPr>
-          <p:nvPr/>
-        </p:nvCxnSpPr>
-        <p:spPr>
-          <a:xfrm>
-            <a:off x="4510183" y="4297929"/>
-            <a:ext cx="543125" cy="1"/>
-          </a:xfrm>
-          <a:prstGeom prst="straightConnector1">
-            <a:avLst/>
-          </a:prstGeom>
-          <a:ln>
-            <a:tailEnd type="triangle"/>
-          </a:ln>
-        </p:spPr>
-        <p:style>
-          <a:lnRef idx="2">
-            <a:schemeClr val="accent1"/>
-          </a:lnRef>
-          <a:fillRef idx="0">
-            <a:schemeClr val="accent1"/>
-          </a:fillRef>
-          <a:effectRef idx="1">
-            <a:schemeClr val="accent1"/>
-          </a:effectRef>
-          <a:fontRef idx="minor">
-            <a:schemeClr val="tx1"/>
-          </a:fontRef>
-        </p:style>
-      </p:cxnSp>
-      <p:sp>
-        <p:nvSpPr>
-          <p:cNvPr id="15" name="Oval 14">
-            <a:extLst>
-              <a:ext uri="{FF2B5EF4-FFF2-40B4-BE49-F238E27FC236}">
-                <a16:creationId xmlns:a16="http://schemas.microsoft.com/office/drawing/2014/main" id="{2A6DF78B-3B6A-8545-B71D-D0CE18A2D644}"/>
-              </a:ext>
-            </a:extLst>
-          </p:cNvPr>
-          <p:cNvSpPr/>
-          <p:nvPr/>
-        </p:nvSpPr>
-        <p:spPr>
-          <a:xfrm>
-            <a:off x="5053308" y="3972109"/>
-            <a:ext cx="651641" cy="651641"/>
-          </a:xfrm>
-          <a:prstGeom prst="ellipse">
-            <a:avLst/>
-          </a:prstGeom>
-        </p:spPr>
-        <p:style>
-          <a:lnRef idx="1">
-            <a:schemeClr val="accent1"/>
-          </a:lnRef>
-          <a:fillRef idx="3">
-            <a:schemeClr val="accent1"/>
-          </a:fillRef>
-          <a:effectRef idx="2">
-            <a:schemeClr val="accent1"/>
-          </a:effectRef>
-          <a:fontRef idx="minor">
-            <a:schemeClr val="lt1"/>
-          </a:fontRef>
-        </p:style>
-        <p:txBody>
-          <a:bodyPr rtlCol="0" anchor="ctr"/>
-          <a:lstStyle/>
-          <a:p>
-            <a:pPr algn="ctr"/>
-            <a:endParaRPr lang="en-US"/>
-          </a:p>
-        </p:txBody>
-      </p:sp>
-      <p:cxnSp>
-        <p:nvCxnSpPr>
-          <p:cNvPr id="16" name="Elbow Connector 15">
-            <a:extLst>
-              <a:ext uri="{FF2B5EF4-FFF2-40B4-BE49-F238E27FC236}">
-                <a16:creationId xmlns:a16="http://schemas.microsoft.com/office/drawing/2014/main" id="{FE6174D1-9E33-8D40-BB9B-346CF4DA8E48}"/>
-              </a:ext>
-            </a:extLst>
-          </p:cNvPr>
-          <p:cNvCxnSpPr>
-            <a:cxnSpLocks/>
-            <a:endCxn id="15" idx="4"/>
-          </p:cNvCxnSpPr>
-          <p:nvPr/>
-        </p:nvCxnSpPr>
-        <p:spPr>
-          <a:xfrm rot="16200000" flipH="1">
-            <a:off x="2813642" y="2058262"/>
-            <a:ext cx="325821" cy="4805154"/>
-          </a:xfrm>
-          <a:prstGeom prst="bentConnector3">
-            <a:avLst>
-              <a:gd name="adj1" fmla="val 322686"/>
-            </a:avLst>
-          </a:prstGeom>
-          <a:ln>
-            <a:tailEnd type="triangle"/>
-          </a:ln>
-        </p:spPr>
-        <p:style>
-          <a:lnRef idx="2">
-            <a:schemeClr val="accent1"/>
-          </a:lnRef>
-          <a:fillRef idx="0">
-            <a:schemeClr val="accent1"/>
-          </a:fillRef>
-          <a:effectRef idx="1">
-            <a:schemeClr val="accent1"/>
-          </a:effectRef>
-          <a:fontRef idx="minor">
-            <a:schemeClr val="tx1"/>
-          </a:fontRef>
-        </p:style>
-      </p:cxnSp>
-      <p:cxnSp>
-        <p:nvCxnSpPr>
-          <p:cNvPr id="17" name="Straight Connector 16">
-            <a:extLst>
-              <a:ext uri="{FF2B5EF4-FFF2-40B4-BE49-F238E27FC236}">
-                <a16:creationId xmlns:a16="http://schemas.microsoft.com/office/drawing/2014/main" id="{73E0BA87-2204-AF4E-8CCB-CA9387EF884B}"/>
-              </a:ext>
-            </a:extLst>
-          </p:cNvPr>
-          <p:cNvCxnSpPr/>
-          <p:nvPr/>
-        </p:nvCxnSpPr>
-        <p:spPr>
-          <a:xfrm>
-            <a:off x="5253010" y="4318946"/>
-            <a:ext cx="262759" cy="0"/>
-          </a:xfrm>
-          <a:prstGeom prst="line">
-            <a:avLst/>
-          </a:prstGeom>
-          <a:ln w="63500">
-            <a:solidFill>
-              <a:schemeClr val="bg1"/>
-            </a:solidFill>
-          </a:ln>
-          <a:effectLst/>
-        </p:spPr>
-        <p:style>
-          <a:lnRef idx="2">
-            <a:schemeClr val="accent1"/>
-          </a:lnRef>
-          <a:fillRef idx="0">
-            <a:schemeClr val="accent1"/>
-          </a:fillRef>
-          <a:effectRef idx="1">
-            <a:schemeClr val="accent1"/>
-          </a:effectRef>
-          <a:fontRef idx="minor">
-            <a:schemeClr val="tx1"/>
-          </a:fontRef>
-        </p:style>
-      </p:cxnSp>
-      <p:cxnSp>
-        <p:nvCxnSpPr>
-          <p:cNvPr id="21" name="Straight Connector 20">
-            <a:extLst>
-              <a:ext uri="{FF2B5EF4-FFF2-40B4-BE49-F238E27FC236}">
-                <a16:creationId xmlns:a16="http://schemas.microsoft.com/office/drawing/2014/main" id="{72CEF3C7-D63B-D547-ABA2-1E76EEDB4843}"/>
-              </a:ext>
-            </a:extLst>
-          </p:cNvPr>
-          <p:cNvCxnSpPr/>
-          <p:nvPr/>
-        </p:nvCxnSpPr>
-        <p:spPr>
-          <a:xfrm>
-            <a:off x="696863" y="3544067"/>
-            <a:ext cx="0" cy="501612"/>
-          </a:xfrm>
-          <a:prstGeom prst="line">
-            <a:avLst/>
-          </a:prstGeom>
-          <a:ln w="12700">
-            <a:solidFill>
-              <a:schemeClr val="tx1"/>
-            </a:solidFill>
-            <a:prstDash val="dash"/>
-          </a:ln>
-          <a:effectLst/>
-        </p:spPr>
-        <p:style>
-          <a:lnRef idx="2">
-            <a:schemeClr val="accent1"/>
-          </a:lnRef>
-          <a:fillRef idx="0">
-            <a:schemeClr val="accent1"/>
-          </a:fillRef>
-          <a:effectRef idx="1">
-            <a:schemeClr val="accent1"/>
-          </a:effectRef>
-          <a:fontRef idx="minor">
-            <a:schemeClr val="tx1"/>
-          </a:fontRef>
-        </p:style>
-      </p:cxnSp>
-      <p:cxnSp>
-        <p:nvCxnSpPr>
-          <p:cNvPr id="22" name="Straight Connector 21">
-            <a:extLst>
-              <a:ext uri="{FF2B5EF4-FFF2-40B4-BE49-F238E27FC236}">
-                <a16:creationId xmlns:a16="http://schemas.microsoft.com/office/drawing/2014/main" id="{45EEFD89-F57D-3748-9BF8-AECA1B4CDE6B}"/>
-              </a:ext>
-            </a:extLst>
-          </p:cNvPr>
-          <p:cNvCxnSpPr/>
-          <p:nvPr/>
-        </p:nvCxnSpPr>
-        <p:spPr>
-          <a:xfrm>
-            <a:off x="4783255" y="3553886"/>
-            <a:ext cx="0" cy="501612"/>
-          </a:xfrm>
-          <a:prstGeom prst="line">
-            <a:avLst/>
-          </a:prstGeom>
-          <a:ln w="12700">
-            <a:solidFill>
-              <a:schemeClr val="tx1"/>
-            </a:solidFill>
-            <a:prstDash val="dash"/>
-          </a:ln>
-          <a:effectLst/>
-        </p:spPr>
-        <p:style>
-          <a:lnRef idx="2">
-            <a:schemeClr val="accent1"/>
-          </a:lnRef>
-          <a:fillRef idx="0">
-            <a:schemeClr val="accent1"/>
-          </a:fillRef>
-          <a:effectRef idx="1">
-            <a:schemeClr val="accent1"/>
-          </a:effectRef>
-          <a:fontRef idx="minor">
-            <a:schemeClr val="tx1"/>
-          </a:fontRef>
-        </p:style>
-      </p:cxnSp>
-      <p:cxnSp>
-        <p:nvCxnSpPr>
-          <p:cNvPr id="23" name="Straight Connector 22">
-            <a:extLst>
-              <a:ext uri="{FF2B5EF4-FFF2-40B4-BE49-F238E27FC236}">
-                <a16:creationId xmlns:a16="http://schemas.microsoft.com/office/drawing/2014/main" id="{413AC62C-E9B0-B041-BB6C-B9198CF63993}"/>
-              </a:ext>
-            </a:extLst>
-          </p:cNvPr>
-          <p:cNvCxnSpPr/>
-          <p:nvPr/>
-        </p:nvCxnSpPr>
-        <p:spPr>
-          <a:xfrm>
-            <a:off x="5889245" y="3548631"/>
-            <a:ext cx="0" cy="501612"/>
-          </a:xfrm>
-          <a:prstGeom prst="line">
-            <a:avLst/>
-          </a:prstGeom>
-          <a:ln w="12700">
-            <a:solidFill>
-              <a:schemeClr val="tx1"/>
-            </a:solidFill>
-            <a:prstDash val="dash"/>
-          </a:ln>
-          <a:effectLst/>
-        </p:spPr>
-        <p:style>
-          <a:lnRef idx="2">
-            <a:schemeClr val="accent1"/>
-          </a:lnRef>
-          <a:fillRef idx="0">
-            <a:schemeClr val="accent1"/>
-          </a:fillRef>
-          <a:effectRef idx="1">
-            <a:schemeClr val="accent1"/>
-          </a:effectRef>
-          <a:fontRef idx="minor">
-            <a:schemeClr val="tx1"/>
-          </a:fontRef>
-        </p:style>
-      </p:cxnSp>
-      <p:pic>
-        <p:nvPicPr>
-          <p:cNvPr id="3" name="Picture 2">
-            <a:extLst>
-              <a:ext uri="{FF2B5EF4-FFF2-40B4-BE49-F238E27FC236}">
-                <a16:creationId xmlns:a16="http://schemas.microsoft.com/office/drawing/2014/main" id="{B3CA291D-13BF-BC45-90B0-470D06FD79F4}"/>
-              </a:ext>
-            </a:extLst>
-          </p:cNvPr>
-          <p:cNvPicPr>
-            <a:picLocks noChangeAspect="1"/>
-          </p:cNvPicPr>
-          <p:nvPr/>
-        </p:nvPicPr>
-        <p:blipFill>
-          <a:blip r:embed="rId2"/>
-          <a:stretch>
-            <a:fillRect/>
-          </a:stretch>
-        </p:blipFill>
-        <p:spPr>
-          <a:xfrm>
-            <a:off x="437324" y="1948068"/>
-            <a:ext cx="1408733" cy="1414323"/>
-          </a:xfrm>
-          <a:prstGeom prst="rect">
-            <a:avLst/>
-          </a:prstGeom>
-        </p:spPr>
-      </p:pic>
-      <p:pic>
-        <p:nvPicPr>
-          <p:cNvPr id="26" name="Picture 25">
-            <a:extLst>
-              <a:ext uri="{FF2B5EF4-FFF2-40B4-BE49-F238E27FC236}">
-                <a16:creationId xmlns:a16="http://schemas.microsoft.com/office/drawing/2014/main" id="{D1E4495A-C4D6-EE4E-9041-429060D79615}"/>
-              </a:ext>
-            </a:extLst>
-          </p:cNvPr>
-          <p:cNvPicPr>
-            <a:picLocks noChangeAspect="1"/>
-          </p:cNvPicPr>
-          <p:nvPr/>
-        </p:nvPicPr>
-        <p:blipFill>
-          <a:blip r:embed="rId3"/>
-          <a:stretch>
-            <a:fillRect/>
-          </a:stretch>
-        </p:blipFill>
-        <p:spPr>
-          <a:xfrm>
-            <a:off x="5496809" y="1948068"/>
-            <a:ext cx="1408733" cy="1408733"/>
-          </a:xfrm>
-          <a:prstGeom prst="rect">
-            <a:avLst/>
-          </a:prstGeom>
-        </p:spPr>
-      </p:pic>
-      <p:pic>
-        <p:nvPicPr>
-          <p:cNvPr id="28" name="Picture 27">
-            <a:extLst>
-              <a:ext uri="{FF2B5EF4-FFF2-40B4-BE49-F238E27FC236}">
-                <a16:creationId xmlns:a16="http://schemas.microsoft.com/office/drawing/2014/main" id="{67B5C0F3-91D7-074F-9005-9F094EE7CA9E}"/>
-              </a:ext>
-            </a:extLst>
-          </p:cNvPr>
-          <p:cNvPicPr>
-            <a:picLocks noChangeAspect="1"/>
-          </p:cNvPicPr>
-          <p:nvPr/>
-        </p:nvPicPr>
-        <p:blipFill>
-          <a:blip r:embed="rId4"/>
-          <a:srcRect/>
-          <a:stretch/>
-        </p:blipFill>
-        <p:spPr>
-          <a:xfrm>
-            <a:off x="3901827" y="1949964"/>
-            <a:ext cx="1408732" cy="1397639"/>
-          </a:xfrm>
-          <a:prstGeom prst="rect">
-            <a:avLst/>
-          </a:prstGeom>
-        </p:spPr>
-      </p:pic>
-      <p:cxnSp>
-        <p:nvCxnSpPr>
-          <p:cNvPr id="43" name="Straight Arrow Connector 42">
-            <a:extLst>
-              <a:ext uri="{FF2B5EF4-FFF2-40B4-BE49-F238E27FC236}">
-                <a16:creationId xmlns:a16="http://schemas.microsoft.com/office/drawing/2014/main" id="{ECA8D082-CF8A-0547-A83E-A9D55BA28E36}"/>
-              </a:ext>
-            </a:extLst>
-          </p:cNvPr>
-          <p:cNvCxnSpPr>
-            <a:cxnSpLocks/>
-          </p:cNvCxnSpPr>
-          <p:nvPr/>
-        </p:nvCxnSpPr>
-        <p:spPr>
-          <a:xfrm>
-            <a:off x="5704954" y="4303185"/>
-            <a:ext cx="540000" cy="0"/>
-          </a:xfrm>
-          <a:prstGeom prst="straightConnector1">
-            <a:avLst/>
-          </a:prstGeom>
-          <a:ln>
-            <a:tailEnd type="triangle"/>
-          </a:ln>
-        </p:spPr>
-        <p:style>
-          <a:lnRef idx="2">
-            <a:schemeClr val="accent1"/>
-          </a:lnRef>
-          <a:fillRef idx="0">
-            <a:schemeClr val="accent1"/>
-          </a:fillRef>
-          <a:effectRef idx="1">
-            <a:schemeClr val="accent1"/>
-          </a:effectRef>
-          <a:fontRef idx="minor">
-            <a:schemeClr val="tx1"/>
-          </a:fontRef>
-        </p:style>
-      </p:cxnSp>
-    </p:spTree>
-    <p:extLst>
-      <p:ext uri="{BB962C8B-B14F-4D97-AF65-F5344CB8AC3E}">
-        <p14:creationId xmlns:p14="http://schemas.microsoft.com/office/powerpoint/2010/main" val="243646481"/>
-      </p:ext>
-    </p:extLst>
-  </p:cSld>
-  <p:clrMapOvr>
-    <a:masterClrMapping/>
-  </p:clrMapOvr>
-</p:sld>
-</file>
-
 <file path=ppt/slides/slide8.xml><?xml version="1.0" encoding="utf-8"?>
 <p:sld xmlns:a="http://schemas.openxmlformats.org/drawingml/2006/main" xmlns:r="http://schemas.openxmlformats.org/officeDocument/2006/relationships" xmlns:p="http://schemas.openxmlformats.org/presentationml/2006/main">
   <p:cSld>
@@ -9732,7 +10989,6 @@
           <p:cNvCxnSpPr>
             <a:cxnSpLocks/>
             <a:stCxn id="8" idx="3"/>
-            <a:endCxn id="15" idx="2"/>
           </p:cNvCxnSpPr>
           <p:nvPr/>
         </p:nvCxnSpPr>
@@ -9747,136 +11003,6 @@
           <a:ln>
             <a:tailEnd type="triangle"/>
           </a:ln>
-        </p:spPr>
-        <p:style>
-          <a:lnRef idx="2">
-            <a:schemeClr val="accent1"/>
-          </a:lnRef>
-          <a:fillRef idx="0">
-            <a:schemeClr val="accent1"/>
-          </a:fillRef>
-          <a:effectRef idx="1">
-            <a:schemeClr val="accent1"/>
-          </a:effectRef>
-          <a:fontRef idx="minor">
-            <a:schemeClr val="tx1"/>
-          </a:fontRef>
-        </p:style>
-      </p:cxnSp>
-      <p:sp>
-        <p:nvSpPr>
-          <p:cNvPr id="15" name="Oval 14">
-            <a:extLst>
-              <a:ext uri="{FF2B5EF4-FFF2-40B4-BE49-F238E27FC236}">
-                <a16:creationId xmlns:a16="http://schemas.microsoft.com/office/drawing/2014/main" id="{2A6DF78B-3B6A-8545-B71D-D0CE18A2D644}"/>
-              </a:ext>
-            </a:extLst>
-          </p:cNvPr>
-          <p:cNvSpPr/>
-          <p:nvPr/>
-        </p:nvSpPr>
-        <p:spPr>
-          <a:xfrm>
-            <a:off x="5053308" y="3972109"/>
-            <a:ext cx="651641" cy="651641"/>
-          </a:xfrm>
-          <a:prstGeom prst="ellipse">
-            <a:avLst/>
-          </a:prstGeom>
-        </p:spPr>
-        <p:style>
-          <a:lnRef idx="1">
-            <a:schemeClr val="accent1"/>
-          </a:lnRef>
-          <a:fillRef idx="3">
-            <a:schemeClr val="accent1"/>
-          </a:fillRef>
-          <a:effectRef idx="2">
-            <a:schemeClr val="accent1"/>
-          </a:effectRef>
-          <a:fontRef idx="minor">
-            <a:schemeClr val="lt1"/>
-          </a:fontRef>
-        </p:style>
-        <p:txBody>
-          <a:bodyPr rtlCol="0" anchor="ctr"/>
-          <a:lstStyle/>
-          <a:p>
-            <a:pPr algn="ctr"/>
-            <a:endParaRPr lang="en-US"/>
-          </a:p>
-        </p:txBody>
-      </p:sp>
-      <p:cxnSp>
-        <p:nvCxnSpPr>
-          <p:cNvPr id="16" name="Elbow Connector 15">
-            <a:extLst>
-              <a:ext uri="{FF2B5EF4-FFF2-40B4-BE49-F238E27FC236}">
-                <a16:creationId xmlns:a16="http://schemas.microsoft.com/office/drawing/2014/main" id="{FE6174D1-9E33-8D40-BB9B-346CF4DA8E48}"/>
-              </a:ext>
-            </a:extLst>
-          </p:cNvPr>
-          <p:cNvCxnSpPr>
-            <a:cxnSpLocks/>
-            <a:endCxn id="15" idx="4"/>
-          </p:cNvCxnSpPr>
-          <p:nvPr/>
-        </p:nvCxnSpPr>
-        <p:spPr>
-          <a:xfrm rot="16200000" flipH="1">
-            <a:off x="2813642" y="2058262"/>
-            <a:ext cx="325821" cy="4805154"/>
-          </a:xfrm>
-          <a:prstGeom prst="bentConnector3">
-            <a:avLst>
-              <a:gd name="adj1" fmla="val 322686"/>
-            </a:avLst>
-          </a:prstGeom>
-          <a:ln>
-            <a:tailEnd type="triangle"/>
-          </a:ln>
-        </p:spPr>
-        <p:style>
-          <a:lnRef idx="2">
-            <a:schemeClr val="accent1"/>
-          </a:lnRef>
-          <a:fillRef idx="0">
-            <a:schemeClr val="accent1"/>
-          </a:fillRef>
-          <a:effectRef idx="1">
-            <a:schemeClr val="accent1"/>
-          </a:effectRef>
-          <a:fontRef idx="minor">
-            <a:schemeClr val="tx1"/>
-          </a:fontRef>
-        </p:style>
-      </p:cxnSp>
-      <p:cxnSp>
-        <p:nvCxnSpPr>
-          <p:cNvPr id="17" name="Straight Connector 16">
-            <a:extLst>
-              <a:ext uri="{FF2B5EF4-FFF2-40B4-BE49-F238E27FC236}">
-                <a16:creationId xmlns:a16="http://schemas.microsoft.com/office/drawing/2014/main" id="{73E0BA87-2204-AF4E-8CCB-CA9387EF884B}"/>
-              </a:ext>
-            </a:extLst>
-          </p:cNvPr>
-          <p:cNvCxnSpPr/>
-          <p:nvPr/>
-        </p:nvCxnSpPr>
-        <p:spPr>
-          <a:xfrm>
-            <a:off x="5253010" y="4318946"/>
-            <a:ext cx="262759" cy="0"/>
-          </a:xfrm>
-          <a:prstGeom prst="line">
-            <a:avLst/>
-          </a:prstGeom>
-          <a:ln w="63500">
-            <a:solidFill>
-              <a:schemeClr val="bg1"/>
-            </a:solidFill>
-          </a:ln>
-          <a:effectLst/>
         </p:spPr>
         <p:style>
           <a:lnRef idx="2">
@@ -9979,49 +11105,6 @@
           </a:fontRef>
         </p:style>
       </p:cxnSp>
-      <p:cxnSp>
-        <p:nvCxnSpPr>
-          <p:cNvPr id="23" name="Straight Connector 22">
-            <a:extLst>
-              <a:ext uri="{FF2B5EF4-FFF2-40B4-BE49-F238E27FC236}">
-                <a16:creationId xmlns:a16="http://schemas.microsoft.com/office/drawing/2014/main" id="{413AC62C-E9B0-B041-BB6C-B9198CF63993}"/>
-              </a:ext>
-            </a:extLst>
-          </p:cNvPr>
-          <p:cNvCxnSpPr/>
-          <p:nvPr/>
-        </p:nvCxnSpPr>
-        <p:spPr>
-          <a:xfrm>
-            <a:off x="5889245" y="3548631"/>
-            <a:ext cx="0" cy="501612"/>
-          </a:xfrm>
-          <a:prstGeom prst="line">
-            <a:avLst/>
-          </a:prstGeom>
-          <a:ln w="12700">
-            <a:solidFill>
-              <a:schemeClr val="tx1"/>
-            </a:solidFill>
-            <a:prstDash val="dash"/>
-          </a:ln>
-          <a:effectLst/>
-        </p:spPr>
-        <p:style>
-          <a:lnRef idx="2">
-            <a:schemeClr val="accent1"/>
-          </a:lnRef>
-          <a:fillRef idx="0">
-            <a:schemeClr val="accent1"/>
-          </a:fillRef>
-          <a:effectRef idx="1">
-            <a:schemeClr val="accent1"/>
-          </a:effectRef>
-          <a:fontRef idx="minor">
-            <a:schemeClr val="tx1"/>
-          </a:fontRef>
-        </p:style>
-      </p:cxnSp>
       <p:pic>
         <p:nvPicPr>
           <p:cNvPr id="3" name="Picture 2">
@@ -10054,10 +11137,10 @@
       </p:pic>
       <p:pic>
         <p:nvPicPr>
-          <p:cNvPr id="26" name="Picture 25">
-            <a:extLst>
-              <a:ext uri="{FF2B5EF4-FFF2-40B4-BE49-F238E27FC236}">
-                <a16:creationId xmlns:a16="http://schemas.microsoft.com/office/drawing/2014/main" id="{D1E4495A-C4D6-EE4E-9041-429060D79615}"/>
+          <p:cNvPr id="28" name="Picture 27">
+            <a:extLst>
+              <a:ext uri="{FF2B5EF4-FFF2-40B4-BE49-F238E27FC236}">
+                <a16:creationId xmlns:a16="http://schemas.microsoft.com/office/drawing/2014/main" id="{67B5C0F3-91D7-074F-9005-9F094EE7CA9E}"/>
               </a:ext>
             </a:extLst>
           </p:cNvPr>
@@ -10068,36 +11151,6 @@
         </p:nvPicPr>
         <p:blipFill>
           <a:blip r:embed="rId3"/>
-          <a:stretch>
-            <a:fillRect/>
-          </a:stretch>
-        </p:blipFill>
-        <p:spPr>
-          <a:xfrm>
-            <a:off x="5496809" y="1948068"/>
-            <a:ext cx="1408733" cy="1408733"/>
-          </a:xfrm>
-          <a:prstGeom prst="rect">
-            <a:avLst/>
-          </a:prstGeom>
-        </p:spPr>
-      </p:pic>
-      <p:pic>
-        <p:nvPicPr>
-          <p:cNvPr id="28" name="Picture 27">
-            <a:extLst>
-              <a:ext uri="{FF2B5EF4-FFF2-40B4-BE49-F238E27FC236}">
-                <a16:creationId xmlns:a16="http://schemas.microsoft.com/office/drawing/2014/main" id="{67B5C0F3-91D7-074F-9005-9F094EE7CA9E}"/>
-              </a:ext>
-            </a:extLst>
-          </p:cNvPr>
-          <p:cNvPicPr>
-            <a:picLocks noChangeAspect="1"/>
-          </p:cNvPicPr>
-          <p:nvPr/>
-        </p:nvPicPr>
-        <p:blipFill>
-          <a:blip r:embed="rId4"/>
           <a:srcRect/>
           <a:stretch/>
         </p:blipFill>
@@ -10111,136 +11164,10 @@
           </a:prstGeom>
         </p:spPr>
       </p:pic>
-      <p:sp>
-        <p:nvSpPr>
-          <p:cNvPr id="29" name="Right Brace 28">
-            <a:extLst>
-              <a:ext uri="{FF2B5EF4-FFF2-40B4-BE49-F238E27FC236}">
-                <a16:creationId xmlns:a16="http://schemas.microsoft.com/office/drawing/2014/main" id="{99981DE2-9FFF-C742-880E-52DCFD7F8361}"/>
-              </a:ext>
-            </a:extLst>
-          </p:cNvPr>
-          <p:cNvSpPr/>
-          <p:nvPr/>
-        </p:nvSpPr>
-        <p:spPr>
-          <a:xfrm rot="5400000">
-            <a:off x="3305845" y="3522398"/>
-            <a:ext cx="325822" cy="4651513"/>
-          </a:xfrm>
-          <a:prstGeom prst="rightBrace">
-            <a:avLst/>
-          </a:prstGeom>
-          <a:ln>
-            <a:solidFill>
-              <a:schemeClr val="tx1"/>
-            </a:solidFill>
-          </a:ln>
-        </p:spPr>
-        <p:style>
-          <a:lnRef idx="2">
-            <a:schemeClr val="accent1"/>
-          </a:lnRef>
-          <a:fillRef idx="0">
-            <a:schemeClr val="accent1"/>
-          </a:fillRef>
-          <a:effectRef idx="1">
-            <a:schemeClr val="accent1"/>
-          </a:effectRef>
-          <a:fontRef idx="minor">
-            <a:schemeClr val="tx1"/>
-          </a:fontRef>
-        </p:style>
-        <p:txBody>
-          <a:bodyPr rtlCol="0" anchor="ctr"/>
-          <a:lstStyle/>
-          <a:p>
-            <a:pPr algn="ctr"/>
-            <a:endParaRPr lang="en-US"/>
-          </a:p>
-        </p:txBody>
-      </p:sp>
-      <p:sp>
-        <p:nvSpPr>
-          <p:cNvPr id="30" name="TextBox 29">
-            <a:extLst>
-              <a:ext uri="{FF2B5EF4-FFF2-40B4-BE49-F238E27FC236}">
-                <a16:creationId xmlns:a16="http://schemas.microsoft.com/office/drawing/2014/main" id="{2C6B5658-41CB-574E-B21F-155218009FB2}"/>
-              </a:ext>
-            </a:extLst>
-          </p:cNvPr>
-          <p:cNvSpPr txBox="1"/>
-          <p:nvPr/>
-        </p:nvSpPr>
-        <p:spPr>
-          <a:xfrm>
-            <a:off x="3041372" y="6129707"/>
-            <a:ext cx="849720" cy="369332"/>
-          </a:xfrm>
-          <a:prstGeom prst="rect">
-            <a:avLst/>
-          </a:prstGeom>
-          <a:noFill/>
-        </p:spPr>
-        <p:txBody>
-          <a:bodyPr wrap="none" rtlCol="0">
-            <a:spAutoFit/>
-          </a:bodyPr>
-          <a:lstStyle/>
-          <a:p>
-            <a:r>
-              <a:rPr lang="en-US" dirty="0" err="1"/>
-              <a:t>TopHat</a:t>
-            </a:r>
-            <a:endParaRPr lang="en-US" dirty="0"/>
-          </a:p>
-        </p:txBody>
-      </p:sp>
-      <p:cxnSp>
-        <p:nvCxnSpPr>
-          <p:cNvPr id="43" name="Straight Arrow Connector 42">
-            <a:extLst>
-              <a:ext uri="{FF2B5EF4-FFF2-40B4-BE49-F238E27FC236}">
-                <a16:creationId xmlns:a16="http://schemas.microsoft.com/office/drawing/2014/main" id="{ECA8D082-CF8A-0547-A83E-A9D55BA28E36}"/>
-              </a:ext>
-            </a:extLst>
-          </p:cNvPr>
-          <p:cNvCxnSpPr>
-            <a:cxnSpLocks/>
-          </p:cNvCxnSpPr>
-          <p:nvPr/>
-        </p:nvCxnSpPr>
-        <p:spPr>
-          <a:xfrm>
-            <a:off x="5704954" y="4303185"/>
-            <a:ext cx="540000" cy="0"/>
-          </a:xfrm>
-          <a:prstGeom prst="straightConnector1">
-            <a:avLst/>
-          </a:prstGeom>
-          <a:ln>
-            <a:tailEnd type="triangle"/>
-          </a:ln>
-        </p:spPr>
-        <p:style>
-          <a:lnRef idx="2">
-            <a:schemeClr val="accent1"/>
-          </a:lnRef>
-          <a:fillRef idx="0">
-            <a:schemeClr val="accent1"/>
-          </a:fillRef>
-          <a:effectRef idx="1">
-            <a:schemeClr val="accent1"/>
-          </a:effectRef>
-          <a:fontRef idx="minor">
-            <a:schemeClr val="tx1"/>
-          </a:fontRef>
-        </p:style>
-      </p:cxnSp>
     </p:spTree>
     <p:extLst>
       <p:ext uri="{BB962C8B-B14F-4D97-AF65-F5344CB8AC3E}">
-        <p14:creationId xmlns:p14="http://schemas.microsoft.com/office/powerpoint/2010/main" val="184759005"/>
+        <p14:creationId xmlns:p14="http://schemas.microsoft.com/office/powerpoint/2010/main" val="155409192"/>
       </p:ext>
     </p:extLst>
   </p:cSld>
@@ -10592,94 +11519,6 @@
           </a:fontRef>
         </p:style>
       </p:cxnSp>
-      <p:sp>
-        <p:nvSpPr>
-          <p:cNvPr id="19" name="Rounded Rectangle 18">
-            <a:extLst>
-              <a:ext uri="{FF2B5EF4-FFF2-40B4-BE49-F238E27FC236}">
-                <a16:creationId xmlns:a16="http://schemas.microsoft.com/office/drawing/2014/main" id="{A7D4FB48-722F-8943-BF69-F168D1CF98DC}"/>
-              </a:ext>
-            </a:extLst>
-          </p:cNvPr>
-          <p:cNvSpPr/>
-          <p:nvPr/>
-        </p:nvSpPr>
-        <p:spPr>
-          <a:xfrm>
-            <a:off x="6248066" y="3719860"/>
-            <a:ext cx="1282261" cy="1219200"/>
-          </a:xfrm>
-          <a:prstGeom prst="roundRect">
-            <a:avLst/>
-          </a:prstGeom>
-        </p:spPr>
-        <p:style>
-          <a:lnRef idx="1">
-            <a:schemeClr val="accent1"/>
-          </a:lnRef>
-          <a:fillRef idx="3">
-            <a:schemeClr val="accent1"/>
-          </a:fillRef>
-          <a:effectRef idx="2">
-            <a:schemeClr val="accent1"/>
-          </a:effectRef>
-          <a:fontRef idx="minor">
-            <a:schemeClr val="lt1"/>
-          </a:fontRef>
-        </p:style>
-        <p:txBody>
-          <a:bodyPr rtlCol="0" anchor="ctr"/>
-          <a:lstStyle/>
-          <a:p>
-            <a:pPr algn="ctr"/>
-            <a:r>
-              <a:rPr lang="en-US" dirty="0"/>
-              <a:t>Umbral</a:t>
-            </a:r>
-          </a:p>
-        </p:txBody>
-      </p:sp>
-      <p:cxnSp>
-        <p:nvCxnSpPr>
-          <p:cNvPr id="20" name="Straight Arrow Connector 19">
-            <a:extLst>
-              <a:ext uri="{FF2B5EF4-FFF2-40B4-BE49-F238E27FC236}">
-                <a16:creationId xmlns:a16="http://schemas.microsoft.com/office/drawing/2014/main" id="{65B275A6-B1D8-C543-954C-2F19146A1778}"/>
-              </a:ext>
-            </a:extLst>
-          </p:cNvPr>
-          <p:cNvCxnSpPr>
-            <a:cxnSpLocks/>
-          </p:cNvCxnSpPr>
-          <p:nvPr/>
-        </p:nvCxnSpPr>
-        <p:spPr>
-          <a:xfrm>
-            <a:off x="7514445" y="4313231"/>
-            <a:ext cx="1188000" cy="1"/>
-          </a:xfrm>
-          <a:prstGeom prst="straightConnector1">
-            <a:avLst/>
-          </a:prstGeom>
-          <a:ln>
-            <a:tailEnd type="triangle"/>
-          </a:ln>
-        </p:spPr>
-        <p:style>
-          <a:lnRef idx="2">
-            <a:schemeClr val="accent1"/>
-          </a:lnRef>
-          <a:fillRef idx="0">
-            <a:schemeClr val="accent1"/>
-          </a:fillRef>
-          <a:effectRef idx="1">
-            <a:schemeClr val="accent1"/>
-          </a:effectRef>
-          <a:fontRef idx="minor">
-            <a:schemeClr val="tx1"/>
-          </a:fontRef>
-        </p:style>
-      </p:cxnSp>
       <p:cxnSp>
         <p:nvCxnSpPr>
           <p:cNvPr id="21" name="Straight Connector 20">
@@ -10809,49 +11648,6 @@
           </a:fontRef>
         </p:style>
       </p:cxnSp>
-      <p:cxnSp>
-        <p:nvCxnSpPr>
-          <p:cNvPr id="24" name="Straight Connector 23">
-            <a:extLst>
-              <a:ext uri="{FF2B5EF4-FFF2-40B4-BE49-F238E27FC236}">
-                <a16:creationId xmlns:a16="http://schemas.microsoft.com/office/drawing/2014/main" id="{D635FED2-29F9-7740-BB83-8C958CEF0F26}"/>
-              </a:ext>
-            </a:extLst>
-          </p:cNvPr>
-          <p:cNvCxnSpPr/>
-          <p:nvPr/>
-        </p:nvCxnSpPr>
-        <p:spPr>
-          <a:xfrm>
-            <a:off x="8046113" y="3544067"/>
-            <a:ext cx="0" cy="501612"/>
-          </a:xfrm>
-          <a:prstGeom prst="line">
-            <a:avLst/>
-          </a:prstGeom>
-          <a:ln w="12700">
-            <a:solidFill>
-              <a:schemeClr val="tx1"/>
-            </a:solidFill>
-            <a:prstDash val="dash"/>
-          </a:ln>
-          <a:effectLst/>
-        </p:spPr>
-        <p:style>
-          <a:lnRef idx="2">
-            <a:schemeClr val="accent1"/>
-          </a:lnRef>
-          <a:fillRef idx="0">
-            <a:schemeClr val="accent1"/>
-          </a:fillRef>
-          <a:effectRef idx="1">
-            <a:schemeClr val="accent1"/>
-          </a:effectRef>
-          <a:fontRef idx="minor">
-            <a:schemeClr val="tx1"/>
-          </a:fontRef>
-        </p:style>
-      </p:cxnSp>
       <p:pic>
         <p:nvPicPr>
           <p:cNvPr id="3" name="Picture 2">
@@ -10884,10 +11680,10 @@
       </p:pic>
       <p:pic>
         <p:nvPicPr>
-          <p:cNvPr id="6" name="Picture 5">
-            <a:extLst>
-              <a:ext uri="{FF2B5EF4-FFF2-40B4-BE49-F238E27FC236}">
-                <a16:creationId xmlns:a16="http://schemas.microsoft.com/office/drawing/2014/main" id="{A3A5ADD0-7C0C-7A4E-AF63-738938F781D6}"/>
+          <p:cNvPr id="26" name="Picture 25">
+            <a:extLst>
+              <a:ext uri="{FF2B5EF4-FFF2-40B4-BE49-F238E27FC236}">
+                <a16:creationId xmlns:a16="http://schemas.microsoft.com/office/drawing/2014/main" id="{D1E4495A-C4D6-EE4E-9041-429060D79615}"/>
               </a:ext>
             </a:extLst>
           </p:cNvPr>
@@ -10904,36 +11700,6 @@
         </p:blipFill>
         <p:spPr>
           <a:xfrm>
-            <a:off x="7325122" y="1947213"/>
-            <a:ext cx="1403143" cy="1403143"/>
-          </a:xfrm>
-          <a:prstGeom prst="rect">
-            <a:avLst/>
-          </a:prstGeom>
-        </p:spPr>
-      </p:pic>
-      <p:pic>
-        <p:nvPicPr>
-          <p:cNvPr id="26" name="Picture 25">
-            <a:extLst>
-              <a:ext uri="{FF2B5EF4-FFF2-40B4-BE49-F238E27FC236}">
-                <a16:creationId xmlns:a16="http://schemas.microsoft.com/office/drawing/2014/main" id="{D1E4495A-C4D6-EE4E-9041-429060D79615}"/>
-              </a:ext>
-            </a:extLst>
-          </p:cNvPr>
-          <p:cNvPicPr>
-            <a:picLocks noChangeAspect="1"/>
-          </p:cNvPicPr>
-          <p:nvPr/>
-        </p:nvPicPr>
-        <p:blipFill>
-          <a:blip r:embed="rId4"/>
-          <a:stretch>
-            <a:fillRect/>
-          </a:stretch>
-        </p:blipFill>
-        <p:spPr>
-          <a:xfrm>
             <a:off x="5496809" y="1948068"/>
             <a:ext cx="1408733" cy="1408733"/>
           </a:xfrm>
@@ -10957,7 +11723,7 @@
           <p:nvPr/>
         </p:nvPicPr>
         <p:blipFill>
-          <a:blip r:embed="rId5"/>
+          <a:blip r:embed="rId4"/>
           <a:srcRect/>
           <a:stretch/>
         </p:blipFill>
@@ -10971,91 +11737,6 @@
           </a:prstGeom>
         </p:spPr>
       </p:pic>
-      <p:sp>
-        <p:nvSpPr>
-          <p:cNvPr id="29" name="Right Brace 28">
-            <a:extLst>
-              <a:ext uri="{FF2B5EF4-FFF2-40B4-BE49-F238E27FC236}">
-                <a16:creationId xmlns:a16="http://schemas.microsoft.com/office/drawing/2014/main" id="{99981DE2-9FFF-C742-880E-52DCFD7F8361}"/>
-              </a:ext>
-            </a:extLst>
-          </p:cNvPr>
-          <p:cNvSpPr/>
-          <p:nvPr/>
-        </p:nvSpPr>
-        <p:spPr>
-          <a:xfrm rot="5400000">
-            <a:off x="3305845" y="3522398"/>
-            <a:ext cx="325822" cy="4651513"/>
-          </a:xfrm>
-          <a:prstGeom prst="rightBrace">
-            <a:avLst/>
-          </a:prstGeom>
-          <a:ln>
-            <a:solidFill>
-              <a:schemeClr val="tx1"/>
-            </a:solidFill>
-          </a:ln>
-        </p:spPr>
-        <p:style>
-          <a:lnRef idx="2">
-            <a:schemeClr val="accent1"/>
-          </a:lnRef>
-          <a:fillRef idx="0">
-            <a:schemeClr val="accent1"/>
-          </a:fillRef>
-          <a:effectRef idx="1">
-            <a:schemeClr val="accent1"/>
-          </a:effectRef>
-          <a:fontRef idx="minor">
-            <a:schemeClr val="tx1"/>
-          </a:fontRef>
-        </p:style>
-        <p:txBody>
-          <a:bodyPr rtlCol="0" anchor="ctr"/>
-          <a:lstStyle/>
-          <a:p>
-            <a:pPr algn="ctr"/>
-            <a:endParaRPr lang="en-US"/>
-          </a:p>
-        </p:txBody>
-      </p:sp>
-      <p:sp>
-        <p:nvSpPr>
-          <p:cNvPr id="30" name="TextBox 29">
-            <a:extLst>
-              <a:ext uri="{FF2B5EF4-FFF2-40B4-BE49-F238E27FC236}">
-                <a16:creationId xmlns:a16="http://schemas.microsoft.com/office/drawing/2014/main" id="{2C6B5658-41CB-574E-B21F-155218009FB2}"/>
-              </a:ext>
-            </a:extLst>
-          </p:cNvPr>
-          <p:cNvSpPr txBox="1"/>
-          <p:nvPr/>
-        </p:nvSpPr>
-        <p:spPr>
-          <a:xfrm>
-            <a:off x="3041372" y="6129707"/>
-            <a:ext cx="849720" cy="369332"/>
-          </a:xfrm>
-          <a:prstGeom prst="rect">
-            <a:avLst/>
-          </a:prstGeom>
-          <a:noFill/>
-        </p:spPr>
-        <p:txBody>
-          <a:bodyPr wrap="none" rtlCol="0">
-            <a:spAutoFit/>
-          </a:bodyPr>
-          <a:lstStyle/>
-          <a:p>
-            <a:r>
-              <a:rPr lang="en-US" dirty="0" err="1"/>
-              <a:t>TopHat</a:t>
-            </a:r>
-            <a:endParaRPr lang="en-US" dirty="0"/>
-          </a:p>
-        </p:txBody>
-      </p:sp>
       <p:cxnSp>
         <p:nvCxnSpPr>
           <p:cNvPr id="43" name="Straight Arrow Connector 42">
@@ -11100,7 +11781,7 @@
     </p:spTree>
     <p:extLst>
       <p:ext uri="{BB962C8B-B14F-4D97-AF65-F5344CB8AC3E}">
-        <p14:creationId xmlns:p14="http://schemas.microsoft.com/office/powerpoint/2010/main" val="1100977139"/>
+        <p14:creationId xmlns:p14="http://schemas.microsoft.com/office/powerpoint/2010/main" val="243646481"/>
       </p:ext>
     </p:extLst>
   </p:cSld>
